--- a/slides/Unit 2 - LC 101 - Class 10.pptx
+++ b/slides/Unit 2 - LC 101 - Class 10.pptx
@@ -1,24 +1,30 @@
 
 <file path=ppt/presentation.xml><?xml version="1.0" encoding="utf-8"?>
-<p:presentation xmlns:a="http://schemas.openxmlformats.org/drawingml/2006/main" xmlns:r="http://schemas.openxmlformats.org/officeDocument/2006/relationships" xmlns:mc="http://schemas.openxmlformats.org/markup-compatibility/2006" xmlns:mv="urn:schemas-microsoft-com:mac:vml" xmlns:p="http://schemas.openxmlformats.org/presentationml/2006/main" xmlns:c="http://schemas.openxmlformats.org/drawingml/2006/chart" xmlns:dgm="http://schemas.openxmlformats.org/drawingml/2006/diagram" xmlns:o="urn:schemas-microsoft-com:office:office" xmlns:v="urn:schemas-microsoft-com:vml" xmlns:pvml="urn:schemas-microsoft-com:office:powerpoint" xmlns:com="http://schemas.openxmlformats.org/drawingml/2006/compatibility" xmlns:p14="http://schemas.microsoft.com/office/powerpoint/2010/main" xmlns:p15="http://schemas.microsoft.com/office/powerpoint/2012/main" autoCompressPictures="0" strictFirstAndLastChars="0" saveSubsetFonts="1">
+<p:presentation xmlns:a="http://schemas.openxmlformats.org/drawingml/2006/main" xmlns:r="http://schemas.openxmlformats.org/officeDocument/2006/relationships" xmlns:p="http://schemas.openxmlformats.org/presentationml/2006/main" strictFirstAndLastChars="0" saveSubsetFonts="1" autoCompressPictures="0">
   <p:sldMasterIdLst>
-    <p:sldMasterId id="2147483659" r:id="rId3"/>
+    <p:sldMasterId id="2147483659" r:id="rId1"/>
   </p:sldMasterIdLst>
   <p:notesMasterIdLst>
-    <p:notesMasterId r:id="rId4"/>
+    <p:notesMasterId r:id="rId14"/>
   </p:notesMasterIdLst>
   <p:sldIdLst>
-    <p:sldId id="256" r:id="rId5"/>
-    <p:sldId id="257" r:id="rId6"/>
-    <p:sldId id="258" r:id="rId7"/>
-    <p:sldId id="259" r:id="rId8"/>
-    <p:sldId id="260" r:id="rId9"/>
-    <p:sldId id="261" r:id="rId10"/>
+    <p:sldId id="265" r:id="rId2"/>
+    <p:sldId id="266" r:id="rId3"/>
+    <p:sldId id="267" r:id="rId4"/>
+    <p:sldId id="268" r:id="rId5"/>
+    <p:sldId id="256" r:id="rId6"/>
+    <p:sldId id="257" r:id="rId7"/>
+    <p:sldId id="258" r:id="rId8"/>
+    <p:sldId id="259" r:id="rId9"/>
+    <p:sldId id="260" r:id="rId10"/>
+    <p:sldId id="261" r:id="rId11"/>
+    <p:sldId id="269" r:id="rId12"/>
+    <p:sldId id="270" r:id="rId13"/>
   </p:sldIdLst>
-  <p:sldSz cy="5143500" cx="9144000"/>
+  <p:sldSz cx="9144000" cy="5143500" type="screen16x9"/>
   <p:notesSz cx="6858000" cy="9144000"/>
   <p:defaultTextStyle>
-    <a:defPPr lvl="0" marR="0" rtl="0" algn="l">
+    <a:defPPr marR="0" lvl="0" algn="l" rtl="0">
       <a:lnSpc>
         <a:spcPct val="100000"/>
       </a:lnSpc>
@@ -29,7 +35,7 @@
         <a:spcPts val="0"/>
       </a:spcAft>
     </a:defPPr>
-    <a:lvl1pPr lvl="0" marR="0" rtl="0" algn="l">
+    <a:lvl1pPr marR="0" lvl="0" algn="l" rtl="0">
       <a:lnSpc>
         <a:spcPct val="100000"/>
       </a:lnSpc>
@@ -43,7 +49,7 @@
         <a:srgbClr val="000000"/>
       </a:buClr>
       <a:buFont typeface="Arial"/>
-      <a:defRPr b="0" i="0" sz="1400" u="none" cap="none" strike="noStrike">
+      <a:defRPr sz="1400" b="0" i="0" u="none" strike="noStrike" cap="none">
         <a:solidFill>
           <a:srgbClr val="000000"/>
         </a:solidFill>
@@ -53,7 +59,7 @@
         <a:sym typeface="Arial"/>
       </a:defRPr>
     </a:lvl1pPr>
-    <a:lvl2pPr lvl="1" marR="0" rtl="0" algn="l">
+    <a:lvl2pPr marR="0" lvl="1" algn="l" rtl="0">
       <a:lnSpc>
         <a:spcPct val="100000"/>
       </a:lnSpc>
@@ -67,7 +73,7 @@
         <a:srgbClr val="000000"/>
       </a:buClr>
       <a:buFont typeface="Arial"/>
-      <a:defRPr b="0" i="0" sz="1400" u="none" cap="none" strike="noStrike">
+      <a:defRPr sz="1400" b="0" i="0" u="none" strike="noStrike" cap="none">
         <a:solidFill>
           <a:srgbClr val="000000"/>
         </a:solidFill>
@@ -77,7 +83,7 @@
         <a:sym typeface="Arial"/>
       </a:defRPr>
     </a:lvl2pPr>
-    <a:lvl3pPr lvl="2" marR="0" rtl="0" algn="l">
+    <a:lvl3pPr marR="0" lvl="2" algn="l" rtl="0">
       <a:lnSpc>
         <a:spcPct val="100000"/>
       </a:lnSpc>
@@ -91,7 +97,7 @@
         <a:srgbClr val="000000"/>
       </a:buClr>
       <a:buFont typeface="Arial"/>
-      <a:defRPr b="0" i="0" sz="1400" u="none" cap="none" strike="noStrike">
+      <a:defRPr sz="1400" b="0" i="0" u="none" strike="noStrike" cap="none">
         <a:solidFill>
           <a:srgbClr val="000000"/>
         </a:solidFill>
@@ -101,7 +107,7 @@
         <a:sym typeface="Arial"/>
       </a:defRPr>
     </a:lvl3pPr>
-    <a:lvl4pPr lvl="3" marR="0" rtl="0" algn="l">
+    <a:lvl4pPr marR="0" lvl="3" algn="l" rtl="0">
       <a:lnSpc>
         <a:spcPct val="100000"/>
       </a:lnSpc>
@@ -115,7 +121,7 @@
         <a:srgbClr val="000000"/>
       </a:buClr>
       <a:buFont typeface="Arial"/>
-      <a:defRPr b="0" i="0" sz="1400" u="none" cap="none" strike="noStrike">
+      <a:defRPr sz="1400" b="0" i="0" u="none" strike="noStrike" cap="none">
         <a:solidFill>
           <a:srgbClr val="000000"/>
         </a:solidFill>
@@ -125,7 +131,7 @@
         <a:sym typeface="Arial"/>
       </a:defRPr>
     </a:lvl4pPr>
-    <a:lvl5pPr lvl="4" marR="0" rtl="0" algn="l">
+    <a:lvl5pPr marR="0" lvl="4" algn="l" rtl="0">
       <a:lnSpc>
         <a:spcPct val="100000"/>
       </a:lnSpc>
@@ -139,7 +145,7 @@
         <a:srgbClr val="000000"/>
       </a:buClr>
       <a:buFont typeface="Arial"/>
-      <a:defRPr b="0" i="0" sz="1400" u="none" cap="none" strike="noStrike">
+      <a:defRPr sz="1400" b="0" i="0" u="none" strike="noStrike" cap="none">
         <a:solidFill>
           <a:srgbClr val="000000"/>
         </a:solidFill>
@@ -149,7 +155,7 @@
         <a:sym typeface="Arial"/>
       </a:defRPr>
     </a:lvl5pPr>
-    <a:lvl6pPr lvl="5" marR="0" rtl="0" algn="l">
+    <a:lvl6pPr marR="0" lvl="5" algn="l" rtl="0">
       <a:lnSpc>
         <a:spcPct val="100000"/>
       </a:lnSpc>
@@ -163,7 +169,7 @@
         <a:srgbClr val="000000"/>
       </a:buClr>
       <a:buFont typeface="Arial"/>
-      <a:defRPr b="0" i="0" sz="1400" u="none" cap="none" strike="noStrike">
+      <a:defRPr sz="1400" b="0" i="0" u="none" strike="noStrike" cap="none">
         <a:solidFill>
           <a:srgbClr val="000000"/>
         </a:solidFill>
@@ -173,7 +179,7 @@
         <a:sym typeface="Arial"/>
       </a:defRPr>
     </a:lvl6pPr>
-    <a:lvl7pPr lvl="6" marR="0" rtl="0" algn="l">
+    <a:lvl7pPr marR="0" lvl="6" algn="l" rtl="0">
       <a:lnSpc>
         <a:spcPct val="100000"/>
       </a:lnSpc>
@@ -187,7 +193,7 @@
         <a:srgbClr val="000000"/>
       </a:buClr>
       <a:buFont typeface="Arial"/>
-      <a:defRPr b="0" i="0" sz="1400" u="none" cap="none" strike="noStrike">
+      <a:defRPr sz="1400" b="0" i="0" u="none" strike="noStrike" cap="none">
         <a:solidFill>
           <a:srgbClr val="000000"/>
         </a:solidFill>
@@ -197,7 +203,7 @@
         <a:sym typeface="Arial"/>
       </a:defRPr>
     </a:lvl7pPr>
-    <a:lvl8pPr lvl="7" marR="0" rtl="0" algn="l">
+    <a:lvl8pPr marR="0" lvl="7" algn="l" rtl="0">
       <a:lnSpc>
         <a:spcPct val="100000"/>
       </a:lnSpc>
@@ -211,7 +217,7 @@
         <a:srgbClr val="000000"/>
       </a:buClr>
       <a:buFont typeface="Arial"/>
-      <a:defRPr b="0" i="0" sz="1400" u="none" cap="none" strike="noStrike">
+      <a:defRPr sz="1400" b="0" i="0" u="none" strike="noStrike" cap="none">
         <a:solidFill>
           <a:srgbClr val="000000"/>
         </a:solidFill>
@@ -221,7 +227,7 @@
         <a:sym typeface="Arial"/>
       </a:defRPr>
     </a:lvl8pPr>
-    <a:lvl9pPr lvl="8" marR="0" rtl="0" algn="l">
+    <a:lvl9pPr marR="0" lvl="8" algn="l" rtl="0">
       <a:lnSpc>
         <a:spcPct val="100000"/>
       </a:lnSpc>
@@ -235,7 +241,7 @@
         <a:srgbClr val="000000"/>
       </a:buClr>
       <a:buFont typeface="Arial"/>
-      <a:defRPr b="0" i="0" sz="1400" u="none" cap="none" strike="noStrike">
+      <a:defRPr sz="1400" b="0" i="0" u="none" strike="noStrike" cap="none">
         <a:solidFill>
           <a:srgbClr val="000000"/>
         </a:solidFill>
@@ -250,11 +256,16 @@
 </file>
 
 <file path=ppt/notesMasters/notesMaster1.xml><?xml version="1.0" encoding="utf-8"?>
-<p:notesMaster xmlns:a="http://schemas.openxmlformats.org/drawingml/2006/main" xmlns:r="http://schemas.openxmlformats.org/officeDocument/2006/relationships" xmlns:mc="http://schemas.openxmlformats.org/markup-compatibility/2006" xmlns:mv="urn:schemas-microsoft-com:mac:vml" xmlns:p="http://schemas.openxmlformats.org/presentationml/2006/main" xmlns:c="http://schemas.openxmlformats.org/drawingml/2006/chart" xmlns:dgm="http://schemas.openxmlformats.org/drawingml/2006/diagram" xmlns:o="urn:schemas-microsoft-com:office:office" xmlns:v="urn:schemas-microsoft-com:vml" xmlns:pvml="urn:schemas-microsoft-com:office:powerpoint" xmlns:com="http://schemas.openxmlformats.org/drawingml/2006/compatibility" xmlns:p14="http://schemas.microsoft.com/office/powerpoint/2010/main" xmlns:p15="http://schemas.microsoft.com/office/powerpoint/2012/main">
+<p:notesMaster xmlns:a="http://schemas.openxmlformats.org/drawingml/2006/main" xmlns:r="http://schemas.openxmlformats.org/officeDocument/2006/relationships" xmlns:p="http://schemas.openxmlformats.org/presentationml/2006/main">
   <p:cSld>
+    <p:bg>
+      <p:bgRef idx="1001">
+        <a:schemeClr val="bg1"/>
+      </p:bgRef>
+    </p:bg>
     <p:spTree>
       <p:nvGrpSpPr>
-        <p:cNvPr id="2" name="Shape 2"/>
+        <p:cNvPr id="1" name="Shape 2"/>
         <p:cNvGrpSpPr/>
         <p:nvPr/>
       </p:nvGrpSpPr>
@@ -269,9 +280,11 @@
       <p:sp>
         <p:nvSpPr>
           <p:cNvPr id="3" name="Shape 3"/>
-          <p:cNvSpPr/>
+          <p:cNvSpPr>
+            <a:spLocks noGrp="1" noRot="1" noChangeAspect="1"/>
+          </p:cNvSpPr>
           <p:nvPr>
-            <p:ph idx="2" type="sldImg"/>
+            <p:ph type="sldImg" idx="2"/>
           </p:nvPr>
         </p:nvSpPr>
         <p:spPr>
@@ -280,8 +293,13 @@
             <a:ext cx="6096075" cy="3429000"/>
           </a:xfrm>
           <a:custGeom>
+            <a:avLst/>
+            <a:gdLst/>
+            <a:ahLst/>
+            <a:cxnLst/>
+            <a:rect l="0" t="0" r="0" b="0"/>
             <a:pathLst>
-              <a:path extrusionOk="0" h="120000" w="120000">
+              <a:path w="120000" h="120000" extrusionOk="0">
                 <a:moveTo>
                   <a:pt x="0" y="0"/>
                 </a:moveTo>
@@ -299,23 +317,25 @@
             </a:pathLst>
           </a:custGeom>
           <a:noFill/>
-          <a:ln cap="flat" cmpd="sng" w="9525">
+          <a:ln w="9525" cap="flat" cmpd="sng">
             <a:solidFill>
               <a:srgbClr val="000000"/>
             </a:solidFill>
             <a:prstDash val="solid"/>
             <a:round/>
-            <a:headEnd len="sm" w="sm" type="none"/>
-            <a:tailEnd len="sm" w="sm" type="none"/>
+            <a:headEnd type="none" w="sm" len="sm"/>
+            <a:tailEnd type="none" w="sm" len="sm"/>
           </a:ln>
         </p:spPr>
       </p:sp>
       <p:sp>
         <p:nvSpPr>
           <p:cNvPr id="4" name="Shape 4"/>
-          <p:cNvSpPr txBox="1"/>
+          <p:cNvSpPr txBox="1">
+            <a:spLocks noGrp="1"/>
+          </p:cNvSpPr>
           <p:nvPr>
-            <p:ph idx="1" type="body"/>
+            <p:ph type="body" idx="1"/>
           </p:nvPr>
         </p:nvSpPr>
         <p:spPr>
@@ -332,9 +352,9 @@
           </a:ln>
         </p:spPr>
         <p:txBody>
-          <a:bodyPr anchorCtr="0" anchor="t" bIns="91425" lIns="91425" spcFirstLastPara="1" rIns="91425" wrap="square" tIns="91425"/>
+          <a:bodyPr spcFirstLastPara="1" wrap="square" lIns="91425" tIns="91425" rIns="91425" bIns="91425" anchor="t" anchorCtr="0"/>
           <a:lstStyle>
-            <a:lvl1pPr indent="-317500" lvl="0" marL="457200">
+            <a:lvl1pPr marL="457200" lvl="0" indent="-317500">
               <a:spcBef>
                 <a:spcPts val="0"/>
               </a:spcBef>
@@ -345,7 +365,7 @@
               <a:buChar char="●"/>
               <a:defRPr sz="1100"/>
             </a:lvl1pPr>
-            <a:lvl2pPr indent="-317500" lvl="1" marL="914400">
+            <a:lvl2pPr marL="914400" lvl="1" indent="-317500">
               <a:spcBef>
                 <a:spcPts val="0"/>
               </a:spcBef>
@@ -356,7 +376,7 @@
               <a:buChar char="○"/>
               <a:defRPr sz="1100"/>
             </a:lvl2pPr>
-            <a:lvl3pPr indent="-317500" lvl="2" marL="1371600">
+            <a:lvl3pPr marL="1371600" lvl="2" indent="-317500">
               <a:spcBef>
                 <a:spcPts val="0"/>
               </a:spcBef>
@@ -367,7 +387,7 @@
               <a:buChar char="■"/>
               <a:defRPr sz="1100"/>
             </a:lvl3pPr>
-            <a:lvl4pPr indent="-317500" lvl="3" marL="1828800">
+            <a:lvl4pPr marL="1828800" lvl="3" indent="-317500">
               <a:spcBef>
                 <a:spcPts val="0"/>
               </a:spcBef>
@@ -378,7 +398,7 @@
               <a:buChar char="●"/>
               <a:defRPr sz="1100"/>
             </a:lvl4pPr>
-            <a:lvl5pPr indent="-317500" lvl="4" marL="2286000">
+            <a:lvl5pPr marL="2286000" lvl="4" indent="-317500">
               <a:spcBef>
                 <a:spcPts val="0"/>
               </a:spcBef>
@@ -389,7 +409,7 @@
               <a:buChar char="○"/>
               <a:defRPr sz="1100"/>
             </a:lvl5pPr>
-            <a:lvl6pPr indent="-317500" lvl="5" marL="2743200">
+            <a:lvl6pPr marL="2743200" lvl="5" indent="-317500">
               <a:spcBef>
                 <a:spcPts val="0"/>
               </a:spcBef>
@@ -400,7 +420,7 @@
               <a:buChar char="■"/>
               <a:defRPr sz="1100"/>
             </a:lvl6pPr>
-            <a:lvl7pPr indent="-317500" lvl="6" marL="3200400">
+            <a:lvl7pPr marL="3200400" lvl="6" indent="-317500">
               <a:spcBef>
                 <a:spcPts val="0"/>
               </a:spcBef>
@@ -411,7 +431,7 @@
               <a:buChar char="●"/>
               <a:defRPr sz="1100"/>
             </a:lvl7pPr>
-            <a:lvl8pPr indent="-317500" lvl="7" marL="3657600">
+            <a:lvl8pPr marL="3657600" lvl="7" indent="-317500">
               <a:spcBef>
                 <a:spcPts val="0"/>
               </a:spcBef>
@@ -422,7 +442,7 @@
               <a:buChar char="○"/>
               <a:defRPr sz="1100"/>
             </a:lvl8pPr>
-            <a:lvl9pPr indent="-317500" lvl="8" marL="4114800">
+            <a:lvl9pPr marL="4114800" lvl="8" indent="-317500">
               <a:spcBef>
                 <a:spcPts val="0"/>
               </a:spcBef>
@@ -434,14 +454,16 @@
               <a:defRPr sz="1100"/>
             </a:lvl9pPr>
           </a:lstStyle>
-          <a:p/>
+          <a:p>
+            <a:endParaRPr/>
+          </a:p>
         </p:txBody>
       </p:sp>
     </p:spTree>
   </p:cSld>
-  <p:clrMap accent1="accent1" accent2="accent2" accent3="accent3" accent4="accent4" accent5="accent5" accent6="accent6" bg1="lt1" bg2="dk2" tx1="dk1" tx2="lt2" folHlink="folHlink" hlink="hlink"/>
+  <p:clrMap bg1="lt1" tx1="dk1" bg2="dk2" tx2="lt2" accent1="accent1" accent2="accent2" accent3="accent3" accent4="accent4" accent5="accent5" accent6="accent6" hlink="hlink" folHlink="folHlink"/>
   <p:notesStyle>
-    <a:defPPr lvl="0" marR="0" rtl="0" algn="l">
+    <a:defPPr marR="0" lvl="0" algn="l" rtl="0">
       <a:lnSpc>
         <a:spcPct val="100000"/>
       </a:lnSpc>
@@ -452,7 +474,7 @@
         <a:spcPts val="0"/>
       </a:spcAft>
     </a:defPPr>
-    <a:lvl1pPr lvl="0" marR="0" rtl="0" algn="l">
+    <a:lvl1pPr marR="0" lvl="0" algn="l" rtl="0">
       <a:lnSpc>
         <a:spcPct val="100000"/>
       </a:lnSpc>
@@ -466,7 +488,7 @@
         <a:srgbClr val="000000"/>
       </a:buClr>
       <a:buFont typeface="Arial"/>
-      <a:defRPr b="0" i="0" sz="1400" u="none" cap="none" strike="noStrike">
+      <a:defRPr sz="1400" b="0" i="0" u="none" strike="noStrike" cap="none">
         <a:solidFill>
           <a:srgbClr val="000000"/>
         </a:solidFill>
@@ -476,7 +498,7 @@
         <a:sym typeface="Arial"/>
       </a:defRPr>
     </a:lvl1pPr>
-    <a:lvl2pPr lvl="1" marR="0" rtl="0" algn="l">
+    <a:lvl2pPr marR="0" lvl="1" algn="l" rtl="0">
       <a:lnSpc>
         <a:spcPct val="100000"/>
       </a:lnSpc>
@@ -490,7 +512,7 @@
         <a:srgbClr val="000000"/>
       </a:buClr>
       <a:buFont typeface="Arial"/>
-      <a:defRPr b="0" i="0" sz="1400" u="none" cap="none" strike="noStrike">
+      <a:defRPr sz="1400" b="0" i="0" u="none" strike="noStrike" cap="none">
         <a:solidFill>
           <a:srgbClr val="000000"/>
         </a:solidFill>
@@ -500,7 +522,7 @@
         <a:sym typeface="Arial"/>
       </a:defRPr>
     </a:lvl2pPr>
-    <a:lvl3pPr lvl="2" marR="0" rtl="0" algn="l">
+    <a:lvl3pPr marR="0" lvl="2" algn="l" rtl="0">
       <a:lnSpc>
         <a:spcPct val="100000"/>
       </a:lnSpc>
@@ -514,7 +536,7 @@
         <a:srgbClr val="000000"/>
       </a:buClr>
       <a:buFont typeface="Arial"/>
-      <a:defRPr b="0" i="0" sz="1400" u="none" cap="none" strike="noStrike">
+      <a:defRPr sz="1400" b="0" i="0" u="none" strike="noStrike" cap="none">
         <a:solidFill>
           <a:srgbClr val="000000"/>
         </a:solidFill>
@@ -524,7 +546,7 @@
         <a:sym typeface="Arial"/>
       </a:defRPr>
     </a:lvl3pPr>
-    <a:lvl4pPr lvl="3" marR="0" rtl="0" algn="l">
+    <a:lvl4pPr marR="0" lvl="3" algn="l" rtl="0">
       <a:lnSpc>
         <a:spcPct val="100000"/>
       </a:lnSpc>
@@ -538,7 +560,7 @@
         <a:srgbClr val="000000"/>
       </a:buClr>
       <a:buFont typeface="Arial"/>
-      <a:defRPr b="0" i="0" sz="1400" u="none" cap="none" strike="noStrike">
+      <a:defRPr sz="1400" b="0" i="0" u="none" strike="noStrike" cap="none">
         <a:solidFill>
           <a:srgbClr val="000000"/>
         </a:solidFill>
@@ -548,7 +570,7 @@
         <a:sym typeface="Arial"/>
       </a:defRPr>
     </a:lvl4pPr>
-    <a:lvl5pPr lvl="4" marR="0" rtl="0" algn="l">
+    <a:lvl5pPr marR="0" lvl="4" algn="l" rtl="0">
       <a:lnSpc>
         <a:spcPct val="100000"/>
       </a:lnSpc>
@@ -562,7 +584,7 @@
         <a:srgbClr val="000000"/>
       </a:buClr>
       <a:buFont typeface="Arial"/>
-      <a:defRPr b="0" i="0" sz="1400" u="none" cap="none" strike="noStrike">
+      <a:defRPr sz="1400" b="0" i="0" u="none" strike="noStrike" cap="none">
         <a:solidFill>
           <a:srgbClr val="000000"/>
         </a:solidFill>
@@ -572,7 +594,7 @@
         <a:sym typeface="Arial"/>
       </a:defRPr>
     </a:lvl5pPr>
-    <a:lvl6pPr lvl="5" marR="0" rtl="0" algn="l">
+    <a:lvl6pPr marR="0" lvl="5" algn="l" rtl="0">
       <a:lnSpc>
         <a:spcPct val="100000"/>
       </a:lnSpc>
@@ -586,7 +608,7 @@
         <a:srgbClr val="000000"/>
       </a:buClr>
       <a:buFont typeface="Arial"/>
-      <a:defRPr b="0" i="0" sz="1400" u="none" cap="none" strike="noStrike">
+      <a:defRPr sz="1400" b="0" i="0" u="none" strike="noStrike" cap="none">
         <a:solidFill>
           <a:srgbClr val="000000"/>
         </a:solidFill>
@@ -596,7 +618,7 @@
         <a:sym typeface="Arial"/>
       </a:defRPr>
     </a:lvl6pPr>
-    <a:lvl7pPr lvl="6" marR="0" rtl="0" algn="l">
+    <a:lvl7pPr marR="0" lvl="6" algn="l" rtl="0">
       <a:lnSpc>
         <a:spcPct val="100000"/>
       </a:lnSpc>
@@ -610,7 +632,7 @@
         <a:srgbClr val="000000"/>
       </a:buClr>
       <a:buFont typeface="Arial"/>
-      <a:defRPr b="0" i="0" sz="1400" u="none" cap="none" strike="noStrike">
+      <a:defRPr sz="1400" b="0" i="0" u="none" strike="noStrike" cap="none">
         <a:solidFill>
           <a:srgbClr val="000000"/>
         </a:solidFill>
@@ -620,7 +642,7 @@
         <a:sym typeface="Arial"/>
       </a:defRPr>
     </a:lvl7pPr>
-    <a:lvl8pPr lvl="7" marR="0" rtl="0" algn="l">
+    <a:lvl8pPr marR="0" lvl="7" algn="l" rtl="0">
       <a:lnSpc>
         <a:spcPct val="100000"/>
       </a:lnSpc>
@@ -634,7 +656,7 @@
         <a:srgbClr val="000000"/>
       </a:buClr>
       <a:buFont typeface="Arial"/>
-      <a:defRPr b="0" i="0" sz="1400" u="none" cap="none" strike="noStrike">
+      <a:defRPr sz="1400" b="0" i="0" u="none" strike="noStrike" cap="none">
         <a:solidFill>
           <a:srgbClr val="000000"/>
         </a:solidFill>
@@ -644,7 +666,7 @@
         <a:sym typeface="Arial"/>
       </a:defRPr>
     </a:lvl8pPr>
-    <a:lvl9pPr lvl="8" marR="0" rtl="0" algn="l">
+    <a:lvl9pPr marR="0" lvl="8" algn="l" rtl="0">
       <a:lnSpc>
         <a:spcPct val="100000"/>
       </a:lnSpc>
@@ -658,7 +680,7 @@
         <a:srgbClr val="000000"/>
       </a:buClr>
       <a:buFont typeface="Arial"/>
-      <a:defRPr b="0" i="0" sz="1400" u="none" cap="none" strike="noStrike">
+      <a:defRPr sz="1400" b="0" i="0" u="none" strike="noStrike" cap="none">
         <a:solidFill>
           <a:srgbClr val="000000"/>
         </a:solidFill>
@@ -673,11 +695,432 @@
 </file>
 
 <file path=ppt/notesSlides/notesSlide1.xml><?xml version="1.0" encoding="utf-8"?>
-<p:notes xmlns:a="http://schemas.openxmlformats.org/drawingml/2006/main" xmlns:r="http://schemas.openxmlformats.org/officeDocument/2006/relationships" xmlns:mc="http://schemas.openxmlformats.org/markup-compatibility/2006" xmlns:mv="urn:schemas-microsoft-com:mac:vml" xmlns:p="http://schemas.openxmlformats.org/presentationml/2006/main" xmlns:c="http://schemas.openxmlformats.org/drawingml/2006/chart" xmlns:dgm="http://schemas.openxmlformats.org/drawingml/2006/diagram" xmlns:o="urn:schemas-microsoft-com:office:office" xmlns:v="urn:schemas-microsoft-com:vml" xmlns:pvml="urn:schemas-microsoft-com:office:powerpoint" xmlns:com="http://schemas.openxmlformats.org/drawingml/2006/compatibility" xmlns:p14="http://schemas.microsoft.com/office/powerpoint/2010/main" xmlns:p15="http://schemas.microsoft.com/office/powerpoint/2012/main" showMasterPhAnim="0" showMasterSp="0">
+<p:notes xmlns:a="http://schemas.openxmlformats.org/drawingml/2006/main" xmlns:r="http://schemas.openxmlformats.org/officeDocument/2006/relationships" xmlns:p="http://schemas.openxmlformats.org/presentationml/2006/main">
   <p:cSld>
     <p:spTree>
       <p:nvGrpSpPr>
-        <p:cNvPr id="50" name="Shape 50"/>
+        <p:cNvPr id="1" name=""/>
+        <p:cNvGrpSpPr/>
+        <p:nvPr/>
+      </p:nvGrpSpPr>
+      <p:grpSpPr>
+        <a:xfrm>
+          <a:off x="0" y="0"/>
+          <a:ext cx="0" cy="0"/>
+          <a:chOff x="0" y="0"/>
+          <a:chExt cx="0" cy="0"/>
+        </a:xfrm>
+      </p:grpSpPr>
+      <p:sp>
+        <p:nvSpPr>
+          <p:cNvPr id="2" name="Slide Image Placeholder 1"/>
+          <p:cNvSpPr>
+            <a:spLocks noGrp="1" noRot="1" noChangeAspect="1"/>
+          </p:cNvSpPr>
+          <p:nvPr>
+            <p:ph type="sldImg"/>
+          </p:nvPr>
+        </p:nvSpPr>
+        <p:spPr>
+          <a:xfrm>
+            <a:off x="381000" y="685800"/>
+            <a:ext cx="6096000" cy="3429000"/>
+          </a:xfrm>
+        </p:spPr>
+      </p:sp>
+      <p:sp>
+        <p:nvSpPr>
+          <p:cNvPr id="3" name="Notes Placeholder 2"/>
+          <p:cNvSpPr>
+            <a:spLocks noGrp="1"/>
+          </p:cNvSpPr>
+          <p:nvPr>
+            <p:ph type="body" idx="1"/>
+          </p:nvPr>
+        </p:nvSpPr>
+        <p:spPr/>
+        <p:txBody>
+          <a:bodyPr/>
+          <a:lstStyle/>
+          <a:p>
+            <a:r>
+              <a:rPr lang="en-US" dirty="0"/>
+              <a:t>Nothing is happening.</a:t>
+            </a:r>
+          </a:p>
+        </p:txBody>
+      </p:sp>
+    </p:spTree>
+    <p:extLst>
+      <p:ext uri="{BB962C8B-B14F-4D97-AF65-F5344CB8AC3E}">
+        <p14:creationId xmlns:p14="http://schemas.microsoft.com/office/powerpoint/2010/main" val="1709004585"/>
+      </p:ext>
+    </p:extLst>
+  </p:cSld>
+  <p:clrMapOvr>
+    <a:masterClrMapping/>
+  </p:clrMapOvr>
+</p:notes>
+</file>
+
+<file path=ppt/notesSlides/notesSlide10.xml><?xml version="1.0" encoding="utf-8"?>
+<p:notes xmlns:a="http://schemas.openxmlformats.org/drawingml/2006/main" xmlns:r="http://schemas.openxmlformats.org/officeDocument/2006/relationships" xmlns:p="http://schemas.openxmlformats.org/presentationml/2006/main">
+  <p:cSld>
+    <p:spTree>
+      <p:nvGrpSpPr>
+        <p:cNvPr id="1" name=""/>
+        <p:cNvGrpSpPr/>
+        <p:nvPr/>
+      </p:nvGrpSpPr>
+      <p:grpSpPr>
+        <a:xfrm>
+          <a:off x="0" y="0"/>
+          <a:ext cx="0" cy="0"/>
+          <a:chOff x="0" y="0"/>
+          <a:chExt cx="0" cy="0"/>
+        </a:xfrm>
+      </p:grpSpPr>
+      <p:sp>
+        <p:nvSpPr>
+          <p:cNvPr id="2" name="Slide Image Placeholder 1"/>
+          <p:cNvSpPr>
+            <a:spLocks noGrp="1" noRot="1" noChangeAspect="1"/>
+          </p:cNvSpPr>
+          <p:nvPr>
+            <p:ph type="sldImg"/>
+          </p:nvPr>
+        </p:nvSpPr>
+        <p:spPr>
+          <a:xfrm>
+            <a:off x="381000" y="685800"/>
+            <a:ext cx="6096000" cy="3429000"/>
+          </a:xfrm>
+        </p:spPr>
+      </p:sp>
+      <p:sp>
+        <p:nvSpPr>
+          <p:cNvPr id="3" name="Notes Placeholder 2"/>
+          <p:cNvSpPr>
+            <a:spLocks noGrp="1"/>
+          </p:cNvSpPr>
+          <p:nvPr>
+            <p:ph type="body" idx="1"/>
+          </p:nvPr>
+        </p:nvSpPr>
+        <p:spPr/>
+        <p:txBody>
+          <a:bodyPr/>
+          <a:lstStyle/>
+          <a:p>
+            <a:endParaRPr lang="en-US" dirty="0"/>
+          </a:p>
+        </p:txBody>
+      </p:sp>
+    </p:spTree>
+    <p:extLst>
+      <p:ext uri="{BB962C8B-B14F-4D97-AF65-F5344CB8AC3E}">
+        <p14:creationId xmlns:p14="http://schemas.microsoft.com/office/powerpoint/2010/main" val="3389907414"/>
+      </p:ext>
+    </p:extLst>
+  </p:cSld>
+  <p:clrMapOvr>
+    <a:masterClrMapping/>
+  </p:clrMapOvr>
+</p:notes>
+</file>
+
+<file path=ppt/notesSlides/notesSlide11.xml><?xml version="1.0" encoding="utf-8"?>
+<p:notes xmlns:a="http://schemas.openxmlformats.org/drawingml/2006/main" xmlns:r="http://schemas.openxmlformats.org/officeDocument/2006/relationships" xmlns:p="http://schemas.openxmlformats.org/presentationml/2006/main">
+  <p:cSld>
+    <p:spTree>
+      <p:nvGrpSpPr>
+        <p:cNvPr id="1" name=""/>
+        <p:cNvGrpSpPr/>
+        <p:nvPr/>
+      </p:nvGrpSpPr>
+      <p:grpSpPr>
+        <a:xfrm>
+          <a:off x="0" y="0"/>
+          <a:ext cx="0" cy="0"/>
+          <a:chOff x="0" y="0"/>
+          <a:chExt cx="0" cy="0"/>
+        </a:xfrm>
+      </p:grpSpPr>
+      <p:sp>
+        <p:nvSpPr>
+          <p:cNvPr id="2" name="Slide Image Placeholder 1"/>
+          <p:cNvSpPr>
+            <a:spLocks noGrp="1" noRot="1" noChangeAspect="1"/>
+          </p:cNvSpPr>
+          <p:nvPr>
+            <p:ph type="sldImg"/>
+          </p:nvPr>
+        </p:nvSpPr>
+        <p:spPr>
+          <a:xfrm>
+            <a:off x="381000" y="685800"/>
+            <a:ext cx="6096000" cy="3429000"/>
+          </a:xfrm>
+        </p:spPr>
+      </p:sp>
+      <p:sp>
+        <p:nvSpPr>
+          <p:cNvPr id="3" name="Notes Placeholder 2"/>
+          <p:cNvSpPr>
+            <a:spLocks noGrp="1"/>
+          </p:cNvSpPr>
+          <p:nvPr>
+            <p:ph type="body" idx="1"/>
+          </p:nvPr>
+        </p:nvSpPr>
+        <p:spPr/>
+        <p:txBody>
+          <a:bodyPr/>
+          <a:lstStyle/>
+          <a:p>
+            <a:pPr marL="139700" indent="0">
+              <a:buNone/>
+            </a:pPr>
+            <a:endParaRPr lang="en-US" dirty="0"/>
+          </a:p>
+        </p:txBody>
+      </p:sp>
+    </p:spTree>
+    <p:extLst>
+      <p:ext uri="{BB962C8B-B14F-4D97-AF65-F5344CB8AC3E}">
+        <p14:creationId xmlns:p14="http://schemas.microsoft.com/office/powerpoint/2010/main" val="816224078"/>
+      </p:ext>
+    </p:extLst>
+  </p:cSld>
+  <p:clrMapOvr>
+    <a:masterClrMapping/>
+  </p:clrMapOvr>
+</p:notes>
+</file>
+
+<file path=ppt/notesSlides/notesSlide2.xml><?xml version="1.0" encoding="utf-8"?>
+<p:notes xmlns:a="http://schemas.openxmlformats.org/drawingml/2006/main" xmlns:r="http://schemas.openxmlformats.org/officeDocument/2006/relationships" xmlns:p="http://schemas.openxmlformats.org/presentationml/2006/main" showMasterSp="0" showMasterPhAnim="0">
+  <p:cSld>
+    <p:spTree>
+      <p:nvGrpSpPr>
+        <p:cNvPr id="1" name="Shape 57"/>
+        <p:cNvGrpSpPr/>
+        <p:nvPr/>
+      </p:nvGrpSpPr>
+      <p:grpSpPr>
+        <a:xfrm>
+          <a:off x="0" y="0"/>
+          <a:ext cx="0" cy="0"/>
+          <a:chOff x="0" y="0"/>
+          <a:chExt cx="0" cy="0"/>
+        </a:xfrm>
+      </p:grpSpPr>
+      <p:sp>
+        <p:nvSpPr>
+          <p:cNvPr id="58" name="Shape 58"/>
+          <p:cNvSpPr>
+            <a:spLocks noGrp="1" noRot="1" noChangeAspect="1"/>
+          </p:cNvSpPr>
+          <p:nvPr>
+            <p:ph type="sldImg" idx="2"/>
+          </p:nvPr>
+        </p:nvSpPr>
+        <p:spPr>
+          <a:xfrm>
+            <a:off x="381000" y="685800"/>
+            <a:ext cx="6096000" cy="3429000"/>
+          </a:xfrm>
+          <a:custGeom>
+            <a:avLst/>
+            <a:gdLst/>
+            <a:ahLst/>
+            <a:cxnLst/>
+            <a:rect l="0" t="0" r="0" b="0"/>
+            <a:pathLst>
+              <a:path w="120000" h="120000" extrusionOk="0">
+                <a:moveTo>
+                  <a:pt x="0" y="0"/>
+                </a:moveTo>
+                <a:lnTo>
+                  <a:pt x="120000" y="0"/>
+                </a:lnTo>
+                <a:lnTo>
+                  <a:pt x="120000" y="120000"/>
+                </a:lnTo>
+                <a:lnTo>
+                  <a:pt x="0" y="120000"/>
+                </a:lnTo>
+                <a:close/>
+              </a:path>
+            </a:pathLst>
+          </a:custGeom>
+        </p:spPr>
+      </p:sp>
+      <p:sp>
+        <p:nvSpPr>
+          <p:cNvPr id="59" name="Shape 59"/>
+          <p:cNvSpPr txBox="1">
+            <a:spLocks noGrp="1"/>
+          </p:cNvSpPr>
+          <p:nvPr>
+            <p:ph type="body" idx="1"/>
+          </p:nvPr>
+        </p:nvSpPr>
+        <p:spPr>
+          <a:xfrm>
+            <a:off x="685800" y="4343400"/>
+            <a:ext cx="5486400" cy="4114800"/>
+          </a:xfrm>
+          <a:prstGeom prst="rect">
+            <a:avLst/>
+          </a:prstGeom>
+        </p:spPr>
+        <p:txBody>
+          <a:bodyPr spcFirstLastPara="1" wrap="square" lIns="91425" tIns="91425" rIns="91425" bIns="91425" anchor="t" anchorCtr="0">
+            <a:noAutofit/>
+          </a:bodyPr>
+          <a:lstStyle/>
+          <a:p>
+            <a:pPr marL="0" lvl="0" indent="0" rtl="0">
+              <a:spcBef>
+                <a:spcPts val="0"/>
+              </a:spcBef>
+              <a:spcAft>
+                <a:spcPts val="0"/>
+              </a:spcAft>
+              <a:buNone/>
+            </a:pPr>
+            <a:endParaRPr/>
+          </a:p>
+        </p:txBody>
+      </p:sp>
+    </p:spTree>
+    <p:extLst>
+      <p:ext uri="{BB962C8B-B14F-4D97-AF65-F5344CB8AC3E}">
+        <p14:creationId xmlns:p14="http://schemas.microsoft.com/office/powerpoint/2010/main" val="1767087525"/>
+      </p:ext>
+    </p:extLst>
+  </p:cSld>
+  <p:clrMapOvr>
+    <a:masterClrMapping/>
+  </p:clrMapOvr>
+</p:notes>
+</file>
+
+<file path=ppt/notesSlides/notesSlide3.xml><?xml version="1.0" encoding="utf-8"?>
+<p:notes xmlns:a="http://schemas.openxmlformats.org/drawingml/2006/main" xmlns:r="http://schemas.openxmlformats.org/officeDocument/2006/relationships" xmlns:p="http://schemas.openxmlformats.org/presentationml/2006/main" showMasterSp="0" showMasterPhAnim="0">
+  <p:cSld>
+    <p:spTree>
+      <p:nvGrpSpPr>
+        <p:cNvPr id="1" name="Shape 57"/>
+        <p:cNvGrpSpPr/>
+        <p:nvPr/>
+      </p:nvGrpSpPr>
+      <p:grpSpPr>
+        <a:xfrm>
+          <a:off x="0" y="0"/>
+          <a:ext cx="0" cy="0"/>
+          <a:chOff x="0" y="0"/>
+          <a:chExt cx="0" cy="0"/>
+        </a:xfrm>
+      </p:grpSpPr>
+      <p:sp>
+        <p:nvSpPr>
+          <p:cNvPr id="58" name="Shape 58"/>
+          <p:cNvSpPr>
+            <a:spLocks noGrp="1" noRot="1" noChangeAspect="1"/>
+          </p:cNvSpPr>
+          <p:nvPr>
+            <p:ph type="sldImg" idx="2"/>
+          </p:nvPr>
+        </p:nvSpPr>
+        <p:spPr>
+          <a:xfrm>
+            <a:off x="381000" y="685800"/>
+            <a:ext cx="6096000" cy="3429000"/>
+          </a:xfrm>
+          <a:custGeom>
+            <a:avLst/>
+            <a:gdLst/>
+            <a:ahLst/>
+            <a:cxnLst/>
+            <a:rect l="0" t="0" r="0" b="0"/>
+            <a:pathLst>
+              <a:path w="120000" h="120000" extrusionOk="0">
+                <a:moveTo>
+                  <a:pt x="0" y="0"/>
+                </a:moveTo>
+                <a:lnTo>
+                  <a:pt x="120000" y="0"/>
+                </a:lnTo>
+                <a:lnTo>
+                  <a:pt x="120000" y="120000"/>
+                </a:lnTo>
+                <a:lnTo>
+                  <a:pt x="0" y="120000"/>
+                </a:lnTo>
+                <a:close/>
+              </a:path>
+            </a:pathLst>
+          </a:custGeom>
+        </p:spPr>
+      </p:sp>
+      <p:sp>
+        <p:nvSpPr>
+          <p:cNvPr id="59" name="Shape 59"/>
+          <p:cNvSpPr txBox="1">
+            <a:spLocks noGrp="1"/>
+          </p:cNvSpPr>
+          <p:nvPr>
+            <p:ph type="body" idx="1"/>
+          </p:nvPr>
+        </p:nvSpPr>
+        <p:spPr>
+          <a:xfrm>
+            <a:off x="685800" y="4343400"/>
+            <a:ext cx="5486400" cy="4114800"/>
+          </a:xfrm>
+          <a:prstGeom prst="rect">
+            <a:avLst/>
+          </a:prstGeom>
+        </p:spPr>
+        <p:txBody>
+          <a:bodyPr spcFirstLastPara="1" wrap="square" lIns="91425" tIns="91425" rIns="91425" bIns="91425" anchor="t" anchorCtr="0">
+            <a:noAutofit/>
+          </a:bodyPr>
+          <a:lstStyle/>
+          <a:p>
+            <a:pPr marL="171450" lvl="0" indent="-171450" rtl="0">
+              <a:spcBef>
+                <a:spcPts val="0"/>
+              </a:spcBef>
+              <a:spcAft>
+                <a:spcPts val="0"/>
+              </a:spcAft>
+            </a:pPr>
+            <a:endParaRPr dirty="0"/>
+          </a:p>
+        </p:txBody>
+      </p:sp>
+    </p:spTree>
+    <p:extLst>
+      <p:ext uri="{BB962C8B-B14F-4D97-AF65-F5344CB8AC3E}">
+        <p14:creationId xmlns:p14="http://schemas.microsoft.com/office/powerpoint/2010/main" val="2160586816"/>
+      </p:ext>
+    </p:extLst>
+  </p:cSld>
+  <p:clrMapOvr>
+    <a:masterClrMapping/>
+  </p:clrMapOvr>
+</p:notes>
+</file>
+
+<file path=ppt/notesSlides/notesSlide4.xml><?xml version="1.0" encoding="utf-8"?>
+<p:notes xmlns:a="http://schemas.openxmlformats.org/drawingml/2006/main" xmlns:r="http://schemas.openxmlformats.org/officeDocument/2006/relationships" xmlns:p="http://schemas.openxmlformats.org/presentationml/2006/main" showMasterSp="0" showMasterPhAnim="0">
+  <p:cSld>
+    <p:spTree>
+      <p:nvGrpSpPr>
+        <p:cNvPr id="1" name="Shape 50"/>
         <p:cNvGrpSpPr/>
         <p:nvPr/>
       </p:nvGrpSpPr>
@@ -692,9 +1135,11 @@
       <p:sp>
         <p:nvSpPr>
           <p:cNvPr id="51" name="Shape 51"/>
-          <p:cNvSpPr/>
+          <p:cNvSpPr>
+            <a:spLocks noGrp="1" noRot="1" noChangeAspect="1"/>
+          </p:cNvSpPr>
           <p:nvPr>
-            <p:ph idx="2" type="sldImg"/>
+            <p:ph type="sldImg" idx="2"/>
           </p:nvPr>
         </p:nvSpPr>
         <p:spPr>
@@ -703,8 +1148,13 @@
             <a:ext cx="6096075" cy="3429000"/>
           </a:xfrm>
           <a:custGeom>
+            <a:avLst/>
+            <a:gdLst/>
+            <a:ahLst/>
+            <a:cxnLst/>
+            <a:rect l="0" t="0" r="0" b="0"/>
             <a:pathLst>
-              <a:path extrusionOk="0" h="120000" w="120000">
+              <a:path w="120000" h="120000" extrusionOk="0">
                 <a:moveTo>
                   <a:pt x="0" y="0"/>
                 </a:moveTo>
@@ -726,9 +1176,11 @@
       <p:sp>
         <p:nvSpPr>
           <p:cNvPr id="52" name="Shape 52"/>
-          <p:cNvSpPr txBox="1"/>
+          <p:cNvSpPr txBox="1">
+            <a:spLocks noGrp="1"/>
+          </p:cNvSpPr>
           <p:nvPr>
-            <p:ph idx="1" type="body"/>
+            <p:ph type="body" idx="1"/>
           </p:nvPr>
         </p:nvSpPr>
         <p:spPr>
@@ -741,12 +1193,12 @@
           </a:prstGeom>
         </p:spPr>
         <p:txBody>
-          <a:bodyPr anchorCtr="0" anchor="t" bIns="91425" lIns="91425" spcFirstLastPara="1" rIns="91425" wrap="square" tIns="91425">
+          <a:bodyPr spcFirstLastPara="1" wrap="square" lIns="91425" tIns="91425" rIns="91425" bIns="91425" anchor="t" anchorCtr="0">
             <a:noAutofit/>
           </a:bodyPr>
           <a:lstStyle/>
           <a:p>
-            <a:pPr indent="0" lvl="0" marL="0">
+            <a:pPr marL="0" lvl="0" indent="0">
               <a:spcBef>
                 <a:spcPts val="0"/>
               </a:spcBef>
@@ -755,9 +1207,6 @@
               </a:spcAft>
               <a:buNone/>
             </a:pPr>
-            <a:r>
-              <a:t/>
-            </a:r>
             <a:endParaRPr/>
           </a:p>
         </p:txBody>
@@ -770,12 +1219,12 @@
 </p:notes>
 </file>
 
-<file path=ppt/notesSlides/notesSlide2.xml><?xml version="1.0" encoding="utf-8"?>
-<p:notes xmlns:a="http://schemas.openxmlformats.org/drawingml/2006/main" xmlns:r="http://schemas.openxmlformats.org/officeDocument/2006/relationships" xmlns:mc="http://schemas.openxmlformats.org/markup-compatibility/2006" xmlns:mv="urn:schemas-microsoft-com:mac:vml" xmlns:p="http://schemas.openxmlformats.org/presentationml/2006/main" xmlns:c="http://schemas.openxmlformats.org/drawingml/2006/chart" xmlns:dgm="http://schemas.openxmlformats.org/drawingml/2006/diagram" xmlns:o="urn:schemas-microsoft-com:office:office" xmlns:v="urn:schemas-microsoft-com:vml" xmlns:pvml="urn:schemas-microsoft-com:office:powerpoint" xmlns:com="http://schemas.openxmlformats.org/drawingml/2006/compatibility" xmlns:p14="http://schemas.microsoft.com/office/powerpoint/2010/main" xmlns:p15="http://schemas.microsoft.com/office/powerpoint/2012/main" showMasterPhAnim="0" showMasterSp="0">
+<file path=ppt/notesSlides/notesSlide5.xml><?xml version="1.0" encoding="utf-8"?>
+<p:notes xmlns:a="http://schemas.openxmlformats.org/drawingml/2006/main" xmlns:r="http://schemas.openxmlformats.org/officeDocument/2006/relationships" xmlns:p="http://schemas.openxmlformats.org/presentationml/2006/main" showMasterSp="0" showMasterPhAnim="0">
   <p:cSld>
     <p:spTree>
       <p:nvGrpSpPr>
-        <p:cNvPr id="57" name="Shape 57"/>
+        <p:cNvPr id="1" name="Shape 57"/>
         <p:cNvGrpSpPr/>
         <p:nvPr/>
       </p:nvGrpSpPr>
@@ -790,9 +1239,11 @@
       <p:sp>
         <p:nvSpPr>
           <p:cNvPr id="58" name="Shape 58"/>
-          <p:cNvSpPr/>
+          <p:cNvSpPr>
+            <a:spLocks noGrp="1" noRot="1" noChangeAspect="1"/>
+          </p:cNvSpPr>
           <p:nvPr>
-            <p:ph idx="2" type="sldImg"/>
+            <p:ph type="sldImg" idx="2"/>
           </p:nvPr>
         </p:nvSpPr>
         <p:spPr>
@@ -801,8 +1252,13 @@
             <a:ext cx="6096000" cy="3429000"/>
           </a:xfrm>
           <a:custGeom>
+            <a:avLst/>
+            <a:gdLst/>
+            <a:ahLst/>
+            <a:cxnLst/>
+            <a:rect l="0" t="0" r="0" b="0"/>
             <a:pathLst>
-              <a:path extrusionOk="0" h="120000" w="120000">
+              <a:path w="120000" h="120000" extrusionOk="0">
                 <a:moveTo>
                   <a:pt x="0" y="0"/>
                 </a:moveTo>
@@ -824,9 +1280,11 @@
       <p:sp>
         <p:nvSpPr>
           <p:cNvPr id="59" name="Shape 59"/>
-          <p:cNvSpPr txBox="1"/>
+          <p:cNvSpPr txBox="1">
+            <a:spLocks noGrp="1"/>
+          </p:cNvSpPr>
           <p:nvPr>
-            <p:ph idx="1" type="body"/>
+            <p:ph type="body" idx="1"/>
           </p:nvPr>
         </p:nvSpPr>
         <p:spPr>
@@ -839,12 +1297,12 @@
           </a:prstGeom>
         </p:spPr>
         <p:txBody>
-          <a:bodyPr anchorCtr="0" anchor="t" bIns="91425" lIns="91425" spcFirstLastPara="1" rIns="91425" wrap="square" tIns="91425">
+          <a:bodyPr spcFirstLastPara="1" wrap="square" lIns="91425" tIns="91425" rIns="91425" bIns="91425" anchor="t" anchorCtr="0">
             <a:noAutofit/>
           </a:bodyPr>
           <a:lstStyle/>
           <a:p>
-            <a:pPr indent="0" lvl="0" marL="0" rtl="0">
+            <a:pPr marL="0" lvl="0" indent="0" rtl="0">
               <a:spcBef>
                 <a:spcPts val="0"/>
               </a:spcBef>
@@ -853,9 +1311,6 @@
               </a:spcAft>
               <a:buNone/>
             </a:pPr>
-            <a:r>
-              <a:t/>
-            </a:r>
             <a:endParaRPr/>
           </a:p>
         </p:txBody>
@@ -868,12 +1323,12 @@
 </p:notes>
 </file>
 
-<file path=ppt/notesSlides/notesSlide3.xml><?xml version="1.0" encoding="utf-8"?>
-<p:notes xmlns:a="http://schemas.openxmlformats.org/drawingml/2006/main" xmlns:r="http://schemas.openxmlformats.org/officeDocument/2006/relationships" xmlns:mc="http://schemas.openxmlformats.org/markup-compatibility/2006" xmlns:mv="urn:schemas-microsoft-com:mac:vml" xmlns:p="http://schemas.openxmlformats.org/presentationml/2006/main" xmlns:c="http://schemas.openxmlformats.org/drawingml/2006/chart" xmlns:dgm="http://schemas.openxmlformats.org/drawingml/2006/diagram" xmlns:o="urn:schemas-microsoft-com:office:office" xmlns:v="urn:schemas-microsoft-com:vml" xmlns:pvml="urn:schemas-microsoft-com:office:powerpoint" xmlns:com="http://schemas.openxmlformats.org/drawingml/2006/compatibility" xmlns:p14="http://schemas.microsoft.com/office/powerpoint/2010/main" xmlns:p15="http://schemas.microsoft.com/office/powerpoint/2012/main" showMasterPhAnim="0" showMasterSp="0">
+<file path=ppt/notesSlides/notesSlide6.xml><?xml version="1.0" encoding="utf-8"?>
+<p:notes xmlns:a="http://schemas.openxmlformats.org/drawingml/2006/main" xmlns:r="http://schemas.openxmlformats.org/officeDocument/2006/relationships" xmlns:p="http://schemas.openxmlformats.org/presentationml/2006/main" showMasterSp="0" showMasterPhAnim="0">
   <p:cSld>
     <p:spTree>
       <p:nvGrpSpPr>
-        <p:cNvPr id="63" name="Shape 63"/>
+        <p:cNvPr id="1" name="Shape 63"/>
         <p:cNvGrpSpPr/>
         <p:nvPr/>
       </p:nvGrpSpPr>
@@ -888,19 +1343,26 @@
       <p:sp>
         <p:nvSpPr>
           <p:cNvPr id="64" name="Shape 64"/>
-          <p:cNvSpPr/>
+          <p:cNvSpPr>
+            <a:spLocks noGrp="1" noRot="1" noChangeAspect="1"/>
+          </p:cNvSpPr>
           <p:nvPr>
-            <p:ph idx="2" type="sldImg"/>
+            <p:ph type="sldImg" idx="2"/>
           </p:nvPr>
         </p:nvSpPr>
         <p:spPr>
           <a:xfrm>
-            <a:off x="381300" y="685800"/>
+            <a:off x="381000" y="685800"/>
             <a:ext cx="6096000" cy="3429000"/>
           </a:xfrm>
           <a:custGeom>
+            <a:avLst/>
+            <a:gdLst/>
+            <a:ahLst/>
+            <a:cxnLst/>
+            <a:rect l="0" t="0" r="0" b="0"/>
             <a:pathLst>
-              <a:path extrusionOk="0" h="120000" w="120000">
+              <a:path w="120000" h="120000" extrusionOk="0">
                 <a:moveTo>
                   <a:pt x="0" y="0"/>
                 </a:moveTo>
@@ -922,9 +1384,11 @@
       <p:sp>
         <p:nvSpPr>
           <p:cNvPr id="65" name="Shape 65"/>
-          <p:cNvSpPr txBox="1"/>
+          <p:cNvSpPr txBox="1">
+            <a:spLocks noGrp="1"/>
+          </p:cNvSpPr>
           <p:nvPr>
-            <p:ph idx="1" type="body"/>
+            <p:ph type="body" idx="1"/>
           </p:nvPr>
         </p:nvSpPr>
         <p:spPr>
@@ -937,12 +1401,12 @@
           </a:prstGeom>
         </p:spPr>
         <p:txBody>
-          <a:bodyPr anchorCtr="0" anchor="t" bIns="91425" lIns="91425" spcFirstLastPara="1" rIns="91425" wrap="square" tIns="91425">
+          <a:bodyPr spcFirstLastPara="1" wrap="square" lIns="91425" tIns="91425" rIns="91425" bIns="91425" anchor="t" anchorCtr="0">
             <a:noAutofit/>
           </a:bodyPr>
           <a:lstStyle/>
           <a:p>
-            <a:pPr indent="0" lvl="0" marL="0" rtl="0">
+            <a:pPr marL="0" lvl="0" indent="0" rtl="0">
               <a:spcBef>
                 <a:spcPts val="0"/>
               </a:spcBef>
@@ -951,9 +1415,6 @@
               </a:spcAft>
               <a:buNone/>
             </a:pPr>
-            <a:r>
-              <a:t/>
-            </a:r>
             <a:endParaRPr/>
           </a:p>
         </p:txBody>
@@ -966,12 +1427,12 @@
 </p:notes>
 </file>
 
-<file path=ppt/notesSlides/notesSlide4.xml><?xml version="1.0" encoding="utf-8"?>
-<p:notes xmlns:a="http://schemas.openxmlformats.org/drawingml/2006/main" xmlns:r="http://schemas.openxmlformats.org/officeDocument/2006/relationships" xmlns:mc="http://schemas.openxmlformats.org/markup-compatibility/2006" xmlns:mv="urn:schemas-microsoft-com:mac:vml" xmlns:p="http://schemas.openxmlformats.org/presentationml/2006/main" xmlns:c="http://schemas.openxmlformats.org/drawingml/2006/chart" xmlns:dgm="http://schemas.openxmlformats.org/drawingml/2006/diagram" xmlns:o="urn:schemas-microsoft-com:office:office" xmlns:v="urn:schemas-microsoft-com:vml" xmlns:pvml="urn:schemas-microsoft-com:office:powerpoint" xmlns:com="http://schemas.openxmlformats.org/drawingml/2006/compatibility" xmlns:p14="http://schemas.microsoft.com/office/powerpoint/2010/main" xmlns:p15="http://schemas.microsoft.com/office/powerpoint/2012/main" showMasterPhAnim="0" showMasterSp="0">
+<file path=ppt/notesSlides/notesSlide7.xml><?xml version="1.0" encoding="utf-8"?>
+<p:notes xmlns:a="http://schemas.openxmlformats.org/drawingml/2006/main" xmlns:r="http://schemas.openxmlformats.org/officeDocument/2006/relationships" xmlns:p="http://schemas.openxmlformats.org/presentationml/2006/main" showMasterSp="0" showMasterPhAnim="0">
   <p:cSld>
     <p:spTree>
       <p:nvGrpSpPr>
-        <p:cNvPr id="69" name="Shape 69"/>
+        <p:cNvPr id="1" name="Shape 69"/>
         <p:cNvGrpSpPr/>
         <p:nvPr/>
       </p:nvGrpSpPr>
@@ -986,9 +1447,11 @@
       <p:sp>
         <p:nvSpPr>
           <p:cNvPr id="70" name="Shape 70"/>
-          <p:cNvSpPr/>
+          <p:cNvSpPr>
+            <a:spLocks noGrp="1" noRot="1" noChangeAspect="1"/>
+          </p:cNvSpPr>
           <p:nvPr>
-            <p:ph idx="2" type="sldImg"/>
+            <p:ph type="sldImg" idx="2"/>
           </p:nvPr>
         </p:nvSpPr>
         <p:spPr>
@@ -997,8 +1460,13 @@
             <a:ext cx="6096000" cy="3429000"/>
           </a:xfrm>
           <a:custGeom>
+            <a:avLst/>
+            <a:gdLst/>
+            <a:ahLst/>
+            <a:cxnLst/>
+            <a:rect l="0" t="0" r="0" b="0"/>
             <a:pathLst>
-              <a:path extrusionOk="0" h="120000" w="120000">
+              <a:path w="120000" h="120000" extrusionOk="0">
                 <a:moveTo>
                   <a:pt x="0" y="0"/>
                 </a:moveTo>
@@ -1020,9 +1488,11 @@
       <p:sp>
         <p:nvSpPr>
           <p:cNvPr id="71" name="Shape 71"/>
-          <p:cNvSpPr txBox="1"/>
+          <p:cNvSpPr txBox="1">
+            <a:spLocks noGrp="1"/>
+          </p:cNvSpPr>
           <p:nvPr>
-            <p:ph idx="1" type="body"/>
+            <p:ph type="body" idx="1"/>
           </p:nvPr>
         </p:nvSpPr>
         <p:spPr>
@@ -1035,12 +1505,12 @@
           </a:prstGeom>
         </p:spPr>
         <p:txBody>
-          <a:bodyPr anchorCtr="0" anchor="t" bIns="91425" lIns="91425" spcFirstLastPara="1" rIns="91425" wrap="square" tIns="91425">
+          <a:bodyPr spcFirstLastPara="1" wrap="square" lIns="91425" tIns="91425" rIns="91425" bIns="91425" anchor="t" anchorCtr="0">
             <a:noAutofit/>
           </a:bodyPr>
           <a:lstStyle/>
           <a:p>
-            <a:pPr indent="0" lvl="0" marL="0" rtl="0">
+            <a:pPr marL="0" lvl="0" indent="0" rtl="0">
               <a:spcBef>
                 <a:spcPts val="0"/>
               </a:spcBef>
@@ -1049,9 +1519,6 @@
               </a:spcAft>
               <a:buNone/>
             </a:pPr>
-            <a:r>
-              <a:t/>
-            </a:r>
             <a:endParaRPr/>
           </a:p>
         </p:txBody>
@@ -1064,12 +1531,12 @@
 </p:notes>
 </file>
 
-<file path=ppt/notesSlides/notesSlide5.xml><?xml version="1.0" encoding="utf-8"?>
-<p:notes xmlns:a="http://schemas.openxmlformats.org/drawingml/2006/main" xmlns:r="http://schemas.openxmlformats.org/officeDocument/2006/relationships" xmlns:mc="http://schemas.openxmlformats.org/markup-compatibility/2006" xmlns:mv="urn:schemas-microsoft-com:mac:vml" xmlns:p="http://schemas.openxmlformats.org/presentationml/2006/main" xmlns:c="http://schemas.openxmlformats.org/drawingml/2006/chart" xmlns:dgm="http://schemas.openxmlformats.org/drawingml/2006/diagram" xmlns:o="urn:schemas-microsoft-com:office:office" xmlns:v="urn:schemas-microsoft-com:vml" xmlns:pvml="urn:schemas-microsoft-com:office:powerpoint" xmlns:com="http://schemas.openxmlformats.org/drawingml/2006/compatibility" xmlns:p14="http://schemas.microsoft.com/office/powerpoint/2010/main" xmlns:p15="http://schemas.microsoft.com/office/powerpoint/2012/main" showMasterPhAnim="0" showMasterSp="0">
+<file path=ppt/notesSlides/notesSlide8.xml><?xml version="1.0" encoding="utf-8"?>
+<p:notes xmlns:a="http://schemas.openxmlformats.org/drawingml/2006/main" xmlns:r="http://schemas.openxmlformats.org/officeDocument/2006/relationships" xmlns:p="http://schemas.openxmlformats.org/presentationml/2006/main" showMasterSp="0" showMasterPhAnim="0">
   <p:cSld>
     <p:spTree>
       <p:nvGrpSpPr>
-        <p:cNvPr id="75" name="Shape 75"/>
+        <p:cNvPr id="1" name="Shape 75"/>
         <p:cNvGrpSpPr/>
         <p:nvPr/>
       </p:nvGrpSpPr>
@@ -1084,19 +1551,26 @@
       <p:sp>
         <p:nvSpPr>
           <p:cNvPr id="76" name="Shape 76"/>
-          <p:cNvSpPr/>
+          <p:cNvSpPr>
+            <a:spLocks noGrp="1" noRot="1" noChangeAspect="1"/>
+          </p:cNvSpPr>
           <p:nvPr>
-            <p:ph idx="2" type="sldImg"/>
+            <p:ph type="sldImg" idx="2"/>
           </p:nvPr>
         </p:nvSpPr>
         <p:spPr>
           <a:xfrm>
-            <a:off x="381300" y="685800"/>
+            <a:off x="381000" y="685800"/>
             <a:ext cx="6096000" cy="3429000"/>
           </a:xfrm>
           <a:custGeom>
+            <a:avLst/>
+            <a:gdLst/>
+            <a:ahLst/>
+            <a:cxnLst/>
+            <a:rect l="0" t="0" r="0" b="0"/>
             <a:pathLst>
-              <a:path extrusionOk="0" h="120000" w="120000">
+              <a:path w="120000" h="120000" extrusionOk="0">
                 <a:moveTo>
                   <a:pt x="0" y="0"/>
                 </a:moveTo>
@@ -1118,9 +1592,11 @@
       <p:sp>
         <p:nvSpPr>
           <p:cNvPr id="77" name="Shape 77"/>
-          <p:cNvSpPr txBox="1"/>
+          <p:cNvSpPr txBox="1">
+            <a:spLocks noGrp="1"/>
+          </p:cNvSpPr>
           <p:nvPr>
-            <p:ph idx="1" type="body"/>
+            <p:ph type="body" idx="1"/>
           </p:nvPr>
         </p:nvSpPr>
         <p:spPr>
@@ -1133,12 +1609,12 @@
           </a:prstGeom>
         </p:spPr>
         <p:txBody>
-          <a:bodyPr anchorCtr="0" anchor="t" bIns="91425" lIns="91425" spcFirstLastPara="1" rIns="91425" wrap="square" tIns="91425">
+          <a:bodyPr spcFirstLastPara="1" wrap="square" lIns="91425" tIns="91425" rIns="91425" bIns="91425" anchor="t" anchorCtr="0">
             <a:noAutofit/>
           </a:bodyPr>
           <a:lstStyle/>
           <a:p>
-            <a:pPr indent="0" lvl="0" marL="0" rtl="0">
+            <a:pPr marL="0" lvl="0" indent="0" rtl="0">
               <a:spcBef>
                 <a:spcPts val="0"/>
               </a:spcBef>
@@ -1147,9 +1623,6 @@
               </a:spcAft>
               <a:buNone/>
             </a:pPr>
-            <a:r>
-              <a:t/>
-            </a:r>
             <a:endParaRPr/>
           </a:p>
         </p:txBody>
@@ -1162,12 +1635,12 @@
 </p:notes>
 </file>
 
-<file path=ppt/notesSlides/notesSlide6.xml><?xml version="1.0" encoding="utf-8"?>
-<p:notes xmlns:a="http://schemas.openxmlformats.org/drawingml/2006/main" xmlns:r="http://schemas.openxmlformats.org/officeDocument/2006/relationships" xmlns:mc="http://schemas.openxmlformats.org/markup-compatibility/2006" xmlns:mv="urn:schemas-microsoft-com:mac:vml" xmlns:p="http://schemas.openxmlformats.org/presentationml/2006/main" xmlns:c="http://schemas.openxmlformats.org/drawingml/2006/chart" xmlns:dgm="http://schemas.openxmlformats.org/drawingml/2006/diagram" xmlns:o="urn:schemas-microsoft-com:office:office" xmlns:v="urn:schemas-microsoft-com:vml" xmlns:pvml="urn:schemas-microsoft-com:office:powerpoint" xmlns:com="http://schemas.openxmlformats.org/drawingml/2006/compatibility" xmlns:p14="http://schemas.microsoft.com/office/powerpoint/2010/main" xmlns:p15="http://schemas.microsoft.com/office/powerpoint/2012/main" showMasterPhAnim="0" showMasterSp="0">
+<file path=ppt/notesSlides/notesSlide9.xml><?xml version="1.0" encoding="utf-8"?>
+<p:notes xmlns:a="http://schemas.openxmlformats.org/drawingml/2006/main" xmlns:r="http://schemas.openxmlformats.org/officeDocument/2006/relationships" xmlns:p="http://schemas.openxmlformats.org/presentationml/2006/main" showMasterSp="0" showMasterPhAnim="0">
   <p:cSld>
     <p:spTree>
       <p:nvGrpSpPr>
-        <p:cNvPr id="81" name="Shape 81"/>
+        <p:cNvPr id="1" name="Shape 81"/>
         <p:cNvGrpSpPr/>
         <p:nvPr/>
       </p:nvGrpSpPr>
@@ -1182,9 +1655,11 @@
       <p:sp>
         <p:nvSpPr>
           <p:cNvPr id="82" name="Shape 82"/>
-          <p:cNvSpPr/>
+          <p:cNvSpPr>
+            <a:spLocks noGrp="1" noRot="1" noChangeAspect="1"/>
+          </p:cNvSpPr>
           <p:nvPr>
-            <p:ph idx="2" type="sldImg"/>
+            <p:ph type="sldImg" idx="2"/>
           </p:nvPr>
         </p:nvSpPr>
         <p:spPr>
@@ -1193,8 +1668,13 @@
             <a:ext cx="6096000" cy="3429000"/>
           </a:xfrm>
           <a:custGeom>
+            <a:avLst/>
+            <a:gdLst/>
+            <a:ahLst/>
+            <a:cxnLst/>
+            <a:rect l="0" t="0" r="0" b="0"/>
             <a:pathLst>
-              <a:path extrusionOk="0" h="120000" w="120000">
+              <a:path w="120000" h="120000" extrusionOk="0">
                 <a:moveTo>
                   <a:pt x="0" y="0"/>
                 </a:moveTo>
@@ -1216,9 +1696,11 @@
       <p:sp>
         <p:nvSpPr>
           <p:cNvPr id="83" name="Shape 83"/>
-          <p:cNvSpPr txBox="1"/>
+          <p:cNvSpPr txBox="1">
+            <a:spLocks noGrp="1"/>
+          </p:cNvSpPr>
           <p:nvPr>
-            <p:ph idx="1" type="body"/>
+            <p:ph type="body" idx="1"/>
           </p:nvPr>
         </p:nvSpPr>
         <p:spPr>
@@ -1231,12 +1713,12 @@
           </a:prstGeom>
         </p:spPr>
         <p:txBody>
-          <a:bodyPr anchorCtr="0" anchor="t" bIns="91425" lIns="91425" spcFirstLastPara="1" rIns="91425" wrap="square" tIns="91425">
+          <a:bodyPr spcFirstLastPara="1" wrap="square" lIns="91425" tIns="91425" rIns="91425" bIns="91425" anchor="t" anchorCtr="0">
             <a:noAutofit/>
           </a:bodyPr>
           <a:lstStyle/>
           <a:p>
-            <a:pPr indent="0" lvl="0" marL="0" rtl="0">
+            <a:pPr marL="0" lvl="0" indent="0" rtl="0">
               <a:spcBef>
                 <a:spcPts val="0"/>
               </a:spcBef>
@@ -1245,9 +1727,6 @@
               </a:spcAft>
               <a:buNone/>
             </a:pPr>
-            <a:r>
-              <a:t/>
-            </a:r>
             <a:endParaRPr/>
           </a:p>
         </p:txBody>
@@ -1261,11 +1740,11 @@
 </file>
 
 <file path=ppt/slideLayouts/slideLayout1.xml><?xml version="1.0" encoding="utf-8"?>
-<p:sldLayout xmlns:a="http://schemas.openxmlformats.org/drawingml/2006/main" xmlns:r="http://schemas.openxmlformats.org/officeDocument/2006/relationships" xmlns:mc="http://schemas.openxmlformats.org/markup-compatibility/2006" xmlns:mv="urn:schemas-microsoft-com:mac:vml" xmlns:p="http://schemas.openxmlformats.org/presentationml/2006/main" xmlns:c="http://schemas.openxmlformats.org/drawingml/2006/chart" xmlns:dgm="http://schemas.openxmlformats.org/drawingml/2006/diagram" xmlns:o="urn:schemas-microsoft-com:office:office" xmlns:v="urn:schemas-microsoft-com:vml" xmlns:pvml="urn:schemas-microsoft-com:office:powerpoint" xmlns:com="http://schemas.openxmlformats.org/drawingml/2006/compatibility" xmlns:p14="http://schemas.microsoft.com/office/powerpoint/2010/main" xmlns:p15="http://schemas.microsoft.com/office/powerpoint/2012/main" matchingName="Title slide" type="title">
+<p:sldLayout xmlns:a="http://schemas.openxmlformats.org/drawingml/2006/main" xmlns:r="http://schemas.openxmlformats.org/officeDocument/2006/relationships" xmlns:p="http://schemas.openxmlformats.org/presentationml/2006/main" matchingName="Title slide" type="title">
   <p:cSld name="TITLE">
     <p:spTree>
       <p:nvGrpSpPr>
-        <p:cNvPr id="9" name="Shape 9"/>
+        <p:cNvPr id="1" name="Shape 9"/>
         <p:cNvGrpSpPr/>
         <p:nvPr/>
       </p:nvGrpSpPr>
@@ -1280,7 +1759,9 @@
       <p:sp>
         <p:nvSpPr>
           <p:cNvPr id="10" name="Shape 10"/>
-          <p:cNvSpPr txBox="1"/>
+          <p:cNvSpPr txBox="1">
+            <a:spLocks noGrp="1"/>
+          </p:cNvSpPr>
           <p:nvPr>
             <p:ph type="ctrTitle"/>
           </p:nvPr>
@@ -1295,7 +1776,7 @@
           </a:prstGeom>
         </p:spPr>
         <p:txBody>
-          <a:bodyPr anchorCtr="0" anchor="b" bIns="91425" lIns="91425" spcFirstLastPara="1" rIns="91425" wrap="square" tIns="91425"/>
+          <a:bodyPr spcFirstLastPara="1" wrap="square" lIns="91425" tIns="91425" rIns="91425" bIns="91425" anchor="b" anchorCtr="0"/>
           <a:lstStyle>
             <a:lvl1pPr lvl="0" algn="ctr">
               <a:spcBef>
@@ -1397,15 +1878,19 @@
               <a:defRPr sz="5200"/>
             </a:lvl9pPr>
           </a:lstStyle>
-          <a:p/>
+          <a:p>
+            <a:endParaRPr/>
+          </a:p>
         </p:txBody>
       </p:sp>
       <p:sp>
         <p:nvSpPr>
           <p:cNvPr id="11" name="Shape 11"/>
-          <p:cNvSpPr txBox="1"/>
+          <p:cNvSpPr txBox="1">
+            <a:spLocks noGrp="1"/>
+          </p:cNvSpPr>
           <p:nvPr>
-            <p:ph idx="1" type="subTitle"/>
+            <p:ph type="subTitle" idx="1"/>
           </p:nvPr>
         </p:nvSpPr>
         <p:spPr>
@@ -1418,7 +1903,7 @@
           </a:prstGeom>
         </p:spPr>
         <p:txBody>
-          <a:bodyPr anchorCtr="0" anchor="t" bIns="91425" lIns="91425" spcFirstLastPara="1" rIns="91425" wrap="square" tIns="91425"/>
+          <a:bodyPr spcFirstLastPara="1" wrap="square" lIns="91425" tIns="91425" rIns="91425" bIns="91425" anchor="t" anchorCtr="0"/>
           <a:lstStyle>
             <a:lvl1pPr lvl="0" algn="ctr">
               <a:lnSpc>
@@ -1547,15 +2032,19 @@
               <a:defRPr sz="2800"/>
             </a:lvl9pPr>
           </a:lstStyle>
-          <a:p/>
+          <a:p>
+            <a:endParaRPr/>
+          </a:p>
         </p:txBody>
       </p:sp>
       <p:sp>
         <p:nvSpPr>
           <p:cNvPr id="12" name="Shape 12"/>
-          <p:cNvSpPr txBox="1"/>
+          <p:cNvSpPr txBox="1">
+            <a:spLocks noGrp="1"/>
+          </p:cNvSpPr>
           <p:nvPr>
-            <p:ph idx="12" type="sldNum"/>
+            <p:ph type="sldNum" idx="12"/>
           </p:nvPr>
         </p:nvSpPr>
         <p:spPr>
@@ -1568,7 +2057,7 @@
           </a:prstGeom>
         </p:spPr>
         <p:txBody>
-          <a:bodyPr anchorCtr="0" anchor="ctr" bIns="91425" lIns="91425" spcFirstLastPara="1" rIns="91425" wrap="square" tIns="91425">
+          <a:bodyPr spcFirstLastPara="1" wrap="square" lIns="91425" tIns="91425" rIns="91425" bIns="91425" anchor="ctr" anchorCtr="0">
             <a:noAutofit/>
           </a:bodyPr>
           <a:lstStyle>
@@ -1610,7 +2099,7 @@
             </a:lvl9pPr>
           </a:lstStyle>
           <a:p>
-            <a:pPr indent="0" lvl="0" marL="0">
+            <a:pPr marL="0" lvl="0" indent="0">
               <a:spcBef>
                 <a:spcPts val="0"/>
               </a:spcBef>
@@ -1636,11 +2125,11 @@
 </file>
 
 <file path=ppt/slideLayouts/slideLayout10.xml><?xml version="1.0" encoding="utf-8"?>
-<p:sldLayout xmlns:a="http://schemas.openxmlformats.org/drawingml/2006/main" xmlns:r="http://schemas.openxmlformats.org/officeDocument/2006/relationships" xmlns:mc="http://schemas.openxmlformats.org/markup-compatibility/2006" xmlns:mv="urn:schemas-microsoft-com:mac:vml" xmlns:p="http://schemas.openxmlformats.org/presentationml/2006/main" xmlns:c="http://schemas.openxmlformats.org/drawingml/2006/chart" xmlns:dgm="http://schemas.openxmlformats.org/drawingml/2006/diagram" xmlns:o="urn:schemas-microsoft-com:office:office" xmlns:v="urn:schemas-microsoft-com:vml" xmlns:pvml="urn:schemas-microsoft-com:office:powerpoint" xmlns:com="http://schemas.openxmlformats.org/drawingml/2006/compatibility" xmlns:p14="http://schemas.microsoft.com/office/powerpoint/2010/main" xmlns:p15="http://schemas.microsoft.com/office/powerpoint/2012/main" matchingName="Big number">
+<p:sldLayout xmlns:a="http://schemas.openxmlformats.org/drawingml/2006/main" xmlns:r="http://schemas.openxmlformats.org/officeDocument/2006/relationships" xmlns:p="http://schemas.openxmlformats.org/presentationml/2006/main" matchingName="Big number">
   <p:cSld name="BIG_NUMBER">
     <p:spTree>
       <p:nvGrpSpPr>
-        <p:cNvPr id="44" name="Shape 44"/>
+        <p:cNvPr id="1" name="Shape 44"/>
         <p:cNvGrpSpPr/>
         <p:nvPr/>
       </p:nvGrpSpPr>
@@ -1655,7 +2144,9 @@
       <p:sp>
         <p:nvSpPr>
           <p:cNvPr id="45" name="Shape 45"/>
-          <p:cNvSpPr txBox="1"/>
+          <p:cNvSpPr txBox="1">
+            <a:spLocks noGrp="1"/>
+          </p:cNvSpPr>
           <p:nvPr>
             <p:ph type="title"/>
           </p:nvPr>
@@ -1670,7 +2161,7 @@
           </a:prstGeom>
         </p:spPr>
         <p:txBody>
-          <a:bodyPr anchorCtr="0" anchor="b" bIns="91425" lIns="91425" spcFirstLastPara="1" rIns="91425" wrap="square" tIns="91425"/>
+          <a:bodyPr spcFirstLastPara="1" wrap="square" lIns="91425" tIns="91425" rIns="91425" bIns="91425" anchor="b" anchorCtr="0"/>
           <a:lstStyle>
             <a:lvl1pPr lvl="0" algn="ctr">
               <a:spcBef>
@@ -1772,15 +2263,19 @@
               <a:defRPr sz="12000"/>
             </a:lvl9pPr>
           </a:lstStyle>
-          <a:p/>
+          <a:p>
+            <a:endParaRPr/>
+          </a:p>
         </p:txBody>
       </p:sp>
       <p:sp>
         <p:nvSpPr>
           <p:cNvPr id="46" name="Shape 46"/>
-          <p:cNvSpPr txBox="1"/>
+          <p:cNvSpPr txBox="1">
+            <a:spLocks noGrp="1"/>
+          </p:cNvSpPr>
           <p:nvPr>
-            <p:ph idx="1" type="body"/>
+            <p:ph type="body" idx="1"/>
           </p:nvPr>
         </p:nvSpPr>
         <p:spPr>
@@ -1793,9 +2288,9 @@
           </a:prstGeom>
         </p:spPr>
         <p:txBody>
-          <a:bodyPr anchorCtr="0" anchor="t" bIns="91425" lIns="91425" spcFirstLastPara="1" rIns="91425" wrap="square" tIns="91425"/>
+          <a:bodyPr spcFirstLastPara="1" wrap="square" lIns="91425" tIns="91425" rIns="91425" bIns="91425" anchor="t" anchorCtr="0"/>
           <a:lstStyle>
-            <a:lvl1pPr indent="-342900" lvl="0" marL="457200" algn="ctr">
+            <a:lvl1pPr marL="457200" lvl="0" indent="-342900" algn="ctr">
               <a:spcBef>
                 <a:spcPts val="0"/>
               </a:spcBef>
@@ -1806,7 +2301,7 @@
               <a:buChar char="●"/>
               <a:defRPr/>
             </a:lvl1pPr>
-            <a:lvl2pPr indent="-317500" lvl="1" marL="914400" algn="ctr">
+            <a:lvl2pPr marL="914400" lvl="1" indent="-317500" algn="ctr">
               <a:spcBef>
                 <a:spcPts val="1600"/>
               </a:spcBef>
@@ -1817,7 +2312,7 @@
               <a:buChar char="○"/>
               <a:defRPr/>
             </a:lvl2pPr>
-            <a:lvl3pPr indent="-317500" lvl="2" marL="1371600" algn="ctr">
+            <a:lvl3pPr marL="1371600" lvl="2" indent="-317500" algn="ctr">
               <a:spcBef>
                 <a:spcPts val="1600"/>
               </a:spcBef>
@@ -1828,7 +2323,7 @@
               <a:buChar char="■"/>
               <a:defRPr/>
             </a:lvl3pPr>
-            <a:lvl4pPr indent="-317500" lvl="3" marL="1828800" algn="ctr">
+            <a:lvl4pPr marL="1828800" lvl="3" indent="-317500" algn="ctr">
               <a:spcBef>
                 <a:spcPts val="1600"/>
               </a:spcBef>
@@ -1839,7 +2334,7 @@
               <a:buChar char="●"/>
               <a:defRPr/>
             </a:lvl4pPr>
-            <a:lvl5pPr indent="-317500" lvl="4" marL="2286000" algn="ctr">
+            <a:lvl5pPr marL="2286000" lvl="4" indent="-317500" algn="ctr">
               <a:spcBef>
                 <a:spcPts val="1600"/>
               </a:spcBef>
@@ -1850,7 +2345,7 @@
               <a:buChar char="○"/>
               <a:defRPr/>
             </a:lvl5pPr>
-            <a:lvl6pPr indent="-317500" lvl="5" marL="2743200" algn="ctr">
+            <a:lvl6pPr marL="2743200" lvl="5" indent="-317500" algn="ctr">
               <a:spcBef>
                 <a:spcPts val="1600"/>
               </a:spcBef>
@@ -1861,7 +2356,7 @@
               <a:buChar char="■"/>
               <a:defRPr/>
             </a:lvl6pPr>
-            <a:lvl7pPr indent="-317500" lvl="6" marL="3200400" algn="ctr">
+            <a:lvl7pPr marL="3200400" lvl="6" indent="-317500" algn="ctr">
               <a:spcBef>
                 <a:spcPts val="1600"/>
               </a:spcBef>
@@ -1872,7 +2367,7 @@
               <a:buChar char="●"/>
               <a:defRPr/>
             </a:lvl7pPr>
-            <a:lvl8pPr indent="-317500" lvl="7" marL="3657600" algn="ctr">
+            <a:lvl8pPr marL="3657600" lvl="7" indent="-317500" algn="ctr">
               <a:spcBef>
                 <a:spcPts val="1600"/>
               </a:spcBef>
@@ -1883,7 +2378,7 @@
               <a:buChar char="○"/>
               <a:defRPr/>
             </a:lvl8pPr>
-            <a:lvl9pPr indent="-317500" lvl="8" marL="4114800" algn="ctr">
+            <a:lvl9pPr marL="4114800" lvl="8" indent="-317500" algn="ctr">
               <a:spcBef>
                 <a:spcPts val="1600"/>
               </a:spcBef>
@@ -1895,15 +2390,19 @@
               <a:defRPr/>
             </a:lvl9pPr>
           </a:lstStyle>
-          <a:p/>
+          <a:p>
+            <a:endParaRPr/>
+          </a:p>
         </p:txBody>
       </p:sp>
       <p:sp>
         <p:nvSpPr>
           <p:cNvPr id="47" name="Shape 47"/>
-          <p:cNvSpPr txBox="1"/>
+          <p:cNvSpPr txBox="1">
+            <a:spLocks noGrp="1"/>
+          </p:cNvSpPr>
           <p:nvPr>
-            <p:ph idx="12" type="sldNum"/>
+            <p:ph type="sldNum" idx="12"/>
           </p:nvPr>
         </p:nvSpPr>
         <p:spPr>
@@ -1916,7 +2415,7 @@
           </a:prstGeom>
         </p:spPr>
         <p:txBody>
-          <a:bodyPr anchorCtr="0" anchor="ctr" bIns="91425" lIns="91425" spcFirstLastPara="1" rIns="91425" wrap="square" tIns="91425">
+          <a:bodyPr spcFirstLastPara="1" wrap="square" lIns="91425" tIns="91425" rIns="91425" bIns="91425" anchor="ctr" anchorCtr="0">
             <a:noAutofit/>
           </a:bodyPr>
           <a:lstStyle>
@@ -1958,7 +2457,7 @@
             </a:lvl9pPr>
           </a:lstStyle>
           <a:p>
-            <a:pPr indent="0" lvl="0" marL="0">
+            <a:pPr marL="0" lvl="0" indent="0">
               <a:spcBef>
                 <a:spcPts val="0"/>
               </a:spcBef>
@@ -1984,11 +2483,11 @@
 </file>
 
 <file path=ppt/slideLayouts/slideLayout11.xml><?xml version="1.0" encoding="utf-8"?>
-<p:sldLayout xmlns:a="http://schemas.openxmlformats.org/drawingml/2006/main" xmlns:r="http://schemas.openxmlformats.org/officeDocument/2006/relationships" xmlns:mc="http://schemas.openxmlformats.org/markup-compatibility/2006" xmlns:mv="urn:schemas-microsoft-com:mac:vml" xmlns:p="http://schemas.openxmlformats.org/presentationml/2006/main" xmlns:c="http://schemas.openxmlformats.org/drawingml/2006/chart" xmlns:dgm="http://schemas.openxmlformats.org/drawingml/2006/diagram" xmlns:o="urn:schemas-microsoft-com:office:office" xmlns:v="urn:schemas-microsoft-com:vml" xmlns:pvml="urn:schemas-microsoft-com:office:powerpoint" xmlns:com="http://schemas.openxmlformats.org/drawingml/2006/compatibility" xmlns:p14="http://schemas.microsoft.com/office/powerpoint/2010/main" xmlns:p15="http://schemas.microsoft.com/office/powerpoint/2012/main" matchingName="Blank" type="blank">
+<p:sldLayout xmlns:a="http://schemas.openxmlformats.org/drawingml/2006/main" xmlns:r="http://schemas.openxmlformats.org/officeDocument/2006/relationships" xmlns:p="http://schemas.openxmlformats.org/presentationml/2006/main" matchingName="Blank" type="blank">
   <p:cSld name="BLANK">
     <p:spTree>
       <p:nvGrpSpPr>
-        <p:cNvPr id="48" name="Shape 48"/>
+        <p:cNvPr id="1" name="Shape 48"/>
         <p:cNvGrpSpPr/>
         <p:nvPr/>
       </p:nvGrpSpPr>
@@ -2003,9 +2502,11 @@
       <p:sp>
         <p:nvSpPr>
           <p:cNvPr id="49" name="Shape 49"/>
-          <p:cNvSpPr txBox="1"/>
+          <p:cNvSpPr txBox="1">
+            <a:spLocks noGrp="1"/>
+          </p:cNvSpPr>
           <p:nvPr>
-            <p:ph idx="12" type="sldNum"/>
+            <p:ph type="sldNum" idx="12"/>
           </p:nvPr>
         </p:nvSpPr>
         <p:spPr>
@@ -2018,7 +2519,7 @@
           </a:prstGeom>
         </p:spPr>
         <p:txBody>
-          <a:bodyPr anchorCtr="0" anchor="ctr" bIns="91425" lIns="91425" spcFirstLastPara="1" rIns="91425" wrap="square" tIns="91425">
+          <a:bodyPr spcFirstLastPara="1" wrap="square" lIns="91425" tIns="91425" rIns="91425" bIns="91425" anchor="ctr" anchorCtr="0">
             <a:noAutofit/>
           </a:bodyPr>
           <a:lstStyle>
@@ -2060,7 +2561,7 @@
             </a:lvl9pPr>
           </a:lstStyle>
           <a:p>
-            <a:pPr indent="0" lvl="0" marL="0">
+            <a:pPr marL="0" lvl="0" indent="0">
               <a:spcBef>
                 <a:spcPts val="0"/>
               </a:spcBef>
@@ -2086,11 +2587,11 @@
 </file>
 
 <file path=ppt/slideLayouts/slideLayout2.xml><?xml version="1.0" encoding="utf-8"?>
-<p:sldLayout xmlns:a="http://schemas.openxmlformats.org/drawingml/2006/main" xmlns:r="http://schemas.openxmlformats.org/officeDocument/2006/relationships" xmlns:mc="http://schemas.openxmlformats.org/markup-compatibility/2006" xmlns:mv="urn:schemas-microsoft-com:mac:vml" xmlns:p="http://schemas.openxmlformats.org/presentationml/2006/main" xmlns:c="http://schemas.openxmlformats.org/drawingml/2006/chart" xmlns:dgm="http://schemas.openxmlformats.org/drawingml/2006/diagram" xmlns:o="urn:schemas-microsoft-com:office:office" xmlns:v="urn:schemas-microsoft-com:vml" xmlns:pvml="urn:schemas-microsoft-com:office:powerpoint" xmlns:com="http://schemas.openxmlformats.org/drawingml/2006/compatibility" xmlns:p14="http://schemas.microsoft.com/office/powerpoint/2010/main" xmlns:p15="http://schemas.microsoft.com/office/powerpoint/2012/main" matchingName="Section header" type="secHead">
+<p:sldLayout xmlns:a="http://schemas.openxmlformats.org/drawingml/2006/main" xmlns:r="http://schemas.openxmlformats.org/officeDocument/2006/relationships" xmlns:p="http://schemas.openxmlformats.org/presentationml/2006/main" matchingName="Section header" type="secHead">
   <p:cSld name="SECTION_HEADER">
     <p:spTree>
       <p:nvGrpSpPr>
-        <p:cNvPr id="13" name="Shape 13"/>
+        <p:cNvPr id="1" name="Shape 13"/>
         <p:cNvGrpSpPr/>
         <p:nvPr/>
       </p:nvGrpSpPr>
@@ -2105,7 +2606,9 @@
       <p:sp>
         <p:nvSpPr>
           <p:cNvPr id="14" name="Shape 14"/>
-          <p:cNvSpPr txBox="1"/>
+          <p:cNvSpPr txBox="1">
+            <a:spLocks noGrp="1"/>
+          </p:cNvSpPr>
           <p:nvPr>
             <p:ph type="title"/>
           </p:nvPr>
@@ -2120,7 +2623,7 @@
           </a:prstGeom>
         </p:spPr>
         <p:txBody>
-          <a:bodyPr anchorCtr="0" anchor="ctr" bIns="91425" lIns="91425" spcFirstLastPara="1" rIns="91425" wrap="square" tIns="91425"/>
+          <a:bodyPr spcFirstLastPara="1" wrap="square" lIns="91425" tIns="91425" rIns="91425" bIns="91425" anchor="ctr" anchorCtr="0"/>
           <a:lstStyle>
             <a:lvl1pPr lvl="0" algn="ctr">
               <a:spcBef>
@@ -2222,15 +2725,19 @@
               <a:defRPr sz="3600"/>
             </a:lvl9pPr>
           </a:lstStyle>
-          <a:p/>
+          <a:p>
+            <a:endParaRPr/>
+          </a:p>
         </p:txBody>
       </p:sp>
       <p:sp>
         <p:nvSpPr>
           <p:cNvPr id="15" name="Shape 15"/>
-          <p:cNvSpPr txBox="1"/>
+          <p:cNvSpPr txBox="1">
+            <a:spLocks noGrp="1"/>
+          </p:cNvSpPr>
           <p:nvPr>
-            <p:ph idx="12" type="sldNum"/>
+            <p:ph type="sldNum" idx="12"/>
           </p:nvPr>
         </p:nvSpPr>
         <p:spPr>
@@ -2243,7 +2750,7 @@
           </a:prstGeom>
         </p:spPr>
         <p:txBody>
-          <a:bodyPr anchorCtr="0" anchor="ctr" bIns="91425" lIns="91425" spcFirstLastPara="1" rIns="91425" wrap="square" tIns="91425">
+          <a:bodyPr spcFirstLastPara="1" wrap="square" lIns="91425" tIns="91425" rIns="91425" bIns="91425" anchor="ctr" anchorCtr="0">
             <a:noAutofit/>
           </a:bodyPr>
           <a:lstStyle>
@@ -2285,7 +2792,7 @@
             </a:lvl9pPr>
           </a:lstStyle>
           <a:p>
-            <a:pPr indent="0" lvl="0" marL="0">
+            <a:pPr marL="0" lvl="0" indent="0">
               <a:spcBef>
                 <a:spcPts val="0"/>
               </a:spcBef>
@@ -2311,11 +2818,11 @@
 </file>
 
 <file path=ppt/slideLayouts/slideLayout3.xml><?xml version="1.0" encoding="utf-8"?>
-<p:sldLayout xmlns:a="http://schemas.openxmlformats.org/drawingml/2006/main" xmlns:r="http://schemas.openxmlformats.org/officeDocument/2006/relationships" xmlns:mc="http://schemas.openxmlformats.org/markup-compatibility/2006" xmlns:mv="urn:schemas-microsoft-com:mac:vml" xmlns:p="http://schemas.openxmlformats.org/presentationml/2006/main" xmlns:c="http://schemas.openxmlformats.org/drawingml/2006/chart" xmlns:dgm="http://schemas.openxmlformats.org/drawingml/2006/diagram" xmlns:o="urn:schemas-microsoft-com:office:office" xmlns:v="urn:schemas-microsoft-com:vml" xmlns:pvml="urn:schemas-microsoft-com:office:powerpoint" xmlns:com="http://schemas.openxmlformats.org/drawingml/2006/compatibility" xmlns:p14="http://schemas.microsoft.com/office/powerpoint/2010/main" xmlns:p15="http://schemas.microsoft.com/office/powerpoint/2012/main" matchingName="Title and body" type="tx">
+<p:sldLayout xmlns:a="http://schemas.openxmlformats.org/drawingml/2006/main" xmlns:r="http://schemas.openxmlformats.org/officeDocument/2006/relationships" xmlns:p="http://schemas.openxmlformats.org/presentationml/2006/main" matchingName="Title and body" type="tx">
   <p:cSld name="TITLE_AND_BODY">
     <p:spTree>
       <p:nvGrpSpPr>
-        <p:cNvPr id="16" name="Shape 16"/>
+        <p:cNvPr id="1" name="Shape 16"/>
         <p:cNvGrpSpPr/>
         <p:nvPr/>
       </p:nvGrpSpPr>
@@ -2330,7 +2837,9 @@
       <p:sp>
         <p:nvSpPr>
           <p:cNvPr id="17" name="Shape 17"/>
-          <p:cNvSpPr txBox="1"/>
+          <p:cNvSpPr txBox="1">
+            <a:spLocks noGrp="1"/>
+          </p:cNvSpPr>
           <p:nvPr>
             <p:ph type="title"/>
           </p:nvPr>
@@ -2345,7 +2854,7 @@
           </a:prstGeom>
         </p:spPr>
         <p:txBody>
-          <a:bodyPr anchorCtr="0" anchor="t" bIns="91425" lIns="91425" spcFirstLastPara="1" rIns="91425" wrap="square" tIns="91425"/>
+          <a:bodyPr spcFirstLastPara="1" wrap="square" lIns="91425" tIns="91425" rIns="91425" bIns="91425" anchor="t" anchorCtr="0"/>
           <a:lstStyle>
             <a:lvl1pPr lvl="0">
               <a:spcBef>
@@ -2447,15 +2956,19 @@
               <a:defRPr/>
             </a:lvl9pPr>
           </a:lstStyle>
-          <a:p/>
+          <a:p>
+            <a:endParaRPr/>
+          </a:p>
         </p:txBody>
       </p:sp>
       <p:sp>
         <p:nvSpPr>
           <p:cNvPr id="18" name="Shape 18"/>
-          <p:cNvSpPr txBox="1"/>
+          <p:cNvSpPr txBox="1">
+            <a:spLocks noGrp="1"/>
+          </p:cNvSpPr>
           <p:nvPr>
-            <p:ph idx="1" type="body"/>
+            <p:ph type="body" idx="1"/>
           </p:nvPr>
         </p:nvSpPr>
         <p:spPr>
@@ -2468,9 +2981,9 @@
           </a:prstGeom>
         </p:spPr>
         <p:txBody>
-          <a:bodyPr anchorCtr="0" anchor="t" bIns="91425" lIns="91425" spcFirstLastPara="1" rIns="91425" wrap="square" tIns="91425"/>
+          <a:bodyPr spcFirstLastPara="1" wrap="square" lIns="91425" tIns="91425" rIns="91425" bIns="91425" anchor="t" anchorCtr="0"/>
           <a:lstStyle>
-            <a:lvl1pPr indent="-342900" lvl="0" marL="457200">
+            <a:lvl1pPr marL="457200" lvl="0" indent="-342900">
               <a:spcBef>
                 <a:spcPts val="0"/>
               </a:spcBef>
@@ -2481,7 +2994,7 @@
               <a:buChar char="●"/>
               <a:defRPr/>
             </a:lvl1pPr>
-            <a:lvl2pPr indent="-317500" lvl="1" marL="914400">
+            <a:lvl2pPr marL="914400" lvl="1" indent="-317500">
               <a:spcBef>
                 <a:spcPts val="1600"/>
               </a:spcBef>
@@ -2492,7 +3005,7 @@
               <a:buChar char="○"/>
               <a:defRPr/>
             </a:lvl2pPr>
-            <a:lvl3pPr indent="-317500" lvl="2" marL="1371600">
+            <a:lvl3pPr marL="1371600" lvl="2" indent="-317500">
               <a:spcBef>
                 <a:spcPts val="1600"/>
               </a:spcBef>
@@ -2503,7 +3016,7 @@
               <a:buChar char="■"/>
               <a:defRPr/>
             </a:lvl3pPr>
-            <a:lvl4pPr indent="-317500" lvl="3" marL="1828800">
+            <a:lvl4pPr marL="1828800" lvl="3" indent="-317500">
               <a:spcBef>
                 <a:spcPts val="1600"/>
               </a:spcBef>
@@ -2514,7 +3027,7 @@
               <a:buChar char="●"/>
               <a:defRPr/>
             </a:lvl4pPr>
-            <a:lvl5pPr indent="-317500" lvl="4" marL="2286000">
+            <a:lvl5pPr marL="2286000" lvl="4" indent="-317500">
               <a:spcBef>
                 <a:spcPts val="1600"/>
               </a:spcBef>
@@ -2525,7 +3038,7 @@
               <a:buChar char="○"/>
               <a:defRPr/>
             </a:lvl5pPr>
-            <a:lvl6pPr indent="-317500" lvl="5" marL="2743200">
+            <a:lvl6pPr marL="2743200" lvl="5" indent="-317500">
               <a:spcBef>
                 <a:spcPts val="1600"/>
               </a:spcBef>
@@ -2536,7 +3049,7 @@
               <a:buChar char="■"/>
               <a:defRPr/>
             </a:lvl6pPr>
-            <a:lvl7pPr indent="-317500" lvl="6" marL="3200400">
+            <a:lvl7pPr marL="3200400" lvl="6" indent="-317500">
               <a:spcBef>
                 <a:spcPts val="1600"/>
               </a:spcBef>
@@ -2547,7 +3060,7 @@
               <a:buChar char="●"/>
               <a:defRPr/>
             </a:lvl7pPr>
-            <a:lvl8pPr indent="-317500" lvl="7" marL="3657600">
+            <a:lvl8pPr marL="3657600" lvl="7" indent="-317500">
               <a:spcBef>
                 <a:spcPts val="1600"/>
               </a:spcBef>
@@ -2558,7 +3071,7 @@
               <a:buChar char="○"/>
               <a:defRPr/>
             </a:lvl8pPr>
-            <a:lvl9pPr indent="-317500" lvl="8" marL="4114800">
+            <a:lvl9pPr marL="4114800" lvl="8" indent="-317500">
               <a:spcBef>
                 <a:spcPts val="1600"/>
               </a:spcBef>
@@ -2570,15 +3083,19 @@
               <a:defRPr/>
             </a:lvl9pPr>
           </a:lstStyle>
-          <a:p/>
+          <a:p>
+            <a:endParaRPr/>
+          </a:p>
         </p:txBody>
       </p:sp>
       <p:sp>
         <p:nvSpPr>
           <p:cNvPr id="19" name="Shape 19"/>
-          <p:cNvSpPr txBox="1"/>
+          <p:cNvSpPr txBox="1">
+            <a:spLocks noGrp="1"/>
+          </p:cNvSpPr>
           <p:nvPr>
-            <p:ph idx="12" type="sldNum"/>
+            <p:ph type="sldNum" idx="12"/>
           </p:nvPr>
         </p:nvSpPr>
         <p:spPr>
@@ -2591,7 +3108,7 @@
           </a:prstGeom>
         </p:spPr>
         <p:txBody>
-          <a:bodyPr anchorCtr="0" anchor="ctr" bIns="91425" lIns="91425" spcFirstLastPara="1" rIns="91425" wrap="square" tIns="91425">
+          <a:bodyPr spcFirstLastPara="1" wrap="square" lIns="91425" tIns="91425" rIns="91425" bIns="91425" anchor="ctr" anchorCtr="0">
             <a:noAutofit/>
           </a:bodyPr>
           <a:lstStyle>
@@ -2633,7 +3150,7 @@
             </a:lvl9pPr>
           </a:lstStyle>
           <a:p>
-            <a:pPr indent="0" lvl="0" marL="0">
+            <a:pPr marL="0" lvl="0" indent="0">
               <a:spcBef>
                 <a:spcPts val="0"/>
               </a:spcBef>
@@ -2659,11 +3176,11 @@
 </file>
 
 <file path=ppt/slideLayouts/slideLayout4.xml><?xml version="1.0" encoding="utf-8"?>
-<p:sldLayout xmlns:a="http://schemas.openxmlformats.org/drawingml/2006/main" xmlns:r="http://schemas.openxmlformats.org/officeDocument/2006/relationships" xmlns:mc="http://schemas.openxmlformats.org/markup-compatibility/2006" xmlns:mv="urn:schemas-microsoft-com:mac:vml" xmlns:p="http://schemas.openxmlformats.org/presentationml/2006/main" xmlns:c="http://schemas.openxmlformats.org/drawingml/2006/chart" xmlns:dgm="http://schemas.openxmlformats.org/drawingml/2006/diagram" xmlns:o="urn:schemas-microsoft-com:office:office" xmlns:v="urn:schemas-microsoft-com:vml" xmlns:pvml="urn:schemas-microsoft-com:office:powerpoint" xmlns:com="http://schemas.openxmlformats.org/drawingml/2006/compatibility" xmlns:p14="http://schemas.microsoft.com/office/powerpoint/2010/main" xmlns:p15="http://schemas.microsoft.com/office/powerpoint/2012/main" matchingName="Title and two columns" type="twoColTx">
+<p:sldLayout xmlns:a="http://schemas.openxmlformats.org/drawingml/2006/main" xmlns:r="http://schemas.openxmlformats.org/officeDocument/2006/relationships" xmlns:p="http://schemas.openxmlformats.org/presentationml/2006/main" matchingName="Title and two columns" type="twoColTx">
   <p:cSld name="TITLE_AND_TWO_COLUMNS">
     <p:spTree>
       <p:nvGrpSpPr>
-        <p:cNvPr id="20" name="Shape 20"/>
+        <p:cNvPr id="1" name="Shape 20"/>
         <p:cNvGrpSpPr/>
         <p:nvPr/>
       </p:nvGrpSpPr>
@@ -2678,7 +3195,9 @@
       <p:sp>
         <p:nvSpPr>
           <p:cNvPr id="21" name="Shape 21"/>
-          <p:cNvSpPr txBox="1"/>
+          <p:cNvSpPr txBox="1">
+            <a:spLocks noGrp="1"/>
+          </p:cNvSpPr>
           <p:nvPr>
             <p:ph type="title"/>
           </p:nvPr>
@@ -2693,7 +3212,7 @@
           </a:prstGeom>
         </p:spPr>
         <p:txBody>
-          <a:bodyPr anchorCtr="0" anchor="t" bIns="91425" lIns="91425" spcFirstLastPara="1" rIns="91425" wrap="square" tIns="91425"/>
+          <a:bodyPr spcFirstLastPara="1" wrap="square" lIns="91425" tIns="91425" rIns="91425" bIns="91425" anchor="t" anchorCtr="0"/>
           <a:lstStyle>
             <a:lvl1pPr lvl="0">
               <a:spcBef>
@@ -2795,15 +3314,19 @@
               <a:defRPr/>
             </a:lvl9pPr>
           </a:lstStyle>
-          <a:p/>
+          <a:p>
+            <a:endParaRPr/>
+          </a:p>
         </p:txBody>
       </p:sp>
       <p:sp>
         <p:nvSpPr>
           <p:cNvPr id="22" name="Shape 22"/>
-          <p:cNvSpPr txBox="1"/>
+          <p:cNvSpPr txBox="1">
+            <a:spLocks noGrp="1"/>
+          </p:cNvSpPr>
           <p:nvPr>
-            <p:ph idx="1" type="body"/>
+            <p:ph type="body" idx="1"/>
           </p:nvPr>
         </p:nvSpPr>
         <p:spPr>
@@ -2816,9 +3339,9 @@
           </a:prstGeom>
         </p:spPr>
         <p:txBody>
-          <a:bodyPr anchorCtr="0" anchor="t" bIns="91425" lIns="91425" spcFirstLastPara="1" rIns="91425" wrap="square" tIns="91425"/>
+          <a:bodyPr spcFirstLastPara="1" wrap="square" lIns="91425" tIns="91425" rIns="91425" bIns="91425" anchor="t" anchorCtr="0"/>
           <a:lstStyle>
-            <a:lvl1pPr indent="-317500" lvl="0" marL="457200">
+            <a:lvl1pPr marL="457200" lvl="0" indent="-317500">
               <a:spcBef>
                 <a:spcPts val="0"/>
               </a:spcBef>
@@ -2829,7 +3352,7 @@
               <a:buChar char="●"/>
               <a:defRPr sz="1400"/>
             </a:lvl1pPr>
-            <a:lvl2pPr indent="-304800" lvl="1" marL="914400">
+            <a:lvl2pPr marL="914400" lvl="1" indent="-304800">
               <a:spcBef>
                 <a:spcPts val="1600"/>
               </a:spcBef>
@@ -2840,7 +3363,7 @@
               <a:buChar char="○"/>
               <a:defRPr sz="1200"/>
             </a:lvl2pPr>
-            <a:lvl3pPr indent="-304800" lvl="2" marL="1371600">
+            <a:lvl3pPr marL="1371600" lvl="2" indent="-304800">
               <a:spcBef>
                 <a:spcPts val="1600"/>
               </a:spcBef>
@@ -2851,7 +3374,7 @@
               <a:buChar char="■"/>
               <a:defRPr sz="1200"/>
             </a:lvl3pPr>
-            <a:lvl4pPr indent="-304800" lvl="3" marL="1828800">
+            <a:lvl4pPr marL="1828800" lvl="3" indent="-304800">
               <a:spcBef>
                 <a:spcPts val="1600"/>
               </a:spcBef>
@@ -2862,7 +3385,7 @@
               <a:buChar char="●"/>
               <a:defRPr sz="1200"/>
             </a:lvl4pPr>
-            <a:lvl5pPr indent="-304800" lvl="4" marL="2286000">
+            <a:lvl5pPr marL="2286000" lvl="4" indent="-304800">
               <a:spcBef>
                 <a:spcPts val="1600"/>
               </a:spcBef>
@@ -2873,7 +3396,7 @@
               <a:buChar char="○"/>
               <a:defRPr sz="1200"/>
             </a:lvl5pPr>
-            <a:lvl6pPr indent="-304800" lvl="5" marL="2743200">
+            <a:lvl6pPr marL="2743200" lvl="5" indent="-304800">
               <a:spcBef>
                 <a:spcPts val="1600"/>
               </a:spcBef>
@@ -2884,7 +3407,7 @@
               <a:buChar char="■"/>
               <a:defRPr sz="1200"/>
             </a:lvl6pPr>
-            <a:lvl7pPr indent="-304800" lvl="6" marL="3200400">
+            <a:lvl7pPr marL="3200400" lvl="6" indent="-304800">
               <a:spcBef>
                 <a:spcPts val="1600"/>
               </a:spcBef>
@@ -2895,7 +3418,7 @@
               <a:buChar char="●"/>
               <a:defRPr sz="1200"/>
             </a:lvl7pPr>
-            <a:lvl8pPr indent="-304800" lvl="7" marL="3657600">
+            <a:lvl8pPr marL="3657600" lvl="7" indent="-304800">
               <a:spcBef>
                 <a:spcPts val="1600"/>
               </a:spcBef>
@@ -2906,7 +3429,7 @@
               <a:buChar char="○"/>
               <a:defRPr sz="1200"/>
             </a:lvl8pPr>
-            <a:lvl9pPr indent="-304800" lvl="8" marL="4114800">
+            <a:lvl9pPr marL="4114800" lvl="8" indent="-304800">
               <a:spcBef>
                 <a:spcPts val="1600"/>
               </a:spcBef>
@@ -2918,15 +3441,19 @@
               <a:defRPr sz="1200"/>
             </a:lvl9pPr>
           </a:lstStyle>
-          <a:p/>
+          <a:p>
+            <a:endParaRPr/>
+          </a:p>
         </p:txBody>
       </p:sp>
       <p:sp>
         <p:nvSpPr>
           <p:cNvPr id="23" name="Shape 23"/>
-          <p:cNvSpPr txBox="1"/>
+          <p:cNvSpPr txBox="1">
+            <a:spLocks noGrp="1"/>
+          </p:cNvSpPr>
           <p:nvPr>
-            <p:ph idx="2" type="body"/>
+            <p:ph type="body" idx="2"/>
           </p:nvPr>
         </p:nvSpPr>
         <p:spPr>
@@ -2939,9 +3466,9 @@
           </a:prstGeom>
         </p:spPr>
         <p:txBody>
-          <a:bodyPr anchorCtr="0" anchor="t" bIns="91425" lIns="91425" spcFirstLastPara="1" rIns="91425" wrap="square" tIns="91425"/>
+          <a:bodyPr spcFirstLastPara="1" wrap="square" lIns="91425" tIns="91425" rIns="91425" bIns="91425" anchor="t" anchorCtr="0"/>
           <a:lstStyle>
-            <a:lvl1pPr indent="-317500" lvl="0" marL="457200">
+            <a:lvl1pPr marL="457200" lvl="0" indent="-317500">
               <a:spcBef>
                 <a:spcPts val="0"/>
               </a:spcBef>
@@ -2952,7 +3479,7 @@
               <a:buChar char="●"/>
               <a:defRPr sz="1400"/>
             </a:lvl1pPr>
-            <a:lvl2pPr indent="-304800" lvl="1" marL="914400">
+            <a:lvl2pPr marL="914400" lvl="1" indent="-304800">
               <a:spcBef>
                 <a:spcPts val="1600"/>
               </a:spcBef>
@@ -2963,7 +3490,7 @@
               <a:buChar char="○"/>
               <a:defRPr sz="1200"/>
             </a:lvl2pPr>
-            <a:lvl3pPr indent="-304800" lvl="2" marL="1371600">
+            <a:lvl3pPr marL="1371600" lvl="2" indent="-304800">
               <a:spcBef>
                 <a:spcPts val="1600"/>
               </a:spcBef>
@@ -2974,7 +3501,7 @@
               <a:buChar char="■"/>
               <a:defRPr sz="1200"/>
             </a:lvl3pPr>
-            <a:lvl4pPr indent="-304800" lvl="3" marL="1828800">
+            <a:lvl4pPr marL="1828800" lvl="3" indent="-304800">
               <a:spcBef>
                 <a:spcPts val="1600"/>
               </a:spcBef>
@@ -2985,7 +3512,7 @@
               <a:buChar char="●"/>
               <a:defRPr sz="1200"/>
             </a:lvl4pPr>
-            <a:lvl5pPr indent="-304800" lvl="4" marL="2286000">
+            <a:lvl5pPr marL="2286000" lvl="4" indent="-304800">
               <a:spcBef>
                 <a:spcPts val="1600"/>
               </a:spcBef>
@@ -2996,7 +3523,7 @@
               <a:buChar char="○"/>
               <a:defRPr sz="1200"/>
             </a:lvl5pPr>
-            <a:lvl6pPr indent="-304800" lvl="5" marL="2743200">
+            <a:lvl6pPr marL="2743200" lvl="5" indent="-304800">
               <a:spcBef>
                 <a:spcPts val="1600"/>
               </a:spcBef>
@@ -3007,7 +3534,7 @@
               <a:buChar char="■"/>
               <a:defRPr sz="1200"/>
             </a:lvl6pPr>
-            <a:lvl7pPr indent="-304800" lvl="6" marL="3200400">
+            <a:lvl7pPr marL="3200400" lvl="6" indent="-304800">
               <a:spcBef>
                 <a:spcPts val="1600"/>
               </a:spcBef>
@@ -3018,7 +3545,7 @@
               <a:buChar char="●"/>
               <a:defRPr sz="1200"/>
             </a:lvl7pPr>
-            <a:lvl8pPr indent="-304800" lvl="7" marL="3657600">
+            <a:lvl8pPr marL="3657600" lvl="7" indent="-304800">
               <a:spcBef>
                 <a:spcPts val="1600"/>
               </a:spcBef>
@@ -3029,7 +3556,7 @@
               <a:buChar char="○"/>
               <a:defRPr sz="1200"/>
             </a:lvl8pPr>
-            <a:lvl9pPr indent="-304800" lvl="8" marL="4114800">
+            <a:lvl9pPr marL="4114800" lvl="8" indent="-304800">
               <a:spcBef>
                 <a:spcPts val="1600"/>
               </a:spcBef>
@@ -3041,15 +3568,19 @@
               <a:defRPr sz="1200"/>
             </a:lvl9pPr>
           </a:lstStyle>
-          <a:p/>
+          <a:p>
+            <a:endParaRPr/>
+          </a:p>
         </p:txBody>
       </p:sp>
       <p:sp>
         <p:nvSpPr>
           <p:cNvPr id="24" name="Shape 24"/>
-          <p:cNvSpPr txBox="1"/>
+          <p:cNvSpPr txBox="1">
+            <a:spLocks noGrp="1"/>
+          </p:cNvSpPr>
           <p:nvPr>
-            <p:ph idx="12" type="sldNum"/>
+            <p:ph type="sldNum" idx="12"/>
           </p:nvPr>
         </p:nvSpPr>
         <p:spPr>
@@ -3062,7 +3593,7 @@
           </a:prstGeom>
         </p:spPr>
         <p:txBody>
-          <a:bodyPr anchorCtr="0" anchor="ctr" bIns="91425" lIns="91425" spcFirstLastPara="1" rIns="91425" wrap="square" tIns="91425">
+          <a:bodyPr spcFirstLastPara="1" wrap="square" lIns="91425" tIns="91425" rIns="91425" bIns="91425" anchor="ctr" anchorCtr="0">
             <a:noAutofit/>
           </a:bodyPr>
           <a:lstStyle>
@@ -3104,7 +3635,7 @@
             </a:lvl9pPr>
           </a:lstStyle>
           <a:p>
-            <a:pPr indent="0" lvl="0" marL="0">
+            <a:pPr marL="0" lvl="0" indent="0">
               <a:spcBef>
                 <a:spcPts val="0"/>
               </a:spcBef>
@@ -3130,11 +3661,11 @@
 </file>
 
 <file path=ppt/slideLayouts/slideLayout5.xml><?xml version="1.0" encoding="utf-8"?>
-<p:sldLayout xmlns:a="http://schemas.openxmlformats.org/drawingml/2006/main" xmlns:r="http://schemas.openxmlformats.org/officeDocument/2006/relationships" xmlns:mc="http://schemas.openxmlformats.org/markup-compatibility/2006" xmlns:mv="urn:schemas-microsoft-com:mac:vml" xmlns:p="http://schemas.openxmlformats.org/presentationml/2006/main" xmlns:c="http://schemas.openxmlformats.org/drawingml/2006/chart" xmlns:dgm="http://schemas.openxmlformats.org/drawingml/2006/diagram" xmlns:o="urn:schemas-microsoft-com:office:office" xmlns:v="urn:schemas-microsoft-com:vml" xmlns:pvml="urn:schemas-microsoft-com:office:powerpoint" xmlns:com="http://schemas.openxmlformats.org/drawingml/2006/compatibility" xmlns:p14="http://schemas.microsoft.com/office/powerpoint/2010/main" xmlns:p15="http://schemas.microsoft.com/office/powerpoint/2012/main" matchingName="Title only" type="titleOnly">
+<p:sldLayout xmlns:a="http://schemas.openxmlformats.org/drawingml/2006/main" xmlns:r="http://schemas.openxmlformats.org/officeDocument/2006/relationships" xmlns:p="http://schemas.openxmlformats.org/presentationml/2006/main" matchingName="Title only" type="titleOnly">
   <p:cSld name="TITLE_ONLY">
     <p:spTree>
       <p:nvGrpSpPr>
-        <p:cNvPr id="25" name="Shape 25"/>
+        <p:cNvPr id="1" name="Shape 25"/>
         <p:cNvGrpSpPr/>
         <p:nvPr/>
       </p:nvGrpSpPr>
@@ -3149,7 +3680,9 @@
       <p:sp>
         <p:nvSpPr>
           <p:cNvPr id="26" name="Shape 26"/>
-          <p:cNvSpPr txBox="1"/>
+          <p:cNvSpPr txBox="1">
+            <a:spLocks noGrp="1"/>
+          </p:cNvSpPr>
           <p:nvPr>
             <p:ph type="title"/>
           </p:nvPr>
@@ -3164,7 +3697,7 @@
           </a:prstGeom>
         </p:spPr>
         <p:txBody>
-          <a:bodyPr anchorCtr="0" anchor="t" bIns="91425" lIns="91425" spcFirstLastPara="1" rIns="91425" wrap="square" tIns="91425"/>
+          <a:bodyPr spcFirstLastPara="1" wrap="square" lIns="91425" tIns="91425" rIns="91425" bIns="91425" anchor="t" anchorCtr="0"/>
           <a:lstStyle>
             <a:lvl1pPr lvl="0">
               <a:spcBef>
@@ -3266,15 +3799,19 @@
               <a:defRPr/>
             </a:lvl9pPr>
           </a:lstStyle>
-          <a:p/>
+          <a:p>
+            <a:endParaRPr/>
+          </a:p>
         </p:txBody>
       </p:sp>
       <p:sp>
         <p:nvSpPr>
           <p:cNvPr id="27" name="Shape 27"/>
-          <p:cNvSpPr txBox="1"/>
+          <p:cNvSpPr txBox="1">
+            <a:spLocks noGrp="1"/>
+          </p:cNvSpPr>
           <p:nvPr>
-            <p:ph idx="12" type="sldNum"/>
+            <p:ph type="sldNum" idx="12"/>
           </p:nvPr>
         </p:nvSpPr>
         <p:spPr>
@@ -3287,7 +3824,7 @@
           </a:prstGeom>
         </p:spPr>
         <p:txBody>
-          <a:bodyPr anchorCtr="0" anchor="ctr" bIns="91425" lIns="91425" spcFirstLastPara="1" rIns="91425" wrap="square" tIns="91425">
+          <a:bodyPr spcFirstLastPara="1" wrap="square" lIns="91425" tIns="91425" rIns="91425" bIns="91425" anchor="ctr" anchorCtr="0">
             <a:noAutofit/>
           </a:bodyPr>
           <a:lstStyle>
@@ -3329,7 +3866,7 @@
             </a:lvl9pPr>
           </a:lstStyle>
           <a:p>
-            <a:pPr indent="0" lvl="0" marL="0">
+            <a:pPr marL="0" lvl="0" indent="0">
               <a:spcBef>
                 <a:spcPts val="0"/>
               </a:spcBef>
@@ -3355,11 +3892,11 @@
 </file>
 
 <file path=ppt/slideLayouts/slideLayout6.xml><?xml version="1.0" encoding="utf-8"?>
-<p:sldLayout xmlns:a="http://schemas.openxmlformats.org/drawingml/2006/main" xmlns:r="http://schemas.openxmlformats.org/officeDocument/2006/relationships" xmlns:mc="http://schemas.openxmlformats.org/markup-compatibility/2006" xmlns:mv="urn:schemas-microsoft-com:mac:vml" xmlns:p="http://schemas.openxmlformats.org/presentationml/2006/main" xmlns:c="http://schemas.openxmlformats.org/drawingml/2006/chart" xmlns:dgm="http://schemas.openxmlformats.org/drawingml/2006/diagram" xmlns:o="urn:schemas-microsoft-com:office:office" xmlns:v="urn:schemas-microsoft-com:vml" xmlns:pvml="urn:schemas-microsoft-com:office:powerpoint" xmlns:com="http://schemas.openxmlformats.org/drawingml/2006/compatibility" xmlns:p14="http://schemas.microsoft.com/office/powerpoint/2010/main" xmlns:p15="http://schemas.microsoft.com/office/powerpoint/2012/main" matchingName="One column text">
+<p:sldLayout xmlns:a="http://schemas.openxmlformats.org/drawingml/2006/main" xmlns:r="http://schemas.openxmlformats.org/officeDocument/2006/relationships" xmlns:p="http://schemas.openxmlformats.org/presentationml/2006/main" matchingName="One column text">
   <p:cSld name="ONE_COLUMN_TEXT">
     <p:spTree>
       <p:nvGrpSpPr>
-        <p:cNvPr id="28" name="Shape 28"/>
+        <p:cNvPr id="1" name="Shape 28"/>
         <p:cNvGrpSpPr/>
         <p:nvPr/>
       </p:nvGrpSpPr>
@@ -3374,7 +3911,9 @@
       <p:sp>
         <p:nvSpPr>
           <p:cNvPr id="29" name="Shape 29"/>
-          <p:cNvSpPr txBox="1"/>
+          <p:cNvSpPr txBox="1">
+            <a:spLocks noGrp="1"/>
+          </p:cNvSpPr>
           <p:nvPr>
             <p:ph type="title"/>
           </p:nvPr>
@@ -3389,7 +3928,7 @@
           </a:prstGeom>
         </p:spPr>
         <p:txBody>
-          <a:bodyPr anchorCtr="0" anchor="b" bIns="91425" lIns="91425" spcFirstLastPara="1" rIns="91425" wrap="square" tIns="91425"/>
+          <a:bodyPr spcFirstLastPara="1" wrap="square" lIns="91425" tIns="91425" rIns="91425" bIns="91425" anchor="b" anchorCtr="0"/>
           <a:lstStyle>
             <a:lvl1pPr lvl="0">
               <a:spcBef>
@@ -3491,15 +4030,19 @@
               <a:defRPr sz="2400"/>
             </a:lvl9pPr>
           </a:lstStyle>
-          <a:p/>
+          <a:p>
+            <a:endParaRPr/>
+          </a:p>
         </p:txBody>
       </p:sp>
       <p:sp>
         <p:nvSpPr>
           <p:cNvPr id="30" name="Shape 30"/>
-          <p:cNvSpPr txBox="1"/>
+          <p:cNvSpPr txBox="1">
+            <a:spLocks noGrp="1"/>
+          </p:cNvSpPr>
           <p:nvPr>
-            <p:ph idx="1" type="body"/>
+            <p:ph type="body" idx="1"/>
           </p:nvPr>
         </p:nvSpPr>
         <p:spPr>
@@ -3512,9 +4055,9 @@
           </a:prstGeom>
         </p:spPr>
         <p:txBody>
-          <a:bodyPr anchorCtr="0" anchor="t" bIns="91425" lIns="91425" spcFirstLastPara="1" rIns="91425" wrap="square" tIns="91425"/>
+          <a:bodyPr spcFirstLastPara="1" wrap="square" lIns="91425" tIns="91425" rIns="91425" bIns="91425" anchor="t" anchorCtr="0"/>
           <a:lstStyle>
-            <a:lvl1pPr indent="-304800" lvl="0" marL="457200">
+            <a:lvl1pPr marL="457200" lvl="0" indent="-304800">
               <a:spcBef>
                 <a:spcPts val="0"/>
               </a:spcBef>
@@ -3525,7 +4068,7 @@
               <a:buChar char="●"/>
               <a:defRPr sz="1200"/>
             </a:lvl1pPr>
-            <a:lvl2pPr indent="-304800" lvl="1" marL="914400">
+            <a:lvl2pPr marL="914400" lvl="1" indent="-304800">
               <a:spcBef>
                 <a:spcPts val="1600"/>
               </a:spcBef>
@@ -3536,7 +4079,7 @@
               <a:buChar char="○"/>
               <a:defRPr sz="1200"/>
             </a:lvl2pPr>
-            <a:lvl3pPr indent="-304800" lvl="2" marL="1371600">
+            <a:lvl3pPr marL="1371600" lvl="2" indent="-304800">
               <a:spcBef>
                 <a:spcPts val="1600"/>
               </a:spcBef>
@@ -3547,7 +4090,7 @@
               <a:buChar char="■"/>
               <a:defRPr sz="1200"/>
             </a:lvl3pPr>
-            <a:lvl4pPr indent="-304800" lvl="3" marL="1828800">
+            <a:lvl4pPr marL="1828800" lvl="3" indent="-304800">
               <a:spcBef>
                 <a:spcPts val="1600"/>
               </a:spcBef>
@@ -3558,7 +4101,7 @@
               <a:buChar char="●"/>
               <a:defRPr sz="1200"/>
             </a:lvl4pPr>
-            <a:lvl5pPr indent="-304800" lvl="4" marL="2286000">
+            <a:lvl5pPr marL="2286000" lvl="4" indent="-304800">
               <a:spcBef>
                 <a:spcPts val="1600"/>
               </a:spcBef>
@@ -3569,7 +4112,7 @@
               <a:buChar char="○"/>
               <a:defRPr sz="1200"/>
             </a:lvl5pPr>
-            <a:lvl6pPr indent="-304800" lvl="5" marL="2743200">
+            <a:lvl6pPr marL="2743200" lvl="5" indent="-304800">
               <a:spcBef>
                 <a:spcPts val="1600"/>
               </a:spcBef>
@@ -3580,7 +4123,7 @@
               <a:buChar char="■"/>
               <a:defRPr sz="1200"/>
             </a:lvl6pPr>
-            <a:lvl7pPr indent="-304800" lvl="6" marL="3200400">
+            <a:lvl7pPr marL="3200400" lvl="6" indent="-304800">
               <a:spcBef>
                 <a:spcPts val="1600"/>
               </a:spcBef>
@@ -3591,7 +4134,7 @@
               <a:buChar char="●"/>
               <a:defRPr sz="1200"/>
             </a:lvl7pPr>
-            <a:lvl8pPr indent="-304800" lvl="7" marL="3657600">
+            <a:lvl8pPr marL="3657600" lvl="7" indent="-304800">
               <a:spcBef>
                 <a:spcPts val="1600"/>
               </a:spcBef>
@@ -3602,7 +4145,7 @@
               <a:buChar char="○"/>
               <a:defRPr sz="1200"/>
             </a:lvl8pPr>
-            <a:lvl9pPr indent="-304800" lvl="8" marL="4114800">
+            <a:lvl9pPr marL="4114800" lvl="8" indent="-304800">
               <a:spcBef>
                 <a:spcPts val="1600"/>
               </a:spcBef>
@@ -3614,15 +4157,19 @@
               <a:defRPr sz="1200"/>
             </a:lvl9pPr>
           </a:lstStyle>
-          <a:p/>
+          <a:p>
+            <a:endParaRPr/>
+          </a:p>
         </p:txBody>
       </p:sp>
       <p:sp>
         <p:nvSpPr>
           <p:cNvPr id="31" name="Shape 31"/>
-          <p:cNvSpPr txBox="1"/>
+          <p:cNvSpPr txBox="1">
+            <a:spLocks noGrp="1"/>
+          </p:cNvSpPr>
           <p:nvPr>
-            <p:ph idx="12" type="sldNum"/>
+            <p:ph type="sldNum" idx="12"/>
           </p:nvPr>
         </p:nvSpPr>
         <p:spPr>
@@ -3635,7 +4182,7 @@
           </a:prstGeom>
         </p:spPr>
         <p:txBody>
-          <a:bodyPr anchorCtr="0" anchor="ctr" bIns="91425" lIns="91425" spcFirstLastPara="1" rIns="91425" wrap="square" tIns="91425">
+          <a:bodyPr spcFirstLastPara="1" wrap="square" lIns="91425" tIns="91425" rIns="91425" bIns="91425" anchor="ctr" anchorCtr="0">
             <a:noAutofit/>
           </a:bodyPr>
           <a:lstStyle>
@@ -3677,7 +4224,7 @@
             </a:lvl9pPr>
           </a:lstStyle>
           <a:p>
-            <a:pPr indent="0" lvl="0" marL="0">
+            <a:pPr marL="0" lvl="0" indent="0">
               <a:spcBef>
                 <a:spcPts val="0"/>
               </a:spcBef>
@@ -3703,11 +4250,11 @@
 </file>
 
 <file path=ppt/slideLayouts/slideLayout7.xml><?xml version="1.0" encoding="utf-8"?>
-<p:sldLayout xmlns:a="http://schemas.openxmlformats.org/drawingml/2006/main" xmlns:r="http://schemas.openxmlformats.org/officeDocument/2006/relationships" xmlns:mc="http://schemas.openxmlformats.org/markup-compatibility/2006" xmlns:mv="urn:schemas-microsoft-com:mac:vml" xmlns:p="http://schemas.openxmlformats.org/presentationml/2006/main" xmlns:c="http://schemas.openxmlformats.org/drawingml/2006/chart" xmlns:dgm="http://schemas.openxmlformats.org/drawingml/2006/diagram" xmlns:o="urn:schemas-microsoft-com:office:office" xmlns:v="urn:schemas-microsoft-com:vml" xmlns:pvml="urn:schemas-microsoft-com:office:powerpoint" xmlns:com="http://schemas.openxmlformats.org/drawingml/2006/compatibility" xmlns:p14="http://schemas.microsoft.com/office/powerpoint/2010/main" xmlns:p15="http://schemas.microsoft.com/office/powerpoint/2012/main" matchingName="Main point">
+<p:sldLayout xmlns:a="http://schemas.openxmlformats.org/drawingml/2006/main" xmlns:r="http://schemas.openxmlformats.org/officeDocument/2006/relationships" xmlns:p="http://schemas.openxmlformats.org/presentationml/2006/main" matchingName="Main point">
   <p:cSld name="MAIN_POINT">
     <p:spTree>
       <p:nvGrpSpPr>
-        <p:cNvPr id="32" name="Shape 32"/>
+        <p:cNvPr id="1" name="Shape 32"/>
         <p:cNvGrpSpPr/>
         <p:nvPr/>
       </p:nvGrpSpPr>
@@ -3722,7 +4269,9 @@
       <p:sp>
         <p:nvSpPr>
           <p:cNvPr id="33" name="Shape 33"/>
-          <p:cNvSpPr txBox="1"/>
+          <p:cNvSpPr txBox="1">
+            <a:spLocks noGrp="1"/>
+          </p:cNvSpPr>
           <p:nvPr>
             <p:ph type="title"/>
           </p:nvPr>
@@ -3737,7 +4286,7 @@
           </a:prstGeom>
         </p:spPr>
         <p:txBody>
-          <a:bodyPr anchorCtr="0" anchor="ctr" bIns="91425" lIns="91425" spcFirstLastPara="1" rIns="91425" wrap="square" tIns="91425"/>
+          <a:bodyPr spcFirstLastPara="1" wrap="square" lIns="91425" tIns="91425" rIns="91425" bIns="91425" anchor="ctr" anchorCtr="0"/>
           <a:lstStyle>
             <a:lvl1pPr lvl="0">
               <a:spcBef>
@@ -3839,15 +4388,19 @@
               <a:defRPr sz="4800"/>
             </a:lvl9pPr>
           </a:lstStyle>
-          <a:p/>
+          <a:p>
+            <a:endParaRPr/>
+          </a:p>
         </p:txBody>
       </p:sp>
       <p:sp>
         <p:nvSpPr>
           <p:cNvPr id="34" name="Shape 34"/>
-          <p:cNvSpPr txBox="1"/>
+          <p:cNvSpPr txBox="1">
+            <a:spLocks noGrp="1"/>
+          </p:cNvSpPr>
           <p:nvPr>
-            <p:ph idx="12" type="sldNum"/>
+            <p:ph type="sldNum" idx="12"/>
           </p:nvPr>
         </p:nvSpPr>
         <p:spPr>
@@ -3860,7 +4413,7 @@
           </a:prstGeom>
         </p:spPr>
         <p:txBody>
-          <a:bodyPr anchorCtr="0" anchor="ctr" bIns="91425" lIns="91425" spcFirstLastPara="1" rIns="91425" wrap="square" tIns="91425">
+          <a:bodyPr spcFirstLastPara="1" wrap="square" lIns="91425" tIns="91425" rIns="91425" bIns="91425" anchor="ctr" anchorCtr="0">
             <a:noAutofit/>
           </a:bodyPr>
           <a:lstStyle>
@@ -3902,7 +4455,7 @@
             </a:lvl9pPr>
           </a:lstStyle>
           <a:p>
-            <a:pPr indent="0" lvl="0" marL="0">
+            <a:pPr marL="0" lvl="0" indent="0">
               <a:spcBef>
                 <a:spcPts val="0"/>
               </a:spcBef>
@@ -3928,11 +4481,11 @@
 </file>
 
 <file path=ppt/slideLayouts/slideLayout8.xml><?xml version="1.0" encoding="utf-8"?>
-<p:sldLayout xmlns:a="http://schemas.openxmlformats.org/drawingml/2006/main" xmlns:r="http://schemas.openxmlformats.org/officeDocument/2006/relationships" xmlns:mc="http://schemas.openxmlformats.org/markup-compatibility/2006" xmlns:mv="urn:schemas-microsoft-com:mac:vml" xmlns:p="http://schemas.openxmlformats.org/presentationml/2006/main" xmlns:c="http://schemas.openxmlformats.org/drawingml/2006/chart" xmlns:dgm="http://schemas.openxmlformats.org/drawingml/2006/diagram" xmlns:o="urn:schemas-microsoft-com:office:office" xmlns:v="urn:schemas-microsoft-com:vml" xmlns:pvml="urn:schemas-microsoft-com:office:powerpoint" xmlns:com="http://schemas.openxmlformats.org/drawingml/2006/compatibility" xmlns:p14="http://schemas.microsoft.com/office/powerpoint/2010/main" xmlns:p15="http://schemas.microsoft.com/office/powerpoint/2012/main" matchingName="Section title and description">
+<p:sldLayout xmlns:a="http://schemas.openxmlformats.org/drawingml/2006/main" xmlns:r="http://schemas.openxmlformats.org/officeDocument/2006/relationships" xmlns:p="http://schemas.openxmlformats.org/presentationml/2006/main" matchingName="Section title and description">
   <p:cSld name="SECTION_TITLE_AND_DESCRIPTION">
     <p:spTree>
       <p:nvGrpSpPr>
-        <p:cNvPr id="35" name="Shape 35"/>
+        <p:cNvPr id="1" name="Shape 35"/>
         <p:cNvGrpSpPr/>
         <p:nvPr/>
       </p:nvGrpSpPr>
@@ -3966,12 +4519,12 @@
           </a:ln>
         </p:spPr>
         <p:txBody>
-          <a:bodyPr anchorCtr="0" anchor="ctr" bIns="91425" lIns="91425" spcFirstLastPara="1" rIns="91425" wrap="square" tIns="91425">
+          <a:bodyPr spcFirstLastPara="1" wrap="square" lIns="91425" tIns="91425" rIns="91425" bIns="91425" anchor="ctr" anchorCtr="0">
             <a:noAutofit/>
           </a:bodyPr>
           <a:lstStyle/>
           <a:p>
-            <a:pPr indent="0" lvl="0" marL="0">
+            <a:pPr marL="0" lvl="0" indent="0">
               <a:spcBef>
                 <a:spcPts val="0"/>
               </a:spcBef>
@@ -3980,9 +4533,6 @@
               </a:spcAft>
               <a:buNone/>
             </a:pPr>
-            <a:r>
-              <a:t/>
-            </a:r>
             <a:endParaRPr/>
           </a:p>
         </p:txBody>
@@ -3990,7 +4540,9 @@
       <p:sp>
         <p:nvSpPr>
           <p:cNvPr id="37" name="Shape 37"/>
-          <p:cNvSpPr txBox="1"/>
+          <p:cNvSpPr txBox="1">
+            <a:spLocks noGrp="1"/>
+          </p:cNvSpPr>
           <p:nvPr>
             <p:ph type="title"/>
           </p:nvPr>
@@ -4005,7 +4557,7 @@
           </a:prstGeom>
         </p:spPr>
         <p:txBody>
-          <a:bodyPr anchorCtr="0" anchor="b" bIns="91425" lIns="91425" spcFirstLastPara="1" rIns="91425" wrap="square" tIns="91425"/>
+          <a:bodyPr spcFirstLastPara="1" wrap="square" lIns="91425" tIns="91425" rIns="91425" bIns="91425" anchor="b" anchorCtr="0"/>
           <a:lstStyle>
             <a:lvl1pPr lvl="0" algn="ctr">
               <a:spcBef>
@@ -4107,15 +4659,19 @@
               <a:defRPr sz="4200"/>
             </a:lvl9pPr>
           </a:lstStyle>
-          <a:p/>
+          <a:p>
+            <a:endParaRPr/>
+          </a:p>
         </p:txBody>
       </p:sp>
       <p:sp>
         <p:nvSpPr>
           <p:cNvPr id="38" name="Shape 38"/>
-          <p:cNvSpPr txBox="1"/>
+          <p:cNvSpPr txBox="1">
+            <a:spLocks noGrp="1"/>
+          </p:cNvSpPr>
           <p:nvPr>
-            <p:ph idx="1" type="subTitle"/>
+            <p:ph type="subTitle" idx="1"/>
           </p:nvPr>
         </p:nvSpPr>
         <p:spPr>
@@ -4128,7 +4684,7 @@
           </a:prstGeom>
         </p:spPr>
         <p:txBody>
-          <a:bodyPr anchorCtr="0" anchor="t" bIns="91425" lIns="91425" spcFirstLastPara="1" rIns="91425" wrap="square" tIns="91425"/>
+          <a:bodyPr spcFirstLastPara="1" wrap="square" lIns="91425" tIns="91425" rIns="91425" bIns="91425" anchor="t" anchorCtr="0"/>
           <a:lstStyle>
             <a:lvl1pPr lvl="0" algn="ctr">
               <a:lnSpc>
@@ -4257,15 +4813,19 @@
               <a:defRPr sz="2100"/>
             </a:lvl9pPr>
           </a:lstStyle>
-          <a:p/>
+          <a:p>
+            <a:endParaRPr/>
+          </a:p>
         </p:txBody>
       </p:sp>
       <p:sp>
         <p:nvSpPr>
           <p:cNvPr id="39" name="Shape 39"/>
-          <p:cNvSpPr txBox="1"/>
+          <p:cNvSpPr txBox="1">
+            <a:spLocks noGrp="1"/>
+          </p:cNvSpPr>
           <p:nvPr>
-            <p:ph idx="2" type="body"/>
+            <p:ph type="body" idx="2"/>
           </p:nvPr>
         </p:nvSpPr>
         <p:spPr>
@@ -4278,9 +4838,9 @@
           </a:prstGeom>
         </p:spPr>
         <p:txBody>
-          <a:bodyPr anchorCtr="0" anchor="ctr" bIns="91425" lIns="91425" spcFirstLastPara="1" rIns="91425" wrap="square" tIns="91425"/>
+          <a:bodyPr spcFirstLastPara="1" wrap="square" lIns="91425" tIns="91425" rIns="91425" bIns="91425" anchor="ctr" anchorCtr="0"/>
           <a:lstStyle>
-            <a:lvl1pPr indent="-342900" lvl="0" marL="457200">
+            <a:lvl1pPr marL="457200" lvl="0" indent="-342900">
               <a:spcBef>
                 <a:spcPts val="0"/>
               </a:spcBef>
@@ -4298,7 +4858,7 @@
                 </a:solidFill>
               </a:defRPr>
             </a:lvl1pPr>
-            <a:lvl2pPr indent="-317500" lvl="1" marL="914400">
+            <a:lvl2pPr marL="914400" lvl="1" indent="-317500">
               <a:spcBef>
                 <a:spcPts val="1600"/>
               </a:spcBef>
@@ -4316,7 +4876,7 @@
                 </a:solidFill>
               </a:defRPr>
             </a:lvl2pPr>
-            <a:lvl3pPr indent="-317500" lvl="2" marL="1371600">
+            <a:lvl3pPr marL="1371600" lvl="2" indent="-317500">
               <a:spcBef>
                 <a:spcPts val="1600"/>
               </a:spcBef>
@@ -4334,7 +4894,7 @@
                 </a:solidFill>
               </a:defRPr>
             </a:lvl3pPr>
-            <a:lvl4pPr indent="-317500" lvl="3" marL="1828800">
+            <a:lvl4pPr marL="1828800" lvl="3" indent="-317500">
               <a:spcBef>
                 <a:spcPts val="1600"/>
               </a:spcBef>
@@ -4352,7 +4912,7 @@
                 </a:solidFill>
               </a:defRPr>
             </a:lvl4pPr>
-            <a:lvl5pPr indent="-317500" lvl="4" marL="2286000">
+            <a:lvl5pPr marL="2286000" lvl="4" indent="-317500">
               <a:spcBef>
                 <a:spcPts val="1600"/>
               </a:spcBef>
@@ -4370,7 +4930,7 @@
                 </a:solidFill>
               </a:defRPr>
             </a:lvl5pPr>
-            <a:lvl6pPr indent="-317500" lvl="5" marL="2743200">
+            <a:lvl6pPr marL="2743200" lvl="5" indent="-317500">
               <a:spcBef>
                 <a:spcPts val="1600"/>
               </a:spcBef>
@@ -4388,7 +4948,7 @@
                 </a:solidFill>
               </a:defRPr>
             </a:lvl6pPr>
-            <a:lvl7pPr indent="-317500" lvl="6" marL="3200400">
+            <a:lvl7pPr marL="3200400" lvl="6" indent="-317500">
               <a:spcBef>
                 <a:spcPts val="1600"/>
               </a:spcBef>
@@ -4406,7 +4966,7 @@
                 </a:solidFill>
               </a:defRPr>
             </a:lvl7pPr>
-            <a:lvl8pPr indent="-317500" lvl="7" marL="3657600">
+            <a:lvl8pPr marL="3657600" lvl="7" indent="-317500">
               <a:spcBef>
                 <a:spcPts val="1600"/>
               </a:spcBef>
@@ -4424,7 +4984,7 @@
                 </a:solidFill>
               </a:defRPr>
             </a:lvl8pPr>
-            <a:lvl9pPr indent="-317500" lvl="8" marL="4114800">
+            <a:lvl9pPr marL="4114800" lvl="8" indent="-317500">
               <a:spcBef>
                 <a:spcPts val="1600"/>
               </a:spcBef>
@@ -4443,15 +5003,19 @@
               </a:defRPr>
             </a:lvl9pPr>
           </a:lstStyle>
-          <a:p/>
+          <a:p>
+            <a:endParaRPr/>
+          </a:p>
         </p:txBody>
       </p:sp>
       <p:sp>
         <p:nvSpPr>
           <p:cNvPr id="40" name="Shape 40"/>
-          <p:cNvSpPr txBox="1"/>
+          <p:cNvSpPr txBox="1">
+            <a:spLocks noGrp="1"/>
+          </p:cNvSpPr>
           <p:nvPr>
-            <p:ph idx="12" type="sldNum"/>
+            <p:ph type="sldNum" idx="12"/>
           </p:nvPr>
         </p:nvSpPr>
         <p:spPr>
@@ -4464,7 +5028,7 @@
           </a:prstGeom>
         </p:spPr>
         <p:txBody>
-          <a:bodyPr anchorCtr="0" anchor="ctr" bIns="91425" lIns="91425" spcFirstLastPara="1" rIns="91425" wrap="square" tIns="91425">
+          <a:bodyPr spcFirstLastPara="1" wrap="square" lIns="91425" tIns="91425" rIns="91425" bIns="91425" anchor="ctr" anchorCtr="0">
             <a:noAutofit/>
           </a:bodyPr>
           <a:lstStyle>
@@ -4506,7 +5070,7 @@
             </a:lvl9pPr>
           </a:lstStyle>
           <a:p>
-            <a:pPr indent="0" lvl="0" marL="0">
+            <a:pPr marL="0" lvl="0" indent="0">
               <a:spcBef>
                 <a:spcPts val="0"/>
               </a:spcBef>
@@ -4532,11 +5096,11 @@
 </file>
 
 <file path=ppt/slideLayouts/slideLayout9.xml><?xml version="1.0" encoding="utf-8"?>
-<p:sldLayout xmlns:a="http://schemas.openxmlformats.org/drawingml/2006/main" xmlns:r="http://schemas.openxmlformats.org/officeDocument/2006/relationships" xmlns:mc="http://schemas.openxmlformats.org/markup-compatibility/2006" xmlns:mv="urn:schemas-microsoft-com:mac:vml" xmlns:p="http://schemas.openxmlformats.org/presentationml/2006/main" xmlns:c="http://schemas.openxmlformats.org/drawingml/2006/chart" xmlns:dgm="http://schemas.openxmlformats.org/drawingml/2006/diagram" xmlns:o="urn:schemas-microsoft-com:office:office" xmlns:v="urn:schemas-microsoft-com:vml" xmlns:pvml="urn:schemas-microsoft-com:office:powerpoint" xmlns:com="http://schemas.openxmlformats.org/drawingml/2006/compatibility" xmlns:p14="http://schemas.microsoft.com/office/powerpoint/2010/main" xmlns:p15="http://schemas.microsoft.com/office/powerpoint/2012/main" matchingName="Caption">
+<p:sldLayout xmlns:a="http://schemas.openxmlformats.org/drawingml/2006/main" xmlns:r="http://schemas.openxmlformats.org/officeDocument/2006/relationships" xmlns:p="http://schemas.openxmlformats.org/presentationml/2006/main" matchingName="Caption">
   <p:cSld name="CAPTION_ONLY">
     <p:spTree>
       <p:nvGrpSpPr>
-        <p:cNvPr id="41" name="Shape 41"/>
+        <p:cNvPr id="1" name="Shape 41"/>
         <p:cNvGrpSpPr/>
         <p:nvPr/>
       </p:nvGrpSpPr>
@@ -4551,9 +5115,11 @@
       <p:sp>
         <p:nvSpPr>
           <p:cNvPr id="42" name="Shape 42"/>
-          <p:cNvSpPr txBox="1"/>
+          <p:cNvSpPr txBox="1">
+            <a:spLocks noGrp="1"/>
+          </p:cNvSpPr>
           <p:nvPr>
-            <p:ph idx="1" type="body"/>
+            <p:ph type="body" idx="1"/>
           </p:nvPr>
         </p:nvSpPr>
         <p:spPr>
@@ -4566,9 +5132,9 @@
           </a:prstGeom>
         </p:spPr>
         <p:txBody>
-          <a:bodyPr anchorCtr="0" anchor="ctr" bIns="91425" lIns="91425" spcFirstLastPara="1" rIns="91425" wrap="square" tIns="91425"/>
+          <a:bodyPr spcFirstLastPara="1" wrap="square" lIns="91425" tIns="91425" rIns="91425" bIns="91425" anchor="ctr" anchorCtr="0"/>
           <a:lstStyle>
-            <a:lvl1pPr indent="-228600" lvl="0" marL="457200">
+            <a:lvl1pPr marL="457200" lvl="0" indent="-228600">
               <a:lnSpc>
                 <a:spcPct val="100000"/>
               </a:lnSpc>
@@ -4583,15 +5149,19 @@
               <a:defRPr/>
             </a:lvl1pPr>
           </a:lstStyle>
-          <a:p/>
+          <a:p>
+            <a:endParaRPr/>
+          </a:p>
         </p:txBody>
       </p:sp>
       <p:sp>
         <p:nvSpPr>
           <p:cNvPr id="43" name="Shape 43"/>
-          <p:cNvSpPr txBox="1"/>
+          <p:cNvSpPr txBox="1">
+            <a:spLocks noGrp="1"/>
+          </p:cNvSpPr>
           <p:nvPr>
-            <p:ph idx="12" type="sldNum"/>
+            <p:ph type="sldNum" idx="12"/>
           </p:nvPr>
         </p:nvSpPr>
         <p:spPr>
@@ -4604,7 +5174,7 @@
           </a:prstGeom>
         </p:spPr>
         <p:txBody>
-          <a:bodyPr anchorCtr="0" anchor="ctr" bIns="91425" lIns="91425" spcFirstLastPara="1" rIns="91425" wrap="square" tIns="91425">
+          <a:bodyPr spcFirstLastPara="1" wrap="square" lIns="91425" tIns="91425" rIns="91425" bIns="91425" anchor="ctr" anchorCtr="0">
             <a:noAutofit/>
           </a:bodyPr>
           <a:lstStyle>
@@ -4646,7 +5216,7 @@
             </a:lvl9pPr>
           </a:lstStyle>
           <a:p>
-            <a:pPr indent="0" lvl="0" marL="0">
+            <a:pPr marL="0" lvl="0" indent="0">
               <a:spcBef>
                 <a:spcPts val="0"/>
               </a:spcBef>
@@ -4672,18 +5242,19 @@
 </file>
 
 <file path=ppt/slideMasters/slideMaster1.xml><?xml version="1.0" encoding="utf-8"?>
-<p:sldMaster xmlns:a="http://schemas.openxmlformats.org/drawingml/2006/main" xmlns:r="http://schemas.openxmlformats.org/officeDocument/2006/relationships" xmlns:mc="http://schemas.openxmlformats.org/markup-compatibility/2006" xmlns:mv="urn:schemas-microsoft-com:mac:vml" xmlns:p="http://schemas.openxmlformats.org/presentationml/2006/main" xmlns:c="http://schemas.openxmlformats.org/drawingml/2006/chart" xmlns:dgm="http://schemas.openxmlformats.org/drawingml/2006/diagram" xmlns:o="urn:schemas-microsoft-com:office:office" xmlns:v="urn:schemas-microsoft-com:vml" xmlns:pvml="urn:schemas-microsoft-com:office:powerpoint" xmlns:com="http://schemas.openxmlformats.org/drawingml/2006/compatibility" xmlns:p14="http://schemas.microsoft.com/office/powerpoint/2010/main" xmlns:p15="http://schemas.microsoft.com/office/powerpoint/2012/main">
+<p:sldMaster xmlns:a="http://schemas.openxmlformats.org/drawingml/2006/main" xmlns:r="http://schemas.openxmlformats.org/officeDocument/2006/relationships" xmlns:p="http://schemas.openxmlformats.org/presentationml/2006/main">
   <p:cSld name="simple-dark-2">
     <p:bg>
       <p:bgPr>
         <a:solidFill>
           <a:schemeClr val="lt1"/>
         </a:solidFill>
+        <a:effectLst/>
       </p:bgPr>
     </p:bg>
     <p:spTree>
       <p:nvGrpSpPr>
-        <p:cNvPr id="5" name="Shape 5"/>
+        <p:cNvPr id="1" name="Shape 5"/>
         <p:cNvGrpSpPr/>
         <p:nvPr/>
       </p:nvGrpSpPr>
@@ -4698,7 +5269,9 @@
       <p:sp>
         <p:nvSpPr>
           <p:cNvPr id="6" name="Shape 6"/>
-          <p:cNvSpPr txBox="1"/>
+          <p:cNvSpPr txBox="1">
+            <a:spLocks noGrp="1"/>
+          </p:cNvSpPr>
           <p:nvPr>
             <p:ph type="title"/>
           </p:nvPr>
@@ -4717,7 +5290,7 @@
           </a:ln>
         </p:spPr>
         <p:txBody>
-          <a:bodyPr anchorCtr="0" anchor="t" bIns="91425" lIns="91425" spcFirstLastPara="1" rIns="91425" wrap="square" tIns="91425"/>
+          <a:bodyPr spcFirstLastPara="1" wrap="square" lIns="91425" tIns="91425" rIns="91425" bIns="91425" anchor="t" anchorCtr="0"/>
           <a:lstStyle>
             <a:lvl1pPr lvl="0">
               <a:spcBef>
@@ -4882,15 +5455,19 @@
               </a:defRPr>
             </a:lvl9pPr>
           </a:lstStyle>
-          <a:p/>
+          <a:p>
+            <a:endParaRPr/>
+          </a:p>
         </p:txBody>
       </p:sp>
       <p:sp>
         <p:nvSpPr>
           <p:cNvPr id="7" name="Shape 7"/>
-          <p:cNvSpPr txBox="1"/>
+          <p:cNvSpPr txBox="1">
+            <a:spLocks noGrp="1"/>
+          </p:cNvSpPr>
           <p:nvPr>
-            <p:ph idx="1" type="body"/>
+            <p:ph type="body" idx="1"/>
           </p:nvPr>
         </p:nvSpPr>
         <p:spPr>
@@ -4907,9 +5484,9 @@
           </a:ln>
         </p:spPr>
         <p:txBody>
-          <a:bodyPr anchorCtr="0" anchor="t" bIns="91425" lIns="91425" spcFirstLastPara="1" rIns="91425" wrap="square" tIns="91425"/>
+          <a:bodyPr spcFirstLastPara="1" wrap="square" lIns="91425" tIns="91425" rIns="91425" bIns="91425" anchor="t" anchorCtr="0"/>
           <a:lstStyle>
-            <a:lvl1pPr indent="-342900" lvl="0" marL="457200">
+            <a:lvl1pPr marL="457200" lvl="0" indent="-342900">
               <a:lnSpc>
                 <a:spcPct val="115000"/>
               </a:lnSpc>
@@ -4930,7 +5507,7 @@
                 </a:solidFill>
               </a:defRPr>
             </a:lvl1pPr>
-            <a:lvl2pPr indent="-317500" lvl="1" marL="914400">
+            <a:lvl2pPr marL="914400" lvl="1" indent="-317500">
               <a:lnSpc>
                 <a:spcPct val="115000"/>
               </a:lnSpc>
@@ -4951,7 +5528,7 @@
                 </a:solidFill>
               </a:defRPr>
             </a:lvl2pPr>
-            <a:lvl3pPr indent="-317500" lvl="2" marL="1371600">
+            <a:lvl3pPr marL="1371600" lvl="2" indent="-317500">
               <a:lnSpc>
                 <a:spcPct val="115000"/>
               </a:lnSpc>
@@ -4972,7 +5549,7 @@
                 </a:solidFill>
               </a:defRPr>
             </a:lvl3pPr>
-            <a:lvl4pPr indent="-317500" lvl="3" marL="1828800">
+            <a:lvl4pPr marL="1828800" lvl="3" indent="-317500">
               <a:lnSpc>
                 <a:spcPct val="115000"/>
               </a:lnSpc>
@@ -4993,7 +5570,7 @@
                 </a:solidFill>
               </a:defRPr>
             </a:lvl4pPr>
-            <a:lvl5pPr indent="-317500" lvl="4" marL="2286000">
+            <a:lvl5pPr marL="2286000" lvl="4" indent="-317500">
               <a:lnSpc>
                 <a:spcPct val="115000"/>
               </a:lnSpc>
@@ -5014,7 +5591,7 @@
                 </a:solidFill>
               </a:defRPr>
             </a:lvl5pPr>
-            <a:lvl6pPr indent="-317500" lvl="5" marL="2743200">
+            <a:lvl6pPr marL="2743200" lvl="5" indent="-317500">
               <a:lnSpc>
                 <a:spcPct val="115000"/>
               </a:lnSpc>
@@ -5035,7 +5612,7 @@
                 </a:solidFill>
               </a:defRPr>
             </a:lvl6pPr>
-            <a:lvl7pPr indent="-317500" lvl="6" marL="3200400">
+            <a:lvl7pPr marL="3200400" lvl="6" indent="-317500">
               <a:lnSpc>
                 <a:spcPct val="115000"/>
               </a:lnSpc>
@@ -5056,7 +5633,7 @@
                 </a:solidFill>
               </a:defRPr>
             </a:lvl7pPr>
-            <a:lvl8pPr indent="-317500" lvl="7" marL="3657600">
+            <a:lvl8pPr marL="3657600" lvl="7" indent="-317500">
               <a:lnSpc>
                 <a:spcPct val="115000"/>
               </a:lnSpc>
@@ -5077,7 +5654,7 @@
                 </a:solidFill>
               </a:defRPr>
             </a:lvl8pPr>
-            <a:lvl9pPr indent="-317500" lvl="8" marL="4114800">
+            <a:lvl9pPr marL="4114800" lvl="8" indent="-317500">
               <a:lnSpc>
                 <a:spcPct val="115000"/>
               </a:lnSpc>
@@ -5099,15 +5676,19 @@
               </a:defRPr>
             </a:lvl9pPr>
           </a:lstStyle>
-          <a:p/>
+          <a:p>
+            <a:endParaRPr/>
+          </a:p>
         </p:txBody>
       </p:sp>
       <p:sp>
         <p:nvSpPr>
           <p:cNvPr id="8" name="Shape 8"/>
-          <p:cNvSpPr txBox="1"/>
+          <p:cNvSpPr txBox="1">
+            <a:spLocks noGrp="1"/>
+          </p:cNvSpPr>
           <p:nvPr>
-            <p:ph idx="12" type="sldNum"/>
+            <p:ph type="sldNum" idx="12"/>
           </p:nvPr>
         </p:nvSpPr>
         <p:spPr>
@@ -5124,7 +5705,7 @@
           </a:ln>
         </p:spPr>
         <p:txBody>
-          <a:bodyPr anchorCtr="0" anchor="ctr" bIns="91425" lIns="91425" spcFirstLastPara="1" rIns="91425" wrap="square" tIns="91425">
+          <a:bodyPr spcFirstLastPara="1" wrap="square" lIns="91425" tIns="91425" rIns="91425" bIns="91425" anchor="ctr" anchorCtr="0">
             <a:noAutofit/>
           </a:bodyPr>
           <a:lstStyle>
@@ -5202,7 +5783,7 @@
             </a:lvl9pPr>
           </a:lstStyle>
           <a:p>
-            <a:pPr indent="0" lvl="0" marL="0">
+            <a:pPr marL="0" lvl="0" indent="0">
               <a:spcBef>
                 <a:spcPts val="0"/>
               </a:spcBef>
@@ -5221,7 +5802,7 @@
       </p:sp>
     </p:spTree>
   </p:cSld>
-  <p:clrMap accent1="accent1" accent2="accent2" accent3="accent3" accent4="accent4" accent5="accent5" accent6="accent6" bg1="lt1" bg2="dk2" tx1="dk1" tx2="lt2" folHlink="folHlink" hlink="hlink"/>
+  <p:clrMap bg1="lt1" tx1="dk1" bg2="dk2" tx2="lt2" accent1="accent1" accent2="accent2" accent3="accent3" accent4="accent4" accent5="accent5" accent6="accent6" hlink="hlink" folHlink="folHlink"/>
   <p:sldLayoutIdLst>
     <p:sldLayoutId id="2147483648" r:id="rId1"/>
     <p:sldLayoutId id="2147483649" r:id="rId2"/>
@@ -5235,10 +5816,10 @@
     <p:sldLayoutId id="2147483657" r:id="rId10"/>
     <p:sldLayoutId id="2147483658" r:id="rId11"/>
   </p:sldLayoutIdLst>
-  <p:hf dt="0" ftr="0" hdr="0" sldNum="0"/>
+  <p:hf sldNum="0" hdr="0" ftr="0" dt="0"/>
   <p:txStyles>
     <p:titleStyle>
-      <a:defPPr lvl="0" marR="0" rtl="0" algn="l">
+      <a:defPPr marR="0" lvl="0" algn="l" rtl="0">
         <a:lnSpc>
           <a:spcPct val="100000"/>
         </a:lnSpc>
@@ -5249,7 +5830,7 @@
           <a:spcPts val="0"/>
         </a:spcAft>
       </a:defPPr>
-      <a:lvl1pPr lvl="0" marR="0" rtl="0" algn="l">
+      <a:lvl1pPr marR="0" lvl="0" algn="l" rtl="0">
         <a:lnSpc>
           <a:spcPct val="100000"/>
         </a:lnSpc>
@@ -5263,7 +5844,7 @@
           <a:srgbClr val="000000"/>
         </a:buClr>
         <a:buFont typeface="Arial"/>
-        <a:defRPr b="0" i="0" sz="1400" u="none" cap="none" strike="noStrike">
+        <a:defRPr sz="1400" b="0" i="0" u="none" strike="noStrike" cap="none">
           <a:solidFill>
             <a:srgbClr val="000000"/>
           </a:solidFill>
@@ -5273,7 +5854,7 @@
           <a:sym typeface="Arial"/>
         </a:defRPr>
       </a:lvl1pPr>
-      <a:lvl2pPr lvl="1" marR="0" rtl="0" algn="l">
+      <a:lvl2pPr marR="0" lvl="1" algn="l" rtl="0">
         <a:lnSpc>
           <a:spcPct val="100000"/>
         </a:lnSpc>
@@ -5287,7 +5868,7 @@
           <a:srgbClr val="000000"/>
         </a:buClr>
         <a:buFont typeface="Arial"/>
-        <a:defRPr b="0" i="0" sz="1400" u="none" cap="none" strike="noStrike">
+        <a:defRPr sz="1400" b="0" i="0" u="none" strike="noStrike" cap="none">
           <a:solidFill>
             <a:srgbClr val="000000"/>
           </a:solidFill>
@@ -5297,7 +5878,7 @@
           <a:sym typeface="Arial"/>
         </a:defRPr>
       </a:lvl2pPr>
-      <a:lvl3pPr lvl="2" marR="0" rtl="0" algn="l">
+      <a:lvl3pPr marR="0" lvl="2" algn="l" rtl="0">
         <a:lnSpc>
           <a:spcPct val="100000"/>
         </a:lnSpc>
@@ -5311,7 +5892,7 @@
           <a:srgbClr val="000000"/>
         </a:buClr>
         <a:buFont typeface="Arial"/>
-        <a:defRPr b="0" i="0" sz="1400" u="none" cap="none" strike="noStrike">
+        <a:defRPr sz="1400" b="0" i="0" u="none" strike="noStrike" cap="none">
           <a:solidFill>
             <a:srgbClr val="000000"/>
           </a:solidFill>
@@ -5321,7 +5902,7 @@
           <a:sym typeface="Arial"/>
         </a:defRPr>
       </a:lvl3pPr>
-      <a:lvl4pPr lvl="3" marR="0" rtl="0" algn="l">
+      <a:lvl4pPr marR="0" lvl="3" algn="l" rtl="0">
         <a:lnSpc>
           <a:spcPct val="100000"/>
         </a:lnSpc>
@@ -5335,7 +5916,7 @@
           <a:srgbClr val="000000"/>
         </a:buClr>
         <a:buFont typeface="Arial"/>
-        <a:defRPr b="0" i="0" sz="1400" u="none" cap="none" strike="noStrike">
+        <a:defRPr sz="1400" b="0" i="0" u="none" strike="noStrike" cap="none">
           <a:solidFill>
             <a:srgbClr val="000000"/>
           </a:solidFill>
@@ -5345,7 +5926,7 @@
           <a:sym typeface="Arial"/>
         </a:defRPr>
       </a:lvl4pPr>
-      <a:lvl5pPr lvl="4" marR="0" rtl="0" algn="l">
+      <a:lvl5pPr marR="0" lvl="4" algn="l" rtl="0">
         <a:lnSpc>
           <a:spcPct val="100000"/>
         </a:lnSpc>
@@ -5359,7 +5940,7 @@
           <a:srgbClr val="000000"/>
         </a:buClr>
         <a:buFont typeface="Arial"/>
-        <a:defRPr b="0" i="0" sz="1400" u="none" cap="none" strike="noStrike">
+        <a:defRPr sz="1400" b="0" i="0" u="none" strike="noStrike" cap="none">
           <a:solidFill>
             <a:srgbClr val="000000"/>
           </a:solidFill>
@@ -5369,7 +5950,7 @@
           <a:sym typeface="Arial"/>
         </a:defRPr>
       </a:lvl5pPr>
-      <a:lvl6pPr lvl="5" marR="0" rtl="0" algn="l">
+      <a:lvl6pPr marR="0" lvl="5" algn="l" rtl="0">
         <a:lnSpc>
           <a:spcPct val="100000"/>
         </a:lnSpc>
@@ -5383,7 +5964,7 @@
           <a:srgbClr val="000000"/>
         </a:buClr>
         <a:buFont typeface="Arial"/>
-        <a:defRPr b="0" i="0" sz="1400" u="none" cap="none" strike="noStrike">
+        <a:defRPr sz="1400" b="0" i="0" u="none" strike="noStrike" cap="none">
           <a:solidFill>
             <a:srgbClr val="000000"/>
           </a:solidFill>
@@ -5393,7 +5974,7 @@
           <a:sym typeface="Arial"/>
         </a:defRPr>
       </a:lvl6pPr>
-      <a:lvl7pPr lvl="6" marR="0" rtl="0" algn="l">
+      <a:lvl7pPr marR="0" lvl="6" algn="l" rtl="0">
         <a:lnSpc>
           <a:spcPct val="100000"/>
         </a:lnSpc>
@@ -5407,7 +5988,7 @@
           <a:srgbClr val="000000"/>
         </a:buClr>
         <a:buFont typeface="Arial"/>
-        <a:defRPr b="0" i="0" sz="1400" u="none" cap="none" strike="noStrike">
+        <a:defRPr sz="1400" b="0" i="0" u="none" strike="noStrike" cap="none">
           <a:solidFill>
             <a:srgbClr val="000000"/>
           </a:solidFill>
@@ -5417,7 +5998,7 @@
           <a:sym typeface="Arial"/>
         </a:defRPr>
       </a:lvl7pPr>
-      <a:lvl8pPr lvl="7" marR="0" rtl="0" algn="l">
+      <a:lvl8pPr marR="0" lvl="7" algn="l" rtl="0">
         <a:lnSpc>
           <a:spcPct val="100000"/>
         </a:lnSpc>
@@ -5431,7 +6012,7 @@
           <a:srgbClr val="000000"/>
         </a:buClr>
         <a:buFont typeface="Arial"/>
-        <a:defRPr b="0" i="0" sz="1400" u="none" cap="none" strike="noStrike">
+        <a:defRPr sz="1400" b="0" i="0" u="none" strike="noStrike" cap="none">
           <a:solidFill>
             <a:srgbClr val="000000"/>
           </a:solidFill>
@@ -5441,7 +6022,7 @@
           <a:sym typeface="Arial"/>
         </a:defRPr>
       </a:lvl8pPr>
-      <a:lvl9pPr lvl="8" marR="0" rtl="0" algn="l">
+      <a:lvl9pPr marR="0" lvl="8" algn="l" rtl="0">
         <a:lnSpc>
           <a:spcPct val="100000"/>
         </a:lnSpc>
@@ -5455,7 +6036,7 @@
           <a:srgbClr val="000000"/>
         </a:buClr>
         <a:buFont typeface="Arial"/>
-        <a:defRPr b="0" i="0" sz="1400" u="none" cap="none" strike="noStrike">
+        <a:defRPr sz="1400" b="0" i="0" u="none" strike="noStrike" cap="none">
           <a:solidFill>
             <a:srgbClr val="000000"/>
           </a:solidFill>
@@ -5467,7 +6048,7 @@
       </a:lvl9pPr>
     </p:titleStyle>
     <p:bodyStyle>
-      <a:defPPr lvl="0" marR="0" rtl="0" algn="l">
+      <a:defPPr marR="0" lvl="0" algn="l" rtl="0">
         <a:lnSpc>
           <a:spcPct val="100000"/>
         </a:lnSpc>
@@ -5478,7 +6059,7 @@
           <a:spcPts val="0"/>
         </a:spcAft>
       </a:defPPr>
-      <a:lvl1pPr lvl="0" marR="0" rtl="0" algn="l">
+      <a:lvl1pPr marR="0" lvl="0" algn="l" rtl="0">
         <a:lnSpc>
           <a:spcPct val="100000"/>
         </a:lnSpc>
@@ -5492,7 +6073,7 @@
           <a:srgbClr val="000000"/>
         </a:buClr>
         <a:buFont typeface="Arial"/>
-        <a:defRPr b="0" i="0" sz="1400" u="none" cap="none" strike="noStrike">
+        <a:defRPr sz="1400" b="0" i="0" u="none" strike="noStrike" cap="none">
           <a:solidFill>
             <a:srgbClr val="000000"/>
           </a:solidFill>
@@ -5502,7 +6083,7 @@
           <a:sym typeface="Arial"/>
         </a:defRPr>
       </a:lvl1pPr>
-      <a:lvl2pPr lvl="1" marR="0" rtl="0" algn="l">
+      <a:lvl2pPr marR="0" lvl="1" algn="l" rtl="0">
         <a:lnSpc>
           <a:spcPct val="100000"/>
         </a:lnSpc>
@@ -5516,7 +6097,7 @@
           <a:srgbClr val="000000"/>
         </a:buClr>
         <a:buFont typeface="Arial"/>
-        <a:defRPr b="0" i="0" sz="1400" u="none" cap="none" strike="noStrike">
+        <a:defRPr sz="1400" b="0" i="0" u="none" strike="noStrike" cap="none">
           <a:solidFill>
             <a:srgbClr val="000000"/>
           </a:solidFill>
@@ -5526,7 +6107,7 @@
           <a:sym typeface="Arial"/>
         </a:defRPr>
       </a:lvl2pPr>
-      <a:lvl3pPr lvl="2" marR="0" rtl="0" algn="l">
+      <a:lvl3pPr marR="0" lvl="2" algn="l" rtl="0">
         <a:lnSpc>
           <a:spcPct val="100000"/>
         </a:lnSpc>
@@ -5540,7 +6121,7 @@
           <a:srgbClr val="000000"/>
         </a:buClr>
         <a:buFont typeface="Arial"/>
-        <a:defRPr b="0" i="0" sz="1400" u="none" cap="none" strike="noStrike">
+        <a:defRPr sz="1400" b="0" i="0" u="none" strike="noStrike" cap="none">
           <a:solidFill>
             <a:srgbClr val="000000"/>
           </a:solidFill>
@@ -5550,7 +6131,7 @@
           <a:sym typeface="Arial"/>
         </a:defRPr>
       </a:lvl3pPr>
-      <a:lvl4pPr lvl="3" marR="0" rtl="0" algn="l">
+      <a:lvl4pPr marR="0" lvl="3" algn="l" rtl="0">
         <a:lnSpc>
           <a:spcPct val="100000"/>
         </a:lnSpc>
@@ -5564,7 +6145,7 @@
           <a:srgbClr val="000000"/>
         </a:buClr>
         <a:buFont typeface="Arial"/>
-        <a:defRPr b="0" i="0" sz="1400" u="none" cap="none" strike="noStrike">
+        <a:defRPr sz="1400" b="0" i="0" u="none" strike="noStrike" cap="none">
           <a:solidFill>
             <a:srgbClr val="000000"/>
           </a:solidFill>
@@ -5574,7 +6155,7 @@
           <a:sym typeface="Arial"/>
         </a:defRPr>
       </a:lvl4pPr>
-      <a:lvl5pPr lvl="4" marR="0" rtl="0" algn="l">
+      <a:lvl5pPr marR="0" lvl="4" algn="l" rtl="0">
         <a:lnSpc>
           <a:spcPct val="100000"/>
         </a:lnSpc>
@@ -5588,7 +6169,7 @@
           <a:srgbClr val="000000"/>
         </a:buClr>
         <a:buFont typeface="Arial"/>
-        <a:defRPr b="0" i="0" sz="1400" u="none" cap="none" strike="noStrike">
+        <a:defRPr sz="1400" b="0" i="0" u="none" strike="noStrike" cap="none">
           <a:solidFill>
             <a:srgbClr val="000000"/>
           </a:solidFill>
@@ -5598,7 +6179,7 @@
           <a:sym typeface="Arial"/>
         </a:defRPr>
       </a:lvl5pPr>
-      <a:lvl6pPr lvl="5" marR="0" rtl="0" algn="l">
+      <a:lvl6pPr marR="0" lvl="5" algn="l" rtl="0">
         <a:lnSpc>
           <a:spcPct val="100000"/>
         </a:lnSpc>
@@ -5612,7 +6193,7 @@
           <a:srgbClr val="000000"/>
         </a:buClr>
         <a:buFont typeface="Arial"/>
-        <a:defRPr b="0" i="0" sz="1400" u="none" cap="none" strike="noStrike">
+        <a:defRPr sz="1400" b="0" i="0" u="none" strike="noStrike" cap="none">
           <a:solidFill>
             <a:srgbClr val="000000"/>
           </a:solidFill>
@@ -5622,7 +6203,7 @@
           <a:sym typeface="Arial"/>
         </a:defRPr>
       </a:lvl6pPr>
-      <a:lvl7pPr lvl="6" marR="0" rtl="0" algn="l">
+      <a:lvl7pPr marR="0" lvl="6" algn="l" rtl="0">
         <a:lnSpc>
           <a:spcPct val="100000"/>
         </a:lnSpc>
@@ -5636,7 +6217,7 @@
           <a:srgbClr val="000000"/>
         </a:buClr>
         <a:buFont typeface="Arial"/>
-        <a:defRPr b="0" i="0" sz="1400" u="none" cap="none" strike="noStrike">
+        <a:defRPr sz="1400" b="0" i="0" u="none" strike="noStrike" cap="none">
           <a:solidFill>
             <a:srgbClr val="000000"/>
           </a:solidFill>
@@ -5646,7 +6227,7 @@
           <a:sym typeface="Arial"/>
         </a:defRPr>
       </a:lvl7pPr>
-      <a:lvl8pPr lvl="7" marR="0" rtl="0" algn="l">
+      <a:lvl8pPr marR="0" lvl="7" algn="l" rtl="0">
         <a:lnSpc>
           <a:spcPct val="100000"/>
         </a:lnSpc>
@@ -5660,7 +6241,7 @@
           <a:srgbClr val="000000"/>
         </a:buClr>
         <a:buFont typeface="Arial"/>
-        <a:defRPr b="0" i="0" sz="1400" u="none" cap="none" strike="noStrike">
+        <a:defRPr sz="1400" b="0" i="0" u="none" strike="noStrike" cap="none">
           <a:solidFill>
             <a:srgbClr val="000000"/>
           </a:solidFill>
@@ -5670,7 +6251,7 @@
           <a:sym typeface="Arial"/>
         </a:defRPr>
       </a:lvl8pPr>
-      <a:lvl9pPr lvl="8" marR="0" rtl="0" algn="l">
+      <a:lvl9pPr marR="0" lvl="8" algn="l" rtl="0">
         <a:lnSpc>
           <a:spcPct val="100000"/>
         </a:lnSpc>
@@ -5684,7 +6265,7 @@
           <a:srgbClr val="000000"/>
         </a:buClr>
         <a:buFont typeface="Arial"/>
-        <a:defRPr b="0" i="0" sz="1400" u="none" cap="none" strike="noStrike">
+        <a:defRPr sz="1400" b="0" i="0" u="none" strike="noStrike" cap="none">
           <a:solidFill>
             <a:srgbClr val="000000"/>
           </a:solidFill>
@@ -5696,7 +6277,7 @@
       </a:lvl9pPr>
     </p:bodyStyle>
     <p:otherStyle>
-      <a:defPPr lvl="0" marR="0" rtl="0" algn="l">
+      <a:defPPr marR="0" lvl="0" algn="l" rtl="0">
         <a:lnSpc>
           <a:spcPct val="100000"/>
         </a:lnSpc>
@@ -5707,7 +6288,7 @@
           <a:spcPts val="0"/>
         </a:spcAft>
       </a:defPPr>
-      <a:lvl1pPr lvl="0" marR="0" rtl="0" algn="l">
+      <a:lvl1pPr marR="0" lvl="0" algn="l" rtl="0">
         <a:lnSpc>
           <a:spcPct val="100000"/>
         </a:lnSpc>
@@ -5721,7 +6302,7 @@
           <a:srgbClr val="000000"/>
         </a:buClr>
         <a:buFont typeface="Arial"/>
-        <a:defRPr b="0" i="0" sz="1400" u="none" cap="none" strike="noStrike">
+        <a:defRPr sz="1400" b="0" i="0" u="none" strike="noStrike" cap="none">
           <a:solidFill>
             <a:srgbClr val="000000"/>
           </a:solidFill>
@@ -5731,7 +6312,7 @@
           <a:sym typeface="Arial"/>
         </a:defRPr>
       </a:lvl1pPr>
-      <a:lvl2pPr lvl="1" marR="0" rtl="0" algn="l">
+      <a:lvl2pPr marR="0" lvl="1" algn="l" rtl="0">
         <a:lnSpc>
           <a:spcPct val="100000"/>
         </a:lnSpc>
@@ -5745,7 +6326,7 @@
           <a:srgbClr val="000000"/>
         </a:buClr>
         <a:buFont typeface="Arial"/>
-        <a:defRPr b="0" i="0" sz="1400" u="none" cap="none" strike="noStrike">
+        <a:defRPr sz="1400" b="0" i="0" u="none" strike="noStrike" cap="none">
           <a:solidFill>
             <a:srgbClr val="000000"/>
           </a:solidFill>
@@ -5755,7 +6336,7 @@
           <a:sym typeface="Arial"/>
         </a:defRPr>
       </a:lvl2pPr>
-      <a:lvl3pPr lvl="2" marR="0" rtl="0" algn="l">
+      <a:lvl3pPr marR="0" lvl="2" algn="l" rtl="0">
         <a:lnSpc>
           <a:spcPct val="100000"/>
         </a:lnSpc>
@@ -5769,7 +6350,7 @@
           <a:srgbClr val="000000"/>
         </a:buClr>
         <a:buFont typeface="Arial"/>
-        <a:defRPr b="0" i="0" sz="1400" u="none" cap="none" strike="noStrike">
+        <a:defRPr sz="1400" b="0" i="0" u="none" strike="noStrike" cap="none">
           <a:solidFill>
             <a:srgbClr val="000000"/>
           </a:solidFill>
@@ -5779,7 +6360,7 @@
           <a:sym typeface="Arial"/>
         </a:defRPr>
       </a:lvl3pPr>
-      <a:lvl4pPr lvl="3" marR="0" rtl="0" algn="l">
+      <a:lvl4pPr marR="0" lvl="3" algn="l" rtl="0">
         <a:lnSpc>
           <a:spcPct val="100000"/>
         </a:lnSpc>
@@ -5793,7 +6374,7 @@
           <a:srgbClr val="000000"/>
         </a:buClr>
         <a:buFont typeface="Arial"/>
-        <a:defRPr b="0" i="0" sz="1400" u="none" cap="none" strike="noStrike">
+        <a:defRPr sz="1400" b="0" i="0" u="none" strike="noStrike" cap="none">
           <a:solidFill>
             <a:srgbClr val="000000"/>
           </a:solidFill>
@@ -5803,7 +6384,7 @@
           <a:sym typeface="Arial"/>
         </a:defRPr>
       </a:lvl4pPr>
-      <a:lvl5pPr lvl="4" marR="0" rtl="0" algn="l">
+      <a:lvl5pPr marR="0" lvl="4" algn="l" rtl="0">
         <a:lnSpc>
           <a:spcPct val="100000"/>
         </a:lnSpc>
@@ -5817,7 +6398,7 @@
           <a:srgbClr val="000000"/>
         </a:buClr>
         <a:buFont typeface="Arial"/>
-        <a:defRPr b="0" i="0" sz="1400" u="none" cap="none" strike="noStrike">
+        <a:defRPr sz="1400" b="0" i="0" u="none" strike="noStrike" cap="none">
           <a:solidFill>
             <a:srgbClr val="000000"/>
           </a:solidFill>
@@ -5827,7 +6408,7 @@
           <a:sym typeface="Arial"/>
         </a:defRPr>
       </a:lvl5pPr>
-      <a:lvl6pPr lvl="5" marR="0" rtl="0" algn="l">
+      <a:lvl6pPr marR="0" lvl="5" algn="l" rtl="0">
         <a:lnSpc>
           <a:spcPct val="100000"/>
         </a:lnSpc>
@@ -5841,7 +6422,7 @@
           <a:srgbClr val="000000"/>
         </a:buClr>
         <a:buFont typeface="Arial"/>
-        <a:defRPr b="0" i="0" sz="1400" u="none" cap="none" strike="noStrike">
+        <a:defRPr sz="1400" b="0" i="0" u="none" strike="noStrike" cap="none">
           <a:solidFill>
             <a:srgbClr val="000000"/>
           </a:solidFill>
@@ -5851,7 +6432,7 @@
           <a:sym typeface="Arial"/>
         </a:defRPr>
       </a:lvl6pPr>
-      <a:lvl7pPr lvl="6" marR="0" rtl="0" algn="l">
+      <a:lvl7pPr marR="0" lvl="6" algn="l" rtl="0">
         <a:lnSpc>
           <a:spcPct val="100000"/>
         </a:lnSpc>
@@ -5865,7 +6446,7 @@
           <a:srgbClr val="000000"/>
         </a:buClr>
         <a:buFont typeface="Arial"/>
-        <a:defRPr b="0" i="0" sz="1400" u="none" cap="none" strike="noStrike">
+        <a:defRPr sz="1400" b="0" i="0" u="none" strike="noStrike" cap="none">
           <a:solidFill>
             <a:srgbClr val="000000"/>
           </a:solidFill>
@@ -5875,7 +6456,7 @@
           <a:sym typeface="Arial"/>
         </a:defRPr>
       </a:lvl7pPr>
-      <a:lvl8pPr lvl="7" marR="0" rtl="0" algn="l">
+      <a:lvl8pPr marR="0" lvl="7" algn="l" rtl="0">
         <a:lnSpc>
           <a:spcPct val="100000"/>
         </a:lnSpc>
@@ -5889,7 +6470,7 @@
           <a:srgbClr val="000000"/>
         </a:buClr>
         <a:buFont typeface="Arial"/>
-        <a:defRPr b="0" i="0" sz="1400" u="none" cap="none" strike="noStrike">
+        <a:defRPr sz="1400" b="0" i="0" u="none" strike="noStrike" cap="none">
           <a:solidFill>
             <a:srgbClr val="000000"/>
           </a:solidFill>
@@ -5899,7 +6480,7 @@
           <a:sym typeface="Arial"/>
         </a:defRPr>
       </a:lvl8pPr>
-      <a:lvl9pPr lvl="8" marR="0" rtl="0" algn="l">
+      <a:lvl9pPr marR="0" lvl="8" algn="l" rtl="0">
         <a:lnSpc>
           <a:spcPct val="100000"/>
         </a:lnSpc>
@@ -5913,7 +6494,7 @@
           <a:srgbClr val="000000"/>
         </a:buClr>
         <a:buFont typeface="Arial"/>
-        <a:defRPr b="0" i="0" sz="1400" u="none" cap="none" strike="noStrike">
+        <a:defRPr sz="1400" b="0" i="0" u="none" strike="noStrike" cap="none">
           <a:solidFill>
             <a:srgbClr val="000000"/>
           </a:solidFill>
@@ -5929,11 +6510,1719 @@
 </file>
 
 <file path=ppt/slides/slide1.xml><?xml version="1.0" encoding="utf-8"?>
-<p:sld xmlns:a="http://schemas.openxmlformats.org/drawingml/2006/main" xmlns:r="http://schemas.openxmlformats.org/officeDocument/2006/relationships" xmlns:mc="http://schemas.openxmlformats.org/markup-compatibility/2006" xmlns:mv="urn:schemas-microsoft-com:mac:vml" xmlns:p="http://schemas.openxmlformats.org/presentationml/2006/main" xmlns:c="http://schemas.openxmlformats.org/drawingml/2006/chart" xmlns:dgm="http://schemas.openxmlformats.org/drawingml/2006/diagram" xmlns:o="urn:schemas-microsoft-com:office:office" xmlns:v="urn:schemas-microsoft-com:vml" xmlns:pvml="urn:schemas-microsoft-com:office:powerpoint" xmlns:com="http://schemas.openxmlformats.org/drawingml/2006/compatibility" xmlns:p14="http://schemas.microsoft.com/office/powerpoint/2010/main" xmlns:p15="http://schemas.microsoft.com/office/powerpoint/2012/main">
+<p:sld xmlns:a="http://schemas.openxmlformats.org/drawingml/2006/main" xmlns:r="http://schemas.openxmlformats.org/officeDocument/2006/relationships" xmlns:p="http://schemas.openxmlformats.org/presentationml/2006/main">
   <p:cSld>
     <p:spTree>
       <p:nvGrpSpPr>
-        <p:cNvPr id="53" name="Shape 53"/>
+        <p:cNvPr id="1" name=""/>
+        <p:cNvGrpSpPr/>
+        <p:nvPr/>
+      </p:nvGrpSpPr>
+      <p:grpSpPr>
+        <a:xfrm>
+          <a:off x="0" y="0"/>
+          <a:ext cx="0" cy="0"/>
+          <a:chOff x="0" y="0"/>
+          <a:chExt cx="0" cy="0"/>
+        </a:xfrm>
+      </p:grpSpPr>
+      <p:sp>
+        <p:nvSpPr>
+          <p:cNvPr id="4" name="Title 3">
+            <a:extLst>
+              <a:ext uri="{FF2B5EF4-FFF2-40B4-BE49-F238E27FC236}">
+                <a16:creationId xmlns:a16="http://schemas.microsoft.com/office/drawing/2014/main" id="{774B795C-49A2-4CD2-B09E-AB93E55C38C9}"/>
+              </a:ext>
+            </a:extLst>
+          </p:cNvPr>
+          <p:cNvSpPr>
+            <a:spLocks noGrp="1"/>
+          </p:cNvSpPr>
+          <p:nvPr>
+            <p:ph type="title"/>
+          </p:nvPr>
+        </p:nvSpPr>
+        <p:spPr/>
+        <p:txBody>
+          <a:bodyPr/>
+          <a:lstStyle/>
+          <a:p>
+            <a:endParaRPr lang="en-US" dirty="0"/>
+          </a:p>
+        </p:txBody>
+      </p:sp>
+    </p:spTree>
+    <p:extLst>
+      <p:ext uri="{BB962C8B-B14F-4D97-AF65-F5344CB8AC3E}">
+        <p14:creationId xmlns:p14="http://schemas.microsoft.com/office/powerpoint/2010/main" val="3904958647"/>
+      </p:ext>
+    </p:extLst>
+  </p:cSld>
+  <p:clrMapOvr>
+    <a:masterClrMapping/>
+  </p:clrMapOvr>
+</p:sld>
+</file>
+
+<file path=ppt/slides/slide10.xml><?xml version="1.0" encoding="utf-8"?>
+<p:sld xmlns:a="http://schemas.openxmlformats.org/drawingml/2006/main" xmlns:r="http://schemas.openxmlformats.org/officeDocument/2006/relationships" xmlns:p="http://schemas.openxmlformats.org/presentationml/2006/main">
+  <p:cSld>
+    <p:spTree>
+      <p:nvGrpSpPr>
+        <p:cNvPr id="1" name="Shape 84"/>
+        <p:cNvGrpSpPr/>
+        <p:nvPr/>
+      </p:nvGrpSpPr>
+      <p:grpSpPr>
+        <a:xfrm>
+          <a:off x="0" y="0"/>
+          <a:ext cx="0" cy="0"/>
+          <a:chOff x="0" y="0"/>
+          <a:chExt cx="0" cy="0"/>
+        </a:xfrm>
+      </p:grpSpPr>
+      <p:sp>
+        <p:nvSpPr>
+          <p:cNvPr id="85" name="Shape 85"/>
+          <p:cNvSpPr txBox="1">
+            <a:spLocks noGrp="1"/>
+          </p:cNvSpPr>
+          <p:nvPr>
+            <p:ph type="title"/>
+          </p:nvPr>
+        </p:nvSpPr>
+        <p:spPr>
+          <a:xfrm>
+            <a:off x="62275" y="-124550"/>
+            <a:ext cx="8769900" cy="524700"/>
+          </a:xfrm>
+          <a:prstGeom prst="rect">
+            <a:avLst/>
+          </a:prstGeom>
+        </p:spPr>
+        <p:txBody>
+          <a:bodyPr spcFirstLastPara="1" wrap="square" lIns="91425" tIns="91425" rIns="91425" bIns="91425" anchor="t" anchorCtr="0">
+            <a:noAutofit/>
+          </a:bodyPr>
+          <a:lstStyle/>
+          <a:p>
+            <a:pPr marL="0" lvl="0" indent="0" rtl="0">
+              <a:spcBef>
+                <a:spcPts val="0"/>
+              </a:spcBef>
+              <a:spcAft>
+                <a:spcPts val="0"/>
+              </a:spcAft>
+              <a:buNone/>
+            </a:pPr>
+            <a:r>
+              <a:rPr lang="en" sz="4000"/>
+              <a:t>Short term memory</a:t>
+            </a:r>
+            <a:endParaRPr sz="4000"/>
+          </a:p>
+        </p:txBody>
+      </p:sp>
+      <p:sp>
+        <p:nvSpPr>
+          <p:cNvPr id="86" name="Shape 86"/>
+          <p:cNvSpPr txBox="1"/>
+          <p:nvPr/>
+        </p:nvSpPr>
+        <p:spPr>
+          <a:xfrm>
+            <a:off x="418050" y="658225"/>
+            <a:ext cx="8619300" cy="4349700"/>
+          </a:xfrm>
+          <a:prstGeom prst="rect">
+            <a:avLst/>
+          </a:prstGeom>
+          <a:noFill/>
+          <a:ln>
+            <a:noFill/>
+          </a:ln>
+        </p:spPr>
+        <p:txBody>
+          <a:bodyPr spcFirstLastPara="1" wrap="square" lIns="91425" tIns="91425" rIns="91425" bIns="91425" anchor="t" anchorCtr="0">
+            <a:noAutofit/>
+          </a:bodyPr>
+          <a:lstStyle/>
+          <a:p>
+            <a:pPr marL="457200" lvl="0" indent="-381000" rtl="0">
+              <a:lnSpc>
+                <a:spcPct val="115000"/>
+              </a:lnSpc>
+              <a:spcBef>
+                <a:spcPts val="0"/>
+              </a:spcBef>
+              <a:spcAft>
+                <a:spcPts val="0"/>
+              </a:spcAft>
+              <a:buClr>
+                <a:srgbClr val="FFFFFF"/>
+              </a:buClr>
+              <a:buSzPts val="2400"/>
+              <a:buChar char="●"/>
+            </a:pPr>
+            <a:r>
+              <a:rPr lang="en" sz="2400">
+                <a:solidFill>
+                  <a:srgbClr val="FFFFFF"/>
+                </a:solidFill>
+              </a:rPr>
+              <a:t>Sometimes we want to only show a message to the user ONCE and only ONCE</a:t>
+            </a:r>
+            <a:endParaRPr sz="2400">
+              <a:solidFill>
+                <a:srgbClr val="FFFFFF"/>
+              </a:solidFill>
+            </a:endParaRPr>
+          </a:p>
+          <a:p>
+            <a:pPr marL="457200" lvl="0" indent="-381000" rtl="0">
+              <a:lnSpc>
+                <a:spcPct val="115000"/>
+              </a:lnSpc>
+              <a:spcBef>
+                <a:spcPts val="0"/>
+              </a:spcBef>
+              <a:spcAft>
+                <a:spcPts val="0"/>
+              </a:spcAft>
+              <a:buClr>
+                <a:srgbClr val="FFFFFF"/>
+              </a:buClr>
+              <a:buSzPts val="2400"/>
+              <a:buChar char="●"/>
+            </a:pPr>
+            <a:r>
+              <a:rPr lang="en" sz="2400">
+                <a:solidFill>
+                  <a:srgbClr val="FFFFFF"/>
+                </a:solidFill>
+              </a:rPr>
+              <a:t>Flash Memory = designed to do exactly that</a:t>
+            </a:r>
+            <a:endParaRPr sz="2400">
+              <a:solidFill>
+                <a:srgbClr val="FFFFFF"/>
+              </a:solidFill>
+            </a:endParaRPr>
+          </a:p>
+          <a:p>
+            <a:pPr marL="457200" lvl="0" indent="-381000" rtl="0">
+              <a:lnSpc>
+                <a:spcPct val="115000"/>
+              </a:lnSpc>
+              <a:spcBef>
+                <a:spcPts val="0"/>
+              </a:spcBef>
+              <a:spcAft>
+                <a:spcPts val="0"/>
+              </a:spcAft>
+              <a:buClr>
+                <a:srgbClr val="FFFFFF"/>
+              </a:buClr>
+              <a:buSzPts val="2400"/>
+              <a:buChar char="●"/>
+            </a:pPr>
+            <a:r>
+              <a:rPr lang="en" sz="2400">
+                <a:solidFill>
+                  <a:srgbClr val="FFFFFF"/>
+                </a:solidFill>
+              </a:rPr>
+              <a:t>Unlike session storage, Flash will only last for one request</a:t>
+            </a:r>
+            <a:endParaRPr sz="2400">
+              <a:solidFill>
+                <a:srgbClr val="FFFFFF"/>
+              </a:solidFill>
+            </a:endParaRPr>
+          </a:p>
+        </p:txBody>
+      </p:sp>
+    </p:spTree>
+  </p:cSld>
+  <p:clrMapOvr>
+    <a:masterClrMapping/>
+  </p:clrMapOvr>
+  <p:timing>
+    <p:tnLst>
+      <p:par>
+        <p:cTn id="1" dur="indefinite" restart="never" nodeType="tmRoot">
+          <p:childTnLst>
+            <p:seq concurrent="1" nextAc="seek">
+              <p:cTn id="2" dur="indefinite" nodeType="mainSeq">
+                <p:childTnLst>
+                  <p:par>
+                    <p:cTn id="3" fill="hold">
+                      <p:stCondLst>
+                        <p:cond delay="indefinite"/>
+                      </p:stCondLst>
+                      <p:childTnLst>
+                        <p:par>
+                          <p:cTn id="4" fill="hold">
+                            <p:stCondLst>
+                              <p:cond delay="0"/>
+                            </p:stCondLst>
+                            <p:childTnLst>
+                              <p:par>
+                                <p:cTn id="5" presetID="10" presetClass="entr" presetSubtype="0" fill="hold" nodeType="clickEffect">
+                                  <p:stCondLst>
+                                    <p:cond delay="0"/>
+                                  </p:stCondLst>
+                                  <p:childTnLst>
+                                    <p:set>
+                                      <p:cBhvr>
+                                        <p:cTn id="6" dur="1" fill="hold">
+                                          <p:stCondLst>
+                                            <p:cond delay="0"/>
+                                          </p:stCondLst>
+                                        </p:cTn>
+                                        <p:tgtEl>
+                                          <p:spTgt spid="86">
+                                            <p:txEl>
+                                              <p:pRg st="0" end="0"/>
+                                            </p:txEl>
+                                          </p:spTgt>
+                                        </p:tgtEl>
+                                        <p:attrNameLst>
+                                          <p:attrName>style.visibility</p:attrName>
+                                        </p:attrNameLst>
+                                      </p:cBhvr>
+                                      <p:to>
+                                        <p:strVal val="visible"/>
+                                      </p:to>
+                                    </p:set>
+                                    <p:animEffect transition="in" filter="fade">
+                                      <p:cBhvr>
+                                        <p:cTn id="7" dur="1000"/>
+                                        <p:tgtEl>
+                                          <p:spTgt spid="86">
+                                            <p:txEl>
+                                              <p:pRg st="0" end="0"/>
+                                            </p:txEl>
+                                          </p:spTgt>
+                                        </p:tgtEl>
+                                      </p:cBhvr>
+                                    </p:animEffect>
+                                  </p:childTnLst>
+                                </p:cTn>
+                              </p:par>
+                            </p:childTnLst>
+                          </p:cTn>
+                        </p:par>
+                      </p:childTnLst>
+                    </p:cTn>
+                  </p:par>
+                  <p:par>
+                    <p:cTn id="8" fill="hold">
+                      <p:stCondLst>
+                        <p:cond delay="indefinite"/>
+                      </p:stCondLst>
+                      <p:childTnLst>
+                        <p:par>
+                          <p:cTn id="9" fill="hold">
+                            <p:stCondLst>
+                              <p:cond delay="0"/>
+                            </p:stCondLst>
+                            <p:childTnLst>
+                              <p:par>
+                                <p:cTn id="10" presetID="10" presetClass="entr" presetSubtype="0" fill="hold" nodeType="clickEffect">
+                                  <p:stCondLst>
+                                    <p:cond delay="0"/>
+                                  </p:stCondLst>
+                                  <p:childTnLst>
+                                    <p:set>
+                                      <p:cBhvr>
+                                        <p:cTn id="11" dur="1" fill="hold">
+                                          <p:stCondLst>
+                                            <p:cond delay="0"/>
+                                          </p:stCondLst>
+                                        </p:cTn>
+                                        <p:tgtEl>
+                                          <p:spTgt spid="86">
+                                            <p:txEl>
+                                              <p:pRg st="1" end="1"/>
+                                            </p:txEl>
+                                          </p:spTgt>
+                                        </p:tgtEl>
+                                        <p:attrNameLst>
+                                          <p:attrName>style.visibility</p:attrName>
+                                        </p:attrNameLst>
+                                      </p:cBhvr>
+                                      <p:to>
+                                        <p:strVal val="visible"/>
+                                      </p:to>
+                                    </p:set>
+                                    <p:animEffect transition="in" filter="fade">
+                                      <p:cBhvr>
+                                        <p:cTn id="12" dur="1000"/>
+                                        <p:tgtEl>
+                                          <p:spTgt spid="86">
+                                            <p:txEl>
+                                              <p:pRg st="1" end="1"/>
+                                            </p:txEl>
+                                          </p:spTgt>
+                                        </p:tgtEl>
+                                      </p:cBhvr>
+                                    </p:animEffect>
+                                  </p:childTnLst>
+                                </p:cTn>
+                              </p:par>
+                            </p:childTnLst>
+                          </p:cTn>
+                        </p:par>
+                      </p:childTnLst>
+                    </p:cTn>
+                  </p:par>
+                  <p:par>
+                    <p:cTn id="13" fill="hold">
+                      <p:stCondLst>
+                        <p:cond delay="indefinite"/>
+                      </p:stCondLst>
+                      <p:childTnLst>
+                        <p:par>
+                          <p:cTn id="14" fill="hold">
+                            <p:stCondLst>
+                              <p:cond delay="0"/>
+                            </p:stCondLst>
+                            <p:childTnLst>
+                              <p:par>
+                                <p:cTn id="15" presetID="10" presetClass="entr" presetSubtype="0" fill="hold" nodeType="clickEffect">
+                                  <p:stCondLst>
+                                    <p:cond delay="0"/>
+                                  </p:stCondLst>
+                                  <p:childTnLst>
+                                    <p:set>
+                                      <p:cBhvr>
+                                        <p:cTn id="16" dur="1" fill="hold">
+                                          <p:stCondLst>
+                                            <p:cond delay="0"/>
+                                          </p:stCondLst>
+                                        </p:cTn>
+                                        <p:tgtEl>
+                                          <p:spTgt spid="86">
+                                            <p:txEl>
+                                              <p:pRg st="2" end="2"/>
+                                            </p:txEl>
+                                          </p:spTgt>
+                                        </p:tgtEl>
+                                        <p:attrNameLst>
+                                          <p:attrName>style.visibility</p:attrName>
+                                        </p:attrNameLst>
+                                      </p:cBhvr>
+                                      <p:to>
+                                        <p:strVal val="visible"/>
+                                      </p:to>
+                                    </p:set>
+                                    <p:animEffect transition="in" filter="fade">
+                                      <p:cBhvr>
+                                        <p:cTn id="17" dur="1000"/>
+                                        <p:tgtEl>
+                                          <p:spTgt spid="86">
+                                            <p:txEl>
+                                              <p:pRg st="2" end="2"/>
+                                            </p:txEl>
+                                          </p:spTgt>
+                                        </p:tgtEl>
+                                      </p:cBhvr>
+                                    </p:animEffect>
+                                  </p:childTnLst>
+                                </p:cTn>
+                              </p:par>
+                            </p:childTnLst>
+                          </p:cTn>
+                        </p:par>
+                      </p:childTnLst>
+                    </p:cTn>
+                  </p:par>
+                </p:childTnLst>
+              </p:cTn>
+              <p:prevCondLst>
+                <p:cond evt="onPrev" delay="0">
+                  <p:tgtEl>
+                    <p:sldTgt/>
+                  </p:tgtEl>
+                </p:cond>
+              </p:prevCondLst>
+              <p:nextCondLst>
+                <p:cond evt="onNext" delay="0">
+                  <p:tgtEl>
+                    <p:sldTgt/>
+                  </p:tgtEl>
+                </p:cond>
+              </p:nextCondLst>
+            </p:seq>
+          </p:childTnLst>
+        </p:cTn>
+      </p:par>
+    </p:tnLst>
+  </p:timing>
+</p:sld>
+</file>
+
+<file path=ppt/slides/slide11.xml><?xml version="1.0" encoding="utf-8"?>
+<p:sld xmlns:a="http://schemas.openxmlformats.org/drawingml/2006/main" xmlns:r="http://schemas.openxmlformats.org/officeDocument/2006/relationships" xmlns:p="http://schemas.openxmlformats.org/presentationml/2006/main">
+  <p:cSld>
+    <p:spTree>
+      <p:nvGrpSpPr>
+        <p:cNvPr id="1" name=""/>
+        <p:cNvGrpSpPr/>
+        <p:nvPr/>
+      </p:nvGrpSpPr>
+      <p:grpSpPr>
+        <a:xfrm>
+          <a:off x="0" y="0"/>
+          <a:ext cx="0" cy="0"/>
+          <a:chOff x="0" y="0"/>
+          <a:chExt cx="0" cy="0"/>
+        </a:xfrm>
+      </p:grpSpPr>
+      <p:sp>
+        <p:nvSpPr>
+          <p:cNvPr id="2" name="Title 1">
+            <a:extLst>
+              <a:ext uri="{FF2B5EF4-FFF2-40B4-BE49-F238E27FC236}">
+                <a16:creationId xmlns:a16="http://schemas.microsoft.com/office/drawing/2014/main" id="{4CA1D703-8BBD-4963-8604-EB1BB7521617}"/>
+              </a:ext>
+            </a:extLst>
+          </p:cNvPr>
+          <p:cNvSpPr>
+            <a:spLocks noGrp="1"/>
+          </p:cNvSpPr>
+          <p:nvPr>
+            <p:ph type="title"/>
+          </p:nvPr>
+        </p:nvSpPr>
+        <p:spPr>
+          <a:xfrm>
+            <a:off x="311700" y="1729950"/>
+            <a:ext cx="8520600" cy="841800"/>
+          </a:xfrm>
+        </p:spPr>
+        <p:txBody>
+          <a:bodyPr/>
+          <a:lstStyle/>
+          <a:p>
+            <a:r>
+              <a:rPr lang="en-US" dirty="0"/>
+              <a:t>Q &amp; A</a:t>
+            </a:r>
+          </a:p>
+        </p:txBody>
+      </p:sp>
+    </p:spTree>
+    <p:extLst>
+      <p:ext uri="{BB962C8B-B14F-4D97-AF65-F5344CB8AC3E}">
+        <p14:creationId xmlns:p14="http://schemas.microsoft.com/office/powerpoint/2010/main" val="2589605758"/>
+      </p:ext>
+    </p:extLst>
+  </p:cSld>
+  <p:clrMapOvr>
+    <a:masterClrMapping/>
+  </p:clrMapOvr>
+</p:sld>
+</file>
+
+<file path=ppt/slides/slide12.xml><?xml version="1.0" encoding="utf-8"?>
+<p:sld xmlns:a="http://schemas.openxmlformats.org/drawingml/2006/main" xmlns:r="http://schemas.openxmlformats.org/officeDocument/2006/relationships" xmlns:p="http://schemas.openxmlformats.org/presentationml/2006/main">
+  <p:cSld>
+    <p:spTree>
+      <p:nvGrpSpPr>
+        <p:cNvPr id="1" name=""/>
+        <p:cNvGrpSpPr/>
+        <p:nvPr/>
+      </p:nvGrpSpPr>
+      <p:grpSpPr>
+        <a:xfrm>
+          <a:off x="0" y="0"/>
+          <a:ext cx="0" cy="0"/>
+          <a:chOff x="0" y="0"/>
+          <a:chExt cx="0" cy="0"/>
+        </a:xfrm>
+      </p:grpSpPr>
+      <p:sp>
+        <p:nvSpPr>
+          <p:cNvPr id="2" name="Title 1">
+            <a:extLst>
+              <a:ext uri="{FF2B5EF4-FFF2-40B4-BE49-F238E27FC236}">
+                <a16:creationId xmlns:a16="http://schemas.microsoft.com/office/drawing/2014/main" id="{4CA1D703-8BBD-4963-8604-EB1BB7521617}"/>
+              </a:ext>
+            </a:extLst>
+          </p:cNvPr>
+          <p:cNvSpPr>
+            <a:spLocks noGrp="1"/>
+          </p:cNvSpPr>
+          <p:nvPr>
+            <p:ph type="title"/>
+          </p:nvPr>
+        </p:nvSpPr>
+        <p:spPr>
+          <a:xfrm>
+            <a:off x="311700" y="1729950"/>
+            <a:ext cx="8520600" cy="841800"/>
+          </a:xfrm>
+        </p:spPr>
+        <p:txBody>
+          <a:bodyPr/>
+          <a:lstStyle/>
+          <a:p>
+            <a:r>
+              <a:rPr lang="en-US" dirty="0"/>
+              <a:t>Studio Walkthrough</a:t>
+            </a:r>
+          </a:p>
+        </p:txBody>
+      </p:sp>
+    </p:spTree>
+    <p:extLst>
+      <p:ext uri="{BB962C8B-B14F-4D97-AF65-F5344CB8AC3E}">
+        <p14:creationId xmlns:p14="http://schemas.microsoft.com/office/powerpoint/2010/main" val="2220849723"/>
+      </p:ext>
+    </p:extLst>
+  </p:cSld>
+  <p:clrMapOvr>
+    <a:masterClrMapping/>
+  </p:clrMapOvr>
+</p:sld>
+</file>
+
+<file path=ppt/slides/slide2.xml><?xml version="1.0" encoding="utf-8"?>
+<p:sld xmlns:a="http://schemas.openxmlformats.org/drawingml/2006/main" xmlns:r="http://schemas.openxmlformats.org/officeDocument/2006/relationships" xmlns:p="http://schemas.openxmlformats.org/presentationml/2006/main">
+  <p:cSld>
+    <p:spTree>
+      <p:nvGrpSpPr>
+        <p:cNvPr id="1" name="Shape 60"/>
+        <p:cNvGrpSpPr/>
+        <p:nvPr/>
+      </p:nvGrpSpPr>
+      <p:grpSpPr>
+        <a:xfrm>
+          <a:off x="0" y="0"/>
+          <a:ext cx="0" cy="0"/>
+          <a:chOff x="0" y="0"/>
+          <a:chExt cx="0" cy="0"/>
+        </a:xfrm>
+      </p:grpSpPr>
+      <p:sp>
+        <p:nvSpPr>
+          <p:cNvPr id="61" name="Shape 61"/>
+          <p:cNvSpPr txBox="1">
+            <a:spLocks noGrp="1"/>
+          </p:cNvSpPr>
+          <p:nvPr>
+            <p:ph type="title"/>
+          </p:nvPr>
+        </p:nvSpPr>
+        <p:spPr>
+          <a:xfrm>
+            <a:off x="62275" y="-124550"/>
+            <a:ext cx="8769900" cy="524700"/>
+          </a:xfrm>
+          <a:prstGeom prst="rect">
+            <a:avLst/>
+          </a:prstGeom>
+        </p:spPr>
+        <p:txBody>
+          <a:bodyPr spcFirstLastPara="1" wrap="square" lIns="91425" tIns="91425" rIns="91425" bIns="91425" anchor="t" anchorCtr="0">
+            <a:noAutofit/>
+          </a:bodyPr>
+          <a:lstStyle/>
+          <a:p>
+            <a:pPr marL="0" lvl="0" indent="0" rtl="0">
+              <a:spcBef>
+                <a:spcPts val="0"/>
+              </a:spcBef>
+              <a:spcAft>
+                <a:spcPts val="0"/>
+              </a:spcAft>
+              <a:buNone/>
+            </a:pPr>
+            <a:r>
+              <a:rPr lang="en-US" sz="4000" dirty="0"/>
+              <a:t>Outline</a:t>
+            </a:r>
+            <a:endParaRPr sz="4000" dirty="0"/>
+          </a:p>
+        </p:txBody>
+      </p:sp>
+      <p:sp>
+        <p:nvSpPr>
+          <p:cNvPr id="62" name="Shape 62"/>
+          <p:cNvSpPr txBox="1"/>
+          <p:nvPr/>
+        </p:nvSpPr>
+        <p:spPr>
+          <a:xfrm>
+            <a:off x="418050" y="658225"/>
+            <a:ext cx="8619300" cy="4349700"/>
+          </a:xfrm>
+          <a:prstGeom prst="rect">
+            <a:avLst/>
+          </a:prstGeom>
+          <a:noFill/>
+          <a:ln>
+            <a:noFill/>
+          </a:ln>
+        </p:spPr>
+        <p:txBody>
+          <a:bodyPr spcFirstLastPara="1" wrap="square" lIns="91425" tIns="91425" rIns="91425" bIns="91425" anchor="t" anchorCtr="0">
+            <a:noAutofit/>
+          </a:bodyPr>
+          <a:lstStyle/>
+          <a:p>
+            <a:pPr marL="457200" marR="0" lvl="0" indent="-381000" algn="l" rtl="0">
+              <a:lnSpc>
+                <a:spcPct val="115000"/>
+              </a:lnSpc>
+              <a:spcBef>
+                <a:spcPts val="0"/>
+              </a:spcBef>
+              <a:spcAft>
+                <a:spcPts val="0"/>
+              </a:spcAft>
+              <a:buClr>
+                <a:srgbClr val="FFFFFF"/>
+              </a:buClr>
+              <a:buSzPts val="2400"/>
+              <a:buFont typeface="Arial"/>
+              <a:buChar char="●"/>
+            </a:pPr>
+            <a:r>
+              <a:rPr lang="en-US" sz="2400" dirty="0">
+                <a:solidFill>
+                  <a:srgbClr val="FFFFFF"/>
+                </a:solidFill>
+              </a:rPr>
+              <a:t>Reminders</a:t>
+            </a:r>
+          </a:p>
+          <a:p>
+            <a:pPr marL="457200" marR="0" lvl="0" indent="-381000" algn="l" rtl="0">
+              <a:lnSpc>
+                <a:spcPct val="115000"/>
+              </a:lnSpc>
+              <a:spcBef>
+                <a:spcPts val="0"/>
+              </a:spcBef>
+              <a:spcAft>
+                <a:spcPts val="0"/>
+              </a:spcAft>
+              <a:buClr>
+                <a:srgbClr val="FFFFFF"/>
+              </a:buClr>
+              <a:buSzPts val="2400"/>
+              <a:buFont typeface="Arial"/>
+              <a:buChar char="●"/>
+            </a:pPr>
+            <a:r>
+              <a:rPr lang="en-US" sz="2400" dirty="0">
+                <a:solidFill>
+                  <a:srgbClr val="FFFFFF"/>
+                </a:solidFill>
+              </a:rPr>
+              <a:t>Studio Solution (</a:t>
+            </a:r>
+            <a:r>
+              <a:rPr lang="en-US" sz="2400" dirty="0" err="1">
+                <a:solidFill>
+                  <a:srgbClr val="FFFFFF"/>
+                </a:solidFill>
+              </a:rPr>
+              <a:t>Flicklist</a:t>
+            </a:r>
+            <a:r>
+              <a:rPr lang="en-US" sz="2400" dirty="0">
+                <a:solidFill>
+                  <a:srgbClr val="FFFFFF"/>
+                </a:solidFill>
+              </a:rPr>
+              <a:t> 6)</a:t>
+            </a:r>
+          </a:p>
+          <a:p>
+            <a:pPr marL="457200" marR="0" lvl="0" indent="-381000" algn="l" rtl="0">
+              <a:lnSpc>
+                <a:spcPct val="115000"/>
+              </a:lnSpc>
+              <a:spcBef>
+                <a:spcPts val="0"/>
+              </a:spcBef>
+              <a:spcAft>
+                <a:spcPts val="0"/>
+              </a:spcAft>
+              <a:buClr>
+                <a:srgbClr val="FFFFFF"/>
+              </a:buClr>
+              <a:buSzPts val="2400"/>
+              <a:buFont typeface="Arial"/>
+              <a:buChar char="●"/>
+            </a:pPr>
+            <a:r>
+              <a:rPr lang="en-US" sz="2400" dirty="0">
+                <a:solidFill>
+                  <a:srgbClr val="FFFFFF"/>
+                </a:solidFill>
+              </a:rPr>
+              <a:t> Q&amp;A</a:t>
+            </a:r>
+          </a:p>
+          <a:p>
+            <a:pPr marL="457200" marR="0" lvl="0" indent="-381000" algn="l" rtl="0">
+              <a:lnSpc>
+                <a:spcPct val="115000"/>
+              </a:lnSpc>
+              <a:spcBef>
+                <a:spcPts val="0"/>
+              </a:spcBef>
+              <a:spcAft>
+                <a:spcPts val="0"/>
+              </a:spcAft>
+              <a:buClr>
+                <a:srgbClr val="FFFFFF"/>
+              </a:buClr>
+              <a:buSzPts val="2400"/>
+              <a:buFont typeface="Arial"/>
+              <a:buChar char="●"/>
+            </a:pPr>
+            <a:r>
+              <a:rPr lang="en-US" sz="2400" dirty="0">
+                <a:solidFill>
+                  <a:srgbClr val="FFFFFF"/>
+                </a:solidFill>
+              </a:rPr>
+              <a:t>Studio Walkthrough (</a:t>
+            </a:r>
+            <a:r>
+              <a:rPr lang="en-US" sz="2400" dirty="0" err="1">
+                <a:solidFill>
+                  <a:srgbClr val="FFFFFF"/>
+                </a:solidFill>
+              </a:rPr>
+              <a:t>Flicklist</a:t>
+            </a:r>
+            <a:r>
+              <a:rPr lang="en-US" sz="2400" dirty="0">
+                <a:solidFill>
+                  <a:srgbClr val="FFFFFF"/>
+                </a:solidFill>
+              </a:rPr>
+              <a:t> 7)</a:t>
+            </a:r>
+          </a:p>
+          <a:p>
+            <a:pPr marL="457200" marR="0" lvl="0" indent="-381000" algn="l" rtl="0">
+              <a:lnSpc>
+                <a:spcPct val="115000"/>
+              </a:lnSpc>
+              <a:spcBef>
+                <a:spcPts val="0"/>
+              </a:spcBef>
+              <a:spcAft>
+                <a:spcPts val="0"/>
+              </a:spcAft>
+              <a:buClr>
+                <a:srgbClr val="FFFFFF"/>
+              </a:buClr>
+              <a:buSzPts val="2400"/>
+              <a:buFont typeface="Arial"/>
+              <a:buChar char="●"/>
+            </a:pPr>
+            <a:r>
+              <a:rPr lang="en-US" sz="2400" dirty="0">
+                <a:solidFill>
+                  <a:srgbClr val="FFFFFF"/>
+                </a:solidFill>
+              </a:rPr>
+              <a:t>Studio</a:t>
+            </a:r>
+            <a:endParaRPr sz="2400" dirty="0">
+              <a:solidFill>
+                <a:srgbClr val="FFFFFF"/>
+              </a:solidFill>
+            </a:endParaRPr>
+          </a:p>
+          <a:p>
+            <a:pPr marL="0" lvl="0" indent="0" rtl="0">
+              <a:lnSpc>
+                <a:spcPct val="115000"/>
+              </a:lnSpc>
+              <a:spcBef>
+                <a:spcPts val="0"/>
+              </a:spcBef>
+              <a:spcAft>
+                <a:spcPts val="0"/>
+              </a:spcAft>
+              <a:buNone/>
+            </a:pPr>
+            <a:endParaRPr sz="2200" dirty="0">
+              <a:solidFill>
+                <a:srgbClr val="FFFFFF"/>
+              </a:solidFill>
+            </a:endParaRPr>
+          </a:p>
+          <a:p>
+            <a:pPr marL="0" lvl="0" indent="0" rtl="0">
+              <a:lnSpc>
+                <a:spcPct val="115000"/>
+              </a:lnSpc>
+              <a:spcBef>
+                <a:spcPts val="0"/>
+              </a:spcBef>
+              <a:spcAft>
+                <a:spcPts val="0"/>
+              </a:spcAft>
+              <a:buNone/>
+            </a:pPr>
+            <a:endParaRPr sz="2200" dirty="0">
+              <a:solidFill>
+                <a:srgbClr val="FFFFFF"/>
+              </a:solidFill>
+            </a:endParaRPr>
+          </a:p>
+          <a:p>
+            <a:pPr marL="0" marR="0" lvl="0" indent="0" algn="l" rtl="0">
+              <a:lnSpc>
+                <a:spcPct val="100000"/>
+              </a:lnSpc>
+              <a:spcBef>
+                <a:spcPts val="0"/>
+              </a:spcBef>
+              <a:spcAft>
+                <a:spcPts val="0"/>
+              </a:spcAft>
+              <a:buNone/>
+            </a:pPr>
+            <a:endParaRPr sz="2400" dirty="0">
+              <a:solidFill>
+                <a:srgbClr val="FFFFFF"/>
+              </a:solidFill>
+            </a:endParaRPr>
+          </a:p>
+          <a:p>
+            <a:pPr marL="0" lvl="0" indent="0" rtl="0">
+              <a:spcBef>
+                <a:spcPts val="0"/>
+              </a:spcBef>
+              <a:spcAft>
+                <a:spcPts val="0"/>
+              </a:spcAft>
+              <a:buNone/>
+            </a:pPr>
+            <a:endParaRPr sz="2400" dirty="0">
+              <a:solidFill>
+                <a:srgbClr val="FFFFFF"/>
+              </a:solidFill>
+            </a:endParaRPr>
+          </a:p>
+        </p:txBody>
+      </p:sp>
+    </p:spTree>
+    <p:extLst>
+      <p:ext uri="{BB962C8B-B14F-4D97-AF65-F5344CB8AC3E}">
+        <p14:creationId xmlns:p14="http://schemas.microsoft.com/office/powerpoint/2010/main" val="2159364699"/>
+      </p:ext>
+    </p:extLst>
+  </p:cSld>
+  <p:clrMapOvr>
+    <a:masterClrMapping/>
+  </p:clrMapOvr>
+  <p:timing>
+    <p:tnLst>
+      <p:par>
+        <p:cTn id="1" dur="indefinite" restart="never" nodeType="tmRoot">
+          <p:childTnLst>
+            <p:seq concurrent="1" nextAc="seek">
+              <p:cTn id="2" dur="indefinite" nodeType="mainSeq">
+                <p:childTnLst>
+                  <p:par>
+                    <p:cTn id="3" fill="hold">
+                      <p:stCondLst>
+                        <p:cond delay="indefinite"/>
+                      </p:stCondLst>
+                      <p:childTnLst>
+                        <p:par>
+                          <p:cTn id="4" fill="hold">
+                            <p:stCondLst>
+                              <p:cond delay="0"/>
+                            </p:stCondLst>
+                            <p:childTnLst>
+                              <p:par>
+                                <p:cTn id="5" presetID="10" presetClass="entr" presetSubtype="0" fill="hold" nodeType="clickEffect">
+                                  <p:stCondLst>
+                                    <p:cond delay="0"/>
+                                  </p:stCondLst>
+                                  <p:childTnLst>
+                                    <p:set>
+                                      <p:cBhvr>
+                                        <p:cTn id="6" dur="1" fill="hold">
+                                          <p:stCondLst>
+                                            <p:cond delay="0"/>
+                                          </p:stCondLst>
+                                        </p:cTn>
+                                        <p:tgtEl>
+                                          <p:spTgt spid="62">
+                                            <p:txEl>
+                                              <p:pRg st="0" end="0"/>
+                                            </p:txEl>
+                                          </p:spTgt>
+                                        </p:tgtEl>
+                                        <p:attrNameLst>
+                                          <p:attrName>style.visibility</p:attrName>
+                                        </p:attrNameLst>
+                                      </p:cBhvr>
+                                      <p:to>
+                                        <p:strVal val="visible"/>
+                                      </p:to>
+                                    </p:set>
+                                    <p:animEffect transition="in" filter="fade">
+                                      <p:cBhvr>
+                                        <p:cTn id="7" dur="1000"/>
+                                        <p:tgtEl>
+                                          <p:spTgt spid="62">
+                                            <p:txEl>
+                                              <p:pRg st="0" end="0"/>
+                                            </p:txEl>
+                                          </p:spTgt>
+                                        </p:tgtEl>
+                                      </p:cBhvr>
+                                    </p:animEffect>
+                                  </p:childTnLst>
+                                </p:cTn>
+                              </p:par>
+                            </p:childTnLst>
+                          </p:cTn>
+                        </p:par>
+                      </p:childTnLst>
+                    </p:cTn>
+                  </p:par>
+                  <p:par>
+                    <p:cTn id="8" fill="hold">
+                      <p:stCondLst>
+                        <p:cond delay="indefinite"/>
+                      </p:stCondLst>
+                      <p:childTnLst>
+                        <p:par>
+                          <p:cTn id="9" fill="hold">
+                            <p:stCondLst>
+                              <p:cond delay="0"/>
+                            </p:stCondLst>
+                            <p:childTnLst>
+                              <p:par>
+                                <p:cTn id="10" presetID="10" presetClass="entr" presetSubtype="0" fill="hold" nodeType="clickEffect">
+                                  <p:stCondLst>
+                                    <p:cond delay="0"/>
+                                  </p:stCondLst>
+                                  <p:childTnLst>
+                                    <p:set>
+                                      <p:cBhvr>
+                                        <p:cTn id="11" dur="1" fill="hold">
+                                          <p:stCondLst>
+                                            <p:cond delay="0"/>
+                                          </p:stCondLst>
+                                        </p:cTn>
+                                        <p:tgtEl>
+                                          <p:spTgt spid="62">
+                                            <p:txEl>
+                                              <p:pRg st="1" end="1"/>
+                                            </p:txEl>
+                                          </p:spTgt>
+                                        </p:tgtEl>
+                                        <p:attrNameLst>
+                                          <p:attrName>style.visibility</p:attrName>
+                                        </p:attrNameLst>
+                                      </p:cBhvr>
+                                      <p:to>
+                                        <p:strVal val="visible"/>
+                                      </p:to>
+                                    </p:set>
+                                    <p:animEffect transition="in" filter="fade">
+                                      <p:cBhvr>
+                                        <p:cTn id="12" dur="1000"/>
+                                        <p:tgtEl>
+                                          <p:spTgt spid="62">
+                                            <p:txEl>
+                                              <p:pRg st="1" end="1"/>
+                                            </p:txEl>
+                                          </p:spTgt>
+                                        </p:tgtEl>
+                                      </p:cBhvr>
+                                    </p:animEffect>
+                                  </p:childTnLst>
+                                </p:cTn>
+                              </p:par>
+                            </p:childTnLst>
+                          </p:cTn>
+                        </p:par>
+                      </p:childTnLst>
+                    </p:cTn>
+                  </p:par>
+                  <p:par>
+                    <p:cTn id="13" fill="hold">
+                      <p:stCondLst>
+                        <p:cond delay="indefinite"/>
+                      </p:stCondLst>
+                      <p:childTnLst>
+                        <p:par>
+                          <p:cTn id="14" fill="hold">
+                            <p:stCondLst>
+                              <p:cond delay="0"/>
+                            </p:stCondLst>
+                            <p:childTnLst>
+                              <p:par>
+                                <p:cTn id="15" presetID="10" presetClass="entr" presetSubtype="0" fill="hold" nodeType="clickEffect">
+                                  <p:stCondLst>
+                                    <p:cond delay="0"/>
+                                  </p:stCondLst>
+                                  <p:childTnLst>
+                                    <p:set>
+                                      <p:cBhvr>
+                                        <p:cTn id="16" dur="1" fill="hold">
+                                          <p:stCondLst>
+                                            <p:cond delay="0"/>
+                                          </p:stCondLst>
+                                        </p:cTn>
+                                        <p:tgtEl>
+                                          <p:spTgt spid="62">
+                                            <p:txEl>
+                                              <p:pRg st="2" end="2"/>
+                                            </p:txEl>
+                                          </p:spTgt>
+                                        </p:tgtEl>
+                                        <p:attrNameLst>
+                                          <p:attrName>style.visibility</p:attrName>
+                                        </p:attrNameLst>
+                                      </p:cBhvr>
+                                      <p:to>
+                                        <p:strVal val="visible"/>
+                                      </p:to>
+                                    </p:set>
+                                    <p:animEffect transition="in" filter="fade">
+                                      <p:cBhvr>
+                                        <p:cTn id="17" dur="1000"/>
+                                        <p:tgtEl>
+                                          <p:spTgt spid="62">
+                                            <p:txEl>
+                                              <p:pRg st="2" end="2"/>
+                                            </p:txEl>
+                                          </p:spTgt>
+                                        </p:tgtEl>
+                                      </p:cBhvr>
+                                    </p:animEffect>
+                                  </p:childTnLst>
+                                </p:cTn>
+                              </p:par>
+                            </p:childTnLst>
+                          </p:cTn>
+                        </p:par>
+                      </p:childTnLst>
+                    </p:cTn>
+                  </p:par>
+                  <p:par>
+                    <p:cTn id="18" fill="hold">
+                      <p:stCondLst>
+                        <p:cond delay="indefinite"/>
+                      </p:stCondLst>
+                      <p:childTnLst>
+                        <p:par>
+                          <p:cTn id="19" fill="hold">
+                            <p:stCondLst>
+                              <p:cond delay="0"/>
+                            </p:stCondLst>
+                            <p:childTnLst>
+                              <p:par>
+                                <p:cTn id="20" presetID="10" presetClass="entr" presetSubtype="0" fill="hold" nodeType="clickEffect">
+                                  <p:stCondLst>
+                                    <p:cond delay="0"/>
+                                  </p:stCondLst>
+                                  <p:childTnLst>
+                                    <p:set>
+                                      <p:cBhvr>
+                                        <p:cTn id="21" dur="1" fill="hold">
+                                          <p:stCondLst>
+                                            <p:cond delay="0"/>
+                                          </p:stCondLst>
+                                        </p:cTn>
+                                        <p:tgtEl>
+                                          <p:spTgt spid="62">
+                                            <p:txEl>
+                                              <p:pRg st="3" end="3"/>
+                                            </p:txEl>
+                                          </p:spTgt>
+                                        </p:tgtEl>
+                                        <p:attrNameLst>
+                                          <p:attrName>style.visibility</p:attrName>
+                                        </p:attrNameLst>
+                                      </p:cBhvr>
+                                      <p:to>
+                                        <p:strVal val="visible"/>
+                                      </p:to>
+                                    </p:set>
+                                    <p:animEffect transition="in" filter="fade">
+                                      <p:cBhvr>
+                                        <p:cTn id="22" dur="1000"/>
+                                        <p:tgtEl>
+                                          <p:spTgt spid="62">
+                                            <p:txEl>
+                                              <p:pRg st="3" end="3"/>
+                                            </p:txEl>
+                                          </p:spTgt>
+                                        </p:tgtEl>
+                                      </p:cBhvr>
+                                    </p:animEffect>
+                                  </p:childTnLst>
+                                </p:cTn>
+                              </p:par>
+                            </p:childTnLst>
+                          </p:cTn>
+                        </p:par>
+                      </p:childTnLst>
+                    </p:cTn>
+                  </p:par>
+                  <p:par>
+                    <p:cTn id="23" fill="hold">
+                      <p:stCondLst>
+                        <p:cond delay="indefinite"/>
+                      </p:stCondLst>
+                      <p:childTnLst>
+                        <p:par>
+                          <p:cTn id="24" fill="hold">
+                            <p:stCondLst>
+                              <p:cond delay="0"/>
+                            </p:stCondLst>
+                            <p:childTnLst>
+                              <p:par>
+                                <p:cTn id="25" presetID="10" presetClass="entr" presetSubtype="0" fill="hold" nodeType="clickEffect">
+                                  <p:stCondLst>
+                                    <p:cond delay="0"/>
+                                  </p:stCondLst>
+                                  <p:childTnLst>
+                                    <p:set>
+                                      <p:cBhvr>
+                                        <p:cTn id="26" dur="1" fill="hold">
+                                          <p:stCondLst>
+                                            <p:cond delay="0"/>
+                                          </p:stCondLst>
+                                        </p:cTn>
+                                        <p:tgtEl>
+                                          <p:spTgt spid="62">
+                                            <p:txEl>
+                                              <p:pRg st="4" end="4"/>
+                                            </p:txEl>
+                                          </p:spTgt>
+                                        </p:tgtEl>
+                                        <p:attrNameLst>
+                                          <p:attrName>style.visibility</p:attrName>
+                                        </p:attrNameLst>
+                                      </p:cBhvr>
+                                      <p:to>
+                                        <p:strVal val="visible"/>
+                                      </p:to>
+                                    </p:set>
+                                    <p:animEffect transition="in" filter="fade">
+                                      <p:cBhvr>
+                                        <p:cTn id="27" dur="1000"/>
+                                        <p:tgtEl>
+                                          <p:spTgt spid="62">
+                                            <p:txEl>
+                                              <p:pRg st="4" end="4"/>
+                                            </p:txEl>
+                                          </p:spTgt>
+                                        </p:tgtEl>
+                                      </p:cBhvr>
+                                    </p:animEffect>
+                                  </p:childTnLst>
+                                </p:cTn>
+                              </p:par>
+                            </p:childTnLst>
+                          </p:cTn>
+                        </p:par>
+                      </p:childTnLst>
+                    </p:cTn>
+                  </p:par>
+                </p:childTnLst>
+              </p:cTn>
+              <p:prevCondLst>
+                <p:cond evt="onPrev" delay="0">
+                  <p:tgtEl>
+                    <p:sldTgt/>
+                  </p:tgtEl>
+                </p:cond>
+              </p:prevCondLst>
+              <p:nextCondLst>
+                <p:cond evt="onNext" delay="0">
+                  <p:tgtEl>
+                    <p:sldTgt/>
+                  </p:tgtEl>
+                </p:cond>
+              </p:nextCondLst>
+            </p:seq>
+          </p:childTnLst>
+        </p:cTn>
+      </p:par>
+    </p:tnLst>
+  </p:timing>
+</p:sld>
+</file>
+
+<file path=ppt/slides/slide3.xml><?xml version="1.0" encoding="utf-8"?>
+<p:sld xmlns:a="http://schemas.openxmlformats.org/drawingml/2006/main" xmlns:r="http://schemas.openxmlformats.org/officeDocument/2006/relationships" xmlns:p="http://schemas.openxmlformats.org/presentationml/2006/main">
+  <p:cSld>
+    <p:spTree>
+      <p:nvGrpSpPr>
+        <p:cNvPr id="1" name="Shape 60"/>
+        <p:cNvGrpSpPr/>
+        <p:nvPr/>
+      </p:nvGrpSpPr>
+      <p:grpSpPr>
+        <a:xfrm>
+          <a:off x="0" y="0"/>
+          <a:ext cx="0" cy="0"/>
+          <a:chOff x="0" y="0"/>
+          <a:chExt cx="0" cy="0"/>
+        </a:xfrm>
+      </p:grpSpPr>
+      <p:sp>
+        <p:nvSpPr>
+          <p:cNvPr id="61" name="Shape 61"/>
+          <p:cNvSpPr txBox="1">
+            <a:spLocks noGrp="1"/>
+          </p:cNvSpPr>
+          <p:nvPr>
+            <p:ph type="title"/>
+          </p:nvPr>
+        </p:nvSpPr>
+        <p:spPr>
+          <a:xfrm>
+            <a:off x="62275" y="-124550"/>
+            <a:ext cx="8769900" cy="524700"/>
+          </a:xfrm>
+          <a:prstGeom prst="rect">
+            <a:avLst/>
+          </a:prstGeom>
+        </p:spPr>
+        <p:txBody>
+          <a:bodyPr spcFirstLastPara="1" wrap="square" lIns="91425" tIns="91425" rIns="91425" bIns="91425" anchor="t" anchorCtr="0">
+            <a:noAutofit/>
+          </a:bodyPr>
+          <a:lstStyle/>
+          <a:p>
+            <a:pPr marL="0" lvl="0" indent="0" rtl="0">
+              <a:spcBef>
+                <a:spcPts val="0"/>
+              </a:spcBef>
+              <a:spcAft>
+                <a:spcPts val="0"/>
+              </a:spcAft>
+              <a:buNone/>
+            </a:pPr>
+            <a:r>
+              <a:rPr lang="en-US" sz="4000" dirty="0"/>
+              <a:t>Reminders</a:t>
+            </a:r>
+            <a:endParaRPr sz="4000" dirty="0"/>
+          </a:p>
+        </p:txBody>
+      </p:sp>
+      <p:sp>
+        <p:nvSpPr>
+          <p:cNvPr id="62" name="Shape 62"/>
+          <p:cNvSpPr txBox="1"/>
+          <p:nvPr/>
+        </p:nvSpPr>
+        <p:spPr>
+          <a:xfrm>
+            <a:off x="418050" y="668858"/>
+            <a:ext cx="8619300" cy="4349700"/>
+          </a:xfrm>
+          <a:prstGeom prst="rect">
+            <a:avLst/>
+          </a:prstGeom>
+          <a:noFill/>
+          <a:ln>
+            <a:noFill/>
+          </a:ln>
+        </p:spPr>
+        <p:txBody>
+          <a:bodyPr spcFirstLastPara="1" wrap="square" lIns="91425" tIns="91425" rIns="91425" bIns="91425" anchor="t" anchorCtr="0">
+            <a:noAutofit/>
+          </a:bodyPr>
+          <a:lstStyle/>
+          <a:p>
+            <a:pPr marL="457200" lvl="1" indent="-381000">
+              <a:lnSpc>
+                <a:spcPct val="115000"/>
+              </a:lnSpc>
+              <a:buClr>
+                <a:srgbClr val="FFFFFF"/>
+              </a:buClr>
+              <a:buSzPts val="2400"/>
+              <a:buFont typeface="Arial"/>
+              <a:buChar char="●"/>
+            </a:pPr>
+            <a:r>
+              <a:rPr lang="en-US" sz="2400" dirty="0">
+                <a:solidFill>
+                  <a:srgbClr val="FFFFFF"/>
+                </a:solidFill>
+              </a:rPr>
+              <a:t>Start Build-A-Blog</a:t>
+            </a:r>
+          </a:p>
+          <a:p>
+            <a:pPr marL="76200" marR="0" lvl="0" algn="l" rtl="0">
+              <a:lnSpc>
+                <a:spcPct val="115000"/>
+              </a:lnSpc>
+              <a:spcBef>
+                <a:spcPts val="0"/>
+              </a:spcBef>
+              <a:spcAft>
+                <a:spcPts val="0"/>
+              </a:spcAft>
+              <a:buClr>
+                <a:srgbClr val="FFFFFF"/>
+              </a:buClr>
+              <a:buSzPts val="2400"/>
+            </a:pPr>
+            <a:endParaRPr lang="en-US" sz="900" dirty="0">
+              <a:solidFill>
+                <a:srgbClr val="FFFFFF"/>
+              </a:solidFill>
+            </a:endParaRPr>
+          </a:p>
+          <a:p>
+            <a:pPr marL="457200" indent="-381000">
+              <a:lnSpc>
+                <a:spcPct val="115000"/>
+              </a:lnSpc>
+              <a:buClr>
+                <a:srgbClr val="FFFFFF"/>
+              </a:buClr>
+              <a:buSzPts val="2400"/>
+              <a:buFont typeface="Arial"/>
+              <a:buChar char="●"/>
+            </a:pPr>
+            <a:r>
+              <a:rPr lang="en-US" sz="2400" dirty="0">
+                <a:solidFill>
+                  <a:srgbClr val="FFFFFF"/>
+                </a:solidFill>
+              </a:rPr>
+              <a:t>Also, catch up on missing assignments ASAP</a:t>
+            </a:r>
+          </a:p>
+          <a:p>
+            <a:pPr marL="76200" marR="0" lvl="0" algn="l" rtl="0">
+              <a:lnSpc>
+                <a:spcPct val="115000"/>
+              </a:lnSpc>
+              <a:spcBef>
+                <a:spcPts val="0"/>
+              </a:spcBef>
+              <a:spcAft>
+                <a:spcPts val="0"/>
+              </a:spcAft>
+              <a:buClr>
+                <a:srgbClr val="FFFFFF"/>
+              </a:buClr>
+              <a:buSzPts val="2400"/>
+            </a:pPr>
+            <a:endParaRPr lang="en-US" sz="900" dirty="0">
+              <a:solidFill>
+                <a:srgbClr val="FFFFFF"/>
+              </a:solidFill>
+            </a:endParaRPr>
+          </a:p>
+          <a:p>
+            <a:pPr lvl="0">
+              <a:lnSpc>
+                <a:spcPct val="115000"/>
+              </a:lnSpc>
+            </a:pPr>
+            <a:endParaRPr lang="en-US" sz="2200" dirty="0">
+              <a:solidFill>
+                <a:srgbClr val="FFFFFF"/>
+              </a:solidFill>
+            </a:endParaRPr>
+          </a:p>
+          <a:p>
+            <a:pPr marL="0" marR="0" lvl="0" indent="0" algn="l" rtl="0">
+              <a:lnSpc>
+                <a:spcPct val="100000"/>
+              </a:lnSpc>
+              <a:spcBef>
+                <a:spcPts val="0"/>
+              </a:spcBef>
+              <a:spcAft>
+                <a:spcPts val="0"/>
+              </a:spcAft>
+              <a:buNone/>
+            </a:pPr>
+            <a:endParaRPr sz="2400" dirty="0">
+              <a:solidFill>
+                <a:srgbClr val="FFFFFF"/>
+              </a:solidFill>
+            </a:endParaRPr>
+          </a:p>
+          <a:p>
+            <a:pPr marL="0" lvl="0" indent="0" rtl="0">
+              <a:spcBef>
+                <a:spcPts val="0"/>
+              </a:spcBef>
+              <a:spcAft>
+                <a:spcPts val="0"/>
+              </a:spcAft>
+              <a:buNone/>
+            </a:pPr>
+            <a:endParaRPr sz="2400" dirty="0">
+              <a:solidFill>
+                <a:srgbClr val="FFFFFF"/>
+              </a:solidFill>
+            </a:endParaRPr>
+          </a:p>
+        </p:txBody>
+      </p:sp>
+    </p:spTree>
+    <p:extLst>
+      <p:ext uri="{BB962C8B-B14F-4D97-AF65-F5344CB8AC3E}">
+        <p14:creationId xmlns:p14="http://schemas.microsoft.com/office/powerpoint/2010/main" val="3377696005"/>
+      </p:ext>
+    </p:extLst>
+  </p:cSld>
+  <p:clrMapOvr>
+    <a:masterClrMapping/>
+  </p:clrMapOvr>
+  <p:timing>
+    <p:tnLst>
+      <p:par>
+        <p:cTn id="1" dur="indefinite" restart="never" nodeType="tmRoot">
+          <p:childTnLst>
+            <p:seq concurrent="1" nextAc="seek">
+              <p:cTn id="2" dur="indefinite" nodeType="mainSeq">
+                <p:childTnLst>
+                  <p:par>
+                    <p:cTn id="3" fill="hold">
+                      <p:stCondLst>
+                        <p:cond delay="indefinite"/>
+                      </p:stCondLst>
+                      <p:childTnLst>
+                        <p:par>
+                          <p:cTn id="4" fill="hold">
+                            <p:stCondLst>
+                              <p:cond delay="0"/>
+                            </p:stCondLst>
+                            <p:childTnLst>
+                              <p:par>
+                                <p:cTn id="5" presetID="10" presetClass="entr" presetSubtype="0" fill="hold" nodeType="clickEffect">
+                                  <p:stCondLst>
+                                    <p:cond delay="0"/>
+                                  </p:stCondLst>
+                                  <p:childTnLst>
+                                    <p:set>
+                                      <p:cBhvr>
+                                        <p:cTn id="6" dur="1" fill="hold">
+                                          <p:stCondLst>
+                                            <p:cond delay="0"/>
+                                          </p:stCondLst>
+                                        </p:cTn>
+                                        <p:tgtEl>
+                                          <p:spTgt spid="62">
+                                            <p:txEl>
+                                              <p:pRg st="0" end="0"/>
+                                            </p:txEl>
+                                          </p:spTgt>
+                                        </p:tgtEl>
+                                        <p:attrNameLst>
+                                          <p:attrName>style.visibility</p:attrName>
+                                        </p:attrNameLst>
+                                      </p:cBhvr>
+                                      <p:to>
+                                        <p:strVal val="visible"/>
+                                      </p:to>
+                                    </p:set>
+                                    <p:animEffect transition="in" filter="fade">
+                                      <p:cBhvr>
+                                        <p:cTn id="7" dur="1000"/>
+                                        <p:tgtEl>
+                                          <p:spTgt spid="62">
+                                            <p:txEl>
+                                              <p:pRg st="0" end="0"/>
+                                            </p:txEl>
+                                          </p:spTgt>
+                                        </p:tgtEl>
+                                      </p:cBhvr>
+                                    </p:animEffect>
+                                  </p:childTnLst>
+                                </p:cTn>
+                              </p:par>
+                            </p:childTnLst>
+                          </p:cTn>
+                        </p:par>
+                      </p:childTnLst>
+                    </p:cTn>
+                  </p:par>
+                  <p:par>
+                    <p:cTn id="8" fill="hold">
+                      <p:stCondLst>
+                        <p:cond delay="indefinite"/>
+                      </p:stCondLst>
+                      <p:childTnLst>
+                        <p:par>
+                          <p:cTn id="9" fill="hold">
+                            <p:stCondLst>
+                              <p:cond delay="0"/>
+                            </p:stCondLst>
+                            <p:childTnLst>
+                              <p:par>
+                                <p:cTn id="10" presetID="10" presetClass="entr" presetSubtype="0" fill="hold" nodeType="clickEffect">
+                                  <p:stCondLst>
+                                    <p:cond delay="0"/>
+                                  </p:stCondLst>
+                                  <p:childTnLst>
+                                    <p:set>
+                                      <p:cBhvr>
+                                        <p:cTn id="11" dur="1" fill="hold">
+                                          <p:stCondLst>
+                                            <p:cond delay="0"/>
+                                          </p:stCondLst>
+                                        </p:cTn>
+                                        <p:tgtEl>
+                                          <p:spTgt spid="62">
+                                            <p:txEl>
+                                              <p:pRg st="2" end="2"/>
+                                            </p:txEl>
+                                          </p:spTgt>
+                                        </p:tgtEl>
+                                        <p:attrNameLst>
+                                          <p:attrName>style.visibility</p:attrName>
+                                        </p:attrNameLst>
+                                      </p:cBhvr>
+                                      <p:to>
+                                        <p:strVal val="visible"/>
+                                      </p:to>
+                                    </p:set>
+                                    <p:animEffect transition="in" filter="fade">
+                                      <p:cBhvr>
+                                        <p:cTn id="12" dur="1000"/>
+                                        <p:tgtEl>
+                                          <p:spTgt spid="62">
+                                            <p:txEl>
+                                              <p:pRg st="2" end="2"/>
+                                            </p:txEl>
+                                          </p:spTgt>
+                                        </p:tgtEl>
+                                      </p:cBhvr>
+                                    </p:animEffect>
+                                  </p:childTnLst>
+                                </p:cTn>
+                              </p:par>
+                            </p:childTnLst>
+                          </p:cTn>
+                        </p:par>
+                      </p:childTnLst>
+                    </p:cTn>
+                  </p:par>
+                </p:childTnLst>
+              </p:cTn>
+              <p:prevCondLst>
+                <p:cond evt="onPrev" delay="0">
+                  <p:tgtEl>
+                    <p:sldTgt/>
+                  </p:tgtEl>
+                </p:cond>
+              </p:prevCondLst>
+              <p:nextCondLst>
+                <p:cond evt="onNext" delay="0">
+                  <p:tgtEl>
+                    <p:sldTgt/>
+                  </p:tgtEl>
+                </p:cond>
+              </p:nextCondLst>
+            </p:seq>
+          </p:childTnLst>
+        </p:cTn>
+      </p:par>
+    </p:tnLst>
+  </p:timing>
+</p:sld>
+</file>
+
+<file path=ppt/slides/slide4.xml><?xml version="1.0" encoding="utf-8"?>
+<p:sld xmlns:a="http://schemas.openxmlformats.org/drawingml/2006/main" xmlns:r="http://schemas.openxmlformats.org/officeDocument/2006/relationships" xmlns:p="http://schemas.openxmlformats.org/presentationml/2006/main">
+  <p:cSld>
+    <p:spTree>
+      <p:nvGrpSpPr>
+        <p:cNvPr id="1" name=""/>
+        <p:cNvGrpSpPr/>
+        <p:nvPr/>
+      </p:nvGrpSpPr>
+      <p:grpSpPr>
+        <a:xfrm>
+          <a:off x="0" y="0"/>
+          <a:ext cx="0" cy="0"/>
+          <a:chOff x="0" y="0"/>
+          <a:chExt cx="0" cy="0"/>
+        </a:xfrm>
+      </p:grpSpPr>
+      <p:sp>
+        <p:nvSpPr>
+          <p:cNvPr id="2" name="Title 1">
+            <a:extLst>
+              <a:ext uri="{FF2B5EF4-FFF2-40B4-BE49-F238E27FC236}">
+                <a16:creationId xmlns:a16="http://schemas.microsoft.com/office/drawing/2014/main" id="{C51B2B44-E135-446B-8B96-DA63B6936F88}"/>
+              </a:ext>
+            </a:extLst>
+          </p:cNvPr>
+          <p:cNvSpPr>
+            <a:spLocks noGrp="1"/>
+          </p:cNvSpPr>
+          <p:nvPr>
+            <p:ph type="title"/>
+          </p:nvPr>
+        </p:nvSpPr>
+        <p:spPr>
+          <a:xfrm>
+            <a:off x="311700" y="1729950"/>
+            <a:ext cx="8520600" cy="841800"/>
+          </a:xfrm>
+        </p:spPr>
+        <p:txBody>
+          <a:bodyPr/>
+          <a:lstStyle/>
+          <a:p>
+            <a:r>
+              <a:rPr lang="en-US" dirty="0" err="1"/>
+              <a:t>Flicklist</a:t>
+            </a:r>
+            <a:r>
+              <a:rPr lang="en-US" dirty="0"/>
+              <a:t> 7 Solution (last class)</a:t>
+            </a:r>
+          </a:p>
+        </p:txBody>
+      </p:sp>
+    </p:spTree>
+    <p:extLst>
+      <p:ext uri="{BB962C8B-B14F-4D97-AF65-F5344CB8AC3E}">
+        <p14:creationId xmlns:p14="http://schemas.microsoft.com/office/powerpoint/2010/main" val="182366447"/>
+      </p:ext>
+    </p:extLst>
+  </p:cSld>
+  <p:clrMapOvr>
+    <a:masterClrMapping/>
+  </p:clrMapOvr>
+</p:sld>
+</file>
+
+<file path=ppt/slides/slide5.xml><?xml version="1.0" encoding="utf-8"?>
+<p:sld xmlns:a="http://schemas.openxmlformats.org/drawingml/2006/main" xmlns:r="http://schemas.openxmlformats.org/officeDocument/2006/relationships" xmlns:p="http://schemas.openxmlformats.org/presentationml/2006/main">
+  <p:cSld>
+    <p:spTree>
+      <p:nvGrpSpPr>
+        <p:cNvPr id="1" name="Shape 53"/>
         <p:cNvGrpSpPr/>
         <p:nvPr/>
       </p:nvGrpSpPr>
@@ -5948,7 +8237,9 @@
       <p:sp>
         <p:nvSpPr>
           <p:cNvPr id="54" name="Shape 54"/>
-          <p:cNvSpPr txBox="1"/>
+          <p:cNvSpPr txBox="1">
+            <a:spLocks noGrp="1"/>
+          </p:cNvSpPr>
           <p:nvPr>
             <p:ph type="ctrTitle"/>
           </p:nvPr>
@@ -5963,12 +8254,12 @@
           </a:prstGeom>
         </p:spPr>
         <p:txBody>
-          <a:bodyPr anchorCtr="0" anchor="b" bIns="91425" lIns="91425" spcFirstLastPara="1" rIns="91425" wrap="square" tIns="91425">
+          <a:bodyPr spcFirstLastPara="1" wrap="square" lIns="91425" tIns="91425" rIns="91425" bIns="91425" anchor="b" anchorCtr="0">
             <a:noAutofit/>
           </a:bodyPr>
           <a:lstStyle/>
           <a:p>
-            <a:pPr indent="0" lvl="0" marL="0">
+            <a:pPr marL="0" lvl="0" indent="0">
               <a:spcBef>
                 <a:spcPts val="0"/>
               </a:spcBef>
@@ -5988,9 +8279,11 @@
       <p:sp>
         <p:nvSpPr>
           <p:cNvPr id="55" name="Shape 55"/>
-          <p:cNvSpPr txBox="1"/>
+          <p:cNvSpPr txBox="1">
+            <a:spLocks noGrp="1"/>
+          </p:cNvSpPr>
           <p:nvPr>
-            <p:ph idx="1" type="subTitle"/>
+            <p:ph type="subTitle" idx="1"/>
           </p:nvPr>
         </p:nvSpPr>
         <p:spPr>
@@ -6003,12 +8296,12 @@
           </a:prstGeom>
         </p:spPr>
         <p:txBody>
-          <a:bodyPr anchorCtr="0" anchor="t" bIns="91425" lIns="91425" spcFirstLastPara="1" rIns="91425" wrap="square" tIns="91425">
+          <a:bodyPr spcFirstLastPara="1" wrap="square" lIns="91425" tIns="91425" rIns="91425" bIns="91425" anchor="t" anchorCtr="0">
             <a:noAutofit/>
           </a:bodyPr>
           <a:lstStyle/>
           <a:p>
-            <a:pPr indent="0" lvl="0" marL="0" rtl="0">
+            <a:pPr marL="0" lvl="0" indent="0" rtl="0">
               <a:spcBef>
                 <a:spcPts val="0"/>
               </a:spcBef>
@@ -6045,12 +8338,12 @@
           </a:ln>
         </p:spPr>
         <p:txBody>
-          <a:bodyPr anchorCtr="0" anchor="t" bIns="91425" lIns="91425" spcFirstLastPara="1" rIns="91425" wrap="square" tIns="91425">
+          <a:bodyPr spcFirstLastPara="1" wrap="square" lIns="91425" tIns="91425" rIns="91425" bIns="91425" anchor="t" anchorCtr="0">
             <a:noAutofit/>
           </a:bodyPr>
           <a:lstStyle/>
           <a:p>
-            <a:pPr indent="0" lvl="0" marL="0">
+            <a:pPr marL="0" lvl="0" indent="0">
               <a:spcBef>
                 <a:spcPts val="0"/>
               </a:spcBef>
@@ -6091,12 +8384,12 @@
 </p:sld>
 </file>
 
-<file path=ppt/slides/slide2.xml><?xml version="1.0" encoding="utf-8"?>
-<p:sld xmlns:a="http://schemas.openxmlformats.org/drawingml/2006/main" xmlns:r="http://schemas.openxmlformats.org/officeDocument/2006/relationships" xmlns:mc="http://schemas.openxmlformats.org/markup-compatibility/2006" xmlns:mv="urn:schemas-microsoft-com:mac:vml" xmlns:p="http://schemas.openxmlformats.org/presentationml/2006/main" xmlns:c="http://schemas.openxmlformats.org/drawingml/2006/chart" xmlns:dgm="http://schemas.openxmlformats.org/drawingml/2006/diagram" xmlns:o="urn:schemas-microsoft-com:office:office" xmlns:v="urn:schemas-microsoft-com:vml" xmlns:pvml="urn:schemas-microsoft-com:office:powerpoint" xmlns:com="http://schemas.openxmlformats.org/drawingml/2006/compatibility" xmlns:p14="http://schemas.microsoft.com/office/powerpoint/2010/main" xmlns:p15="http://schemas.microsoft.com/office/powerpoint/2012/main">
+<file path=ppt/slides/slide6.xml><?xml version="1.0" encoding="utf-8"?>
+<p:sld xmlns:a="http://schemas.openxmlformats.org/drawingml/2006/main" xmlns:r="http://schemas.openxmlformats.org/officeDocument/2006/relationships" xmlns:p="http://schemas.openxmlformats.org/presentationml/2006/main">
   <p:cSld>
     <p:spTree>
       <p:nvGrpSpPr>
-        <p:cNvPr id="60" name="Shape 60"/>
+        <p:cNvPr id="1" name="Shape 60"/>
         <p:cNvGrpSpPr/>
         <p:nvPr/>
       </p:nvGrpSpPr>
@@ -6111,7 +8404,9 @@
       <p:sp>
         <p:nvSpPr>
           <p:cNvPr id="61" name="Shape 61"/>
-          <p:cNvSpPr txBox="1"/>
+          <p:cNvSpPr txBox="1">
+            <a:spLocks noGrp="1"/>
+          </p:cNvSpPr>
           <p:nvPr>
             <p:ph type="title"/>
           </p:nvPr>
@@ -6126,12 +8421,12 @@
           </a:prstGeom>
         </p:spPr>
         <p:txBody>
-          <a:bodyPr anchorCtr="0" anchor="t" bIns="91425" lIns="91425" spcFirstLastPara="1" rIns="91425" wrap="square" tIns="91425">
+          <a:bodyPr spcFirstLastPara="1" wrap="square" lIns="91425" tIns="91425" rIns="91425" bIns="91425" anchor="t" anchorCtr="0">
             <a:noAutofit/>
           </a:bodyPr>
           <a:lstStyle/>
           <a:p>
-            <a:pPr indent="0" lvl="0" marL="0" rtl="0">
+            <a:pPr marL="0" lvl="0" indent="0" rtl="0">
               <a:spcBef>
                 <a:spcPts val="0"/>
               </a:spcBef>
@@ -6168,12 +8463,12 @@
           </a:ln>
         </p:spPr>
         <p:txBody>
-          <a:bodyPr anchorCtr="0" anchor="t" bIns="91425" lIns="91425" spcFirstLastPara="1" rIns="91425" wrap="square" tIns="91425">
+          <a:bodyPr spcFirstLastPara="1" wrap="square" lIns="91425" tIns="91425" rIns="91425" bIns="91425" anchor="t" anchorCtr="0">
             <a:noAutofit/>
           </a:bodyPr>
           <a:lstStyle/>
           <a:p>
-            <a:pPr indent="-381000" lvl="0" marL="457200" rtl="0">
+            <a:pPr marL="457200" lvl="0" indent="-381000" rtl="0">
               <a:lnSpc>
                 <a:spcPct val="115000"/>
               </a:lnSpc>
@@ -6204,7 +8499,7 @@
             </a:endParaRPr>
           </a:p>
           <a:p>
-            <a:pPr indent="-381000" lvl="1" marL="914400" rtl="0">
+            <a:pPr marL="914400" lvl="1" indent="-381000" rtl="0">
               <a:lnSpc>
                 <a:spcPct val="115000"/>
               </a:lnSpc>
@@ -6235,7 +8530,7 @@
             </a:endParaRPr>
           </a:p>
           <a:p>
-            <a:pPr indent="-381000" lvl="1" marL="914400" rtl="0">
+            <a:pPr marL="914400" lvl="1" indent="-381000" rtl="0">
               <a:lnSpc>
                 <a:spcPct val="115000"/>
               </a:lnSpc>
@@ -6266,7 +8561,7 @@
             </a:endParaRPr>
           </a:p>
           <a:p>
-            <a:pPr indent="-381000" lvl="0" marL="457200" rtl="0">
+            <a:pPr marL="457200" lvl="0" indent="-381000" rtl="0">
               <a:lnSpc>
                 <a:spcPct val="115000"/>
               </a:lnSpc>
@@ -6297,7 +8592,7 @@
             </a:endParaRPr>
           </a:p>
           <a:p>
-            <a:pPr indent="-381000" lvl="1" marL="914400" rtl="0">
+            <a:pPr marL="914400" lvl="1" indent="-381000" rtl="0">
               <a:lnSpc>
                 <a:spcPct val="115000"/>
               </a:lnSpc>
@@ -6328,7 +8623,7 @@
             </a:endParaRPr>
           </a:p>
           <a:p>
-            <a:pPr indent="-381000" lvl="1" marL="914400" rtl="0">
+            <a:pPr marL="914400" lvl="1" indent="-381000" rtl="0">
               <a:lnSpc>
                 <a:spcPct val="115000"/>
               </a:lnSpc>
@@ -6368,32 +8663,32 @@
   <p:timing>
     <p:tnLst>
       <p:par>
-        <p:cTn dur="indefinite" nodeType="tmRoot" restart="never">
+        <p:cTn id="1" dur="indefinite" restart="never" nodeType="tmRoot">
           <p:childTnLst>
             <p:seq concurrent="1" nextAc="seek">
-              <p:cTn dur="indefinite" id="2" nodeType="mainSeq">
+              <p:cTn id="2" dur="indefinite" nodeType="mainSeq">
                 <p:childTnLst>
                   <p:par>
-                    <p:cTn fill="hold">
+                    <p:cTn id="3" fill="hold">
                       <p:stCondLst>
                         <p:cond delay="indefinite"/>
                       </p:stCondLst>
                       <p:childTnLst>
                         <p:par>
-                          <p:cTn fill="hold">
+                          <p:cTn id="4" fill="hold">
                             <p:stCondLst>
                               <p:cond delay="0"/>
                             </p:stCondLst>
                             <p:childTnLst>
                               <p:par>
-                                <p:cTn fill="hold" nodeType="clickEffect" presetClass="entr" presetID="10" presetSubtype="0">
+                                <p:cTn id="5" presetID="10" presetClass="entr" presetSubtype="0" fill="hold" nodeType="clickEffect">
                                   <p:stCondLst>
                                     <p:cond delay="0"/>
                                   </p:stCondLst>
                                   <p:childTnLst>
                                     <p:set>
                                       <p:cBhvr>
-                                        <p:cTn dur="1" fill="hold">
+                                        <p:cTn id="6" dur="1" fill="hold">
                                           <p:stCondLst>
                                             <p:cond delay="0"/>
                                           </p:stCondLst>
@@ -6401,7 +8696,7 @@
                                         <p:tgtEl>
                                           <p:spTgt spid="62">
                                             <p:txEl>
-                                              <p:pRg end="0" st="0"/>
+                                              <p:pRg st="0" end="0"/>
                                             </p:txEl>
                                           </p:spTgt>
                                         </p:tgtEl>
@@ -6413,13 +8708,13 @@
                                         <p:strVal val="visible"/>
                                       </p:to>
                                     </p:set>
-                                    <p:animEffect filter="fade" transition="in">
+                                    <p:animEffect transition="in" filter="fade">
                                       <p:cBhvr>
-                                        <p:cTn dur="1000"/>
+                                        <p:cTn id="7" dur="1000"/>
                                         <p:tgtEl>
                                           <p:spTgt spid="62">
                                             <p:txEl>
-                                              <p:pRg end="0" st="0"/>
+                                              <p:pRg st="0" end="0"/>
                                             </p:txEl>
                                           </p:spTgt>
                                         </p:tgtEl>
@@ -6435,26 +8730,26 @@
                     </p:cTn>
                   </p:par>
                   <p:par>
-                    <p:cTn fill="hold">
+                    <p:cTn id="8" fill="hold">
                       <p:stCondLst>
                         <p:cond delay="indefinite"/>
                       </p:stCondLst>
                       <p:childTnLst>
                         <p:par>
-                          <p:cTn fill="hold">
+                          <p:cTn id="9" fill="hold">
                             <p:stCondLst>
                               <p:cond delay="0"/>
                             </p:stCondLst>
                             <p:childTnLst>
                               <p:par>
-                                <p:cTn fill="hold" nodeType="clickEffect" presetClass="entr" presetID="10" presetSubtype="0">
+                                <p:cTn id="10" presetID="10" presetClass="entr" presetSubtype="0" fill="hold" nodeType="clickEffect">
                                   <p:stCondLst>
                                     <p:cond delay="0"/>
                                   </p:stCondLst>
                                   <p:childTnLst>
                                     <p:set>
                                       <p:cBhvr>
-                                        <p:cTn dur="1" fill="hold">
+                                        <p:cTn id="11" dur="1" fill="hold">
                                           <p:stCondLst>
                                             <p:cond delay="0"/>
                                           </p:stCondLst>
@@ -6462,7 +8757,7 @@
                                         <p:tgtEl>
                                           <p:spTgt spid="62">
                                             <p:txEl>
-                                              <p:pRg end="1" st="1"/>
+                                              <p:pRg st="1" end="1"/>
                                             </p:txEl>
                                           </p:spTgt>
                                         </p:tgtEl>
@@ -6474,13 +8769,13 @@
                                         <p:strVal val="visible"/>
                                       </p:to>
                                     </p:set>
-                                    <p:animEffect filter="fade" transition="in">
+                                    <p:animEffect transition="in" filter="fade">
                                       <p:cBhvr>
-                                        <p:cTn dur="1000"/>
+                                        <p:cTn id="12" dur="1000"/>
                                         <p:tgtEl>
                                           <p:spTgt spid="62">
                                             <p:txEl>
-                                              <p:pRg end="1" st="1"/>
+                                              <p:pRg st="1" end="1"/>
                                             </p:txEl>
                                           </p:spTgt>
                                         </p:tgtEl>
@@ -6496,26 +8791,26 @@
                     </p:cTn>
                   </p:par>
                   <p:par>
-                    <p:cTn fill="hold">
+                    <p:cTn id="13" fill="hold">
                       <p:stCondLst>
                         <p:cond delay="indefinite"/>
                       </p:stCondLst>
                       <p:childTnLst>
                         <p:par>
-                          <p:cTn fill="hold">
+                          <p:cTn id="14" fill="hold">
                             <p:stCondLst>
                               <p:cond delay="0"/>
                             </p:stCondLst>
                             <p:childTnLst>
                               <p:par>
-                                <p:cTn fill="hold" nodeType="clickEffect" presetClass="entr" presetID="10" presetSubtype="0">
+                                <p:cTn id="15" presetID="10" presetClass="entr" presetSubtype="0" fill="hold" nodeType="clickEffect">
                                   <p:stCondLst>
                                     <p:cond delay="0"/>
                                   </p:stCondLst>
                                   <p:childTnLst>
                                     <p:set>
                                       <p:cBhvr>
-                                        <p:cTn dur="1" fill="hold">
+                                        <p:cTn id="16" dur="1" fill="hold">
                                           <p:stCondLst>
                                             <p:cond delay="0"/>
                                           </p:stCondLst>
@@ -6523,7 +8818,7 @@
                                         <p:tgtEl>
                                           <p:spTgt spid="62">
                                             <p:txEl>
-                                              <p:pRg end="2" st="2"/>
+                                              <p:pRg st="2" end="2"/>
                                             </p:txEl>
                                           </p:spTgt>
                                         </p:tgtEl>
@@ -6535,13 +8830,13 @@
                                         <p:strVal val="visible"/>
                                       </p:to>
                                     </p:set>
-                                    <p:animEffect filter="fade" transition="in">
+                                    <p:animEffect transition="in" filter="fade">
                                       <p:cBhvr>
-                                        <p:cTn dur="1000"/>
+                                        <p:cTn id="17" dur="1000"/>
                                         <p:tgtEl>
                                           <p:spTgt spid="62">
                                             <p:txEl>
-                                              <p:pRg end="2" st="2"/>
+                                              <p:pRg st="2" end="2"/>
                                             </p:txEl>
                                           </p:spTgt>
                                         </p:tgtEl>
@@ -6557,26 +8852,26 @@
                     </p:cTn>
                   </p:par>
                   <p:par>
-                    <p:cTn fill="hold">
+                    <p:cTn id="18" fill="hold">
                       <p:stCondLst>
                         <p:cond delay="indefinite"/>
                       </p:stCondLst>
                       <p:childTnLst>
                         <p:par>
-                          <p:cTn fill="hold">
+                          <p:cTn id="19" fill="hold">
                             <p:stCondLst>
                               <p:cond delay="0"/>
                             </p:stCondLst>
                             <p:childTnLst>
                               <p:par>
-                                <p:cTn fill="hold" nodeType="clickEffect" presetClass="entr" presetID="10" presetSubtype="0">
+                                <p:cTn id="20" presetID="10" presetClass="entr" presetSubtype="0" fill="hold" nodeType="clickEffect">
                                   <p:stCondLst>
                                     <p:cond delay="0"/>
                                   </p:stCondLst>
                                   <p:childTnLst>
                                     <p:set>
                                       <p:cBhvr>
-                                        <p:cTn dur="1" fill="hold">
+                                        <p:cTn id="21" dur="1" fill="hold">
                                           <p:stCondLst>
                                             <p:cond delay="0"/>
                                           </p:stCondLst>
@@ -6584,7 +8879,7 @@
                                         <p:tgtEl>
                                           <p:spTgt spid="62">
                                             <p:txEl>
-                                              <p:pRg end="3" st="3"/>
+                                              <p:pRg st="3" end="3"/>
                                             </p:txEl>
                                           </p:spTgt>
                                         </p:tgtEl>
@@ -6596,13 +8891,13 @@
                                         <p:strVal val="visible"/>
                                       </p:to>
                                     </p:set>
-                                    <p:animEffect filter="fade" transition="in">
+                                    <p:animEffect transition="in" filter="fade">
                                       <p:cBhvr>
-                                        <p:cTn dur="1000"/>
+                                        <p:cTn id="22" dur="1000"/>
                                         <p:tgtEl>
                                           <p:spTgt spid="62">
                                             <p:txEl>
-                                              <p:pRg end="3" st="3"/>
+                                              <p:pRg st="3" end="3"/>
                                             </p:txEl>
                                           </p:spTgt>
                                         </p:tgtEl>
@@ -6618,26 +8913,26 @@
                     </p:cTn>
                   </p:par>
                   <p:par>
-                    <p:cTn fill="hold">
+                    <p:cTn id="23" fill="hold">
                       <p:stCondLst>
                         <p:cond delay="indefinite"/>
                       </p:stCondLst>
                       <p:childTnLst>
                         <p:par>
-                          <p:cTn fill="hold">
+                          <p:cTn id="24" fill="hold">
                             <p:stCondLst>
                               <p:cond delay="0"/>
                             </p:stCondLst>
                             <p:childTnLst>
                               <p:par>
-                                <p:cTn fill="hold" nodeType="clickEffect" presetClass="entr" presetID="10" presetSubtype="0">
+                                <p:cTn id="25" presetID="10" presetClass="entr" presetSubtype="0" fill="hold" nodeType="clickEffect">
                                   <p:stCondLst>
                                     <p:cond delay="0"/>
                                   </p:stCondLst>
                                   <p:childTnLst>
                                     <p:set>
                                       <p:cBhvr>
-                                        <p:cTn dur="1" fill="hold">
+                                        <p:cTn id="26" dur="1" fill="hold">
                                           <p:stCondLst>
                                             <p:cond delay="0"/>
                                           </p:stCondLst>
@@ -6645,7 +8940,7 @@
                                         <p:tgtEl>
                                           <p:spTgt spid="62">
                                             <p:txEl>
-                                              <p:pRg end="4" st="4"/>
+                                              <p:pRg st="4" end="4"/>
                                             </p:txEl>
                                           </p:spTgt>
                                         </p:tgtEl>
@@ -6657,13 +8952,13 @@
                                         <p:strVal val="visible"/>
                                       </p:to>
                                     </p:set>
-                                    <p:animEffect filter="fade" transition="in">
+                                    <p:animEffect transition="in" filter="fade">
                                       <p:cBhvr>
-                                        <p:cTn dur="1000"/>
+                                        <p:cTn id="27" dur="1000"/>
                                         <p:tgtEl>
                                           <p:spTgt spid="62">
                                             <p:txEl>
-                                              <p:pRg end="4" st="4"/>
+                                              <p:pRg st="4" end="4"/>
                                             </p:txEl>
                                           </p:spTgt>
                                         </p:tgtEl>
@@ -6679,26 +8974,26 @@
                     </p:cTn>
                   </p:par>
                   <p:par>
-                    <p:cTn fill="hold">
+                    <p:cTn id="28" fill="hold">
                       <p:stCondLst>
                         <p:cond delay="indefinite"/>
                       </p:stCondLst>
                       <p:childTnLst>
                         <p:par>
-                          <p:cTn fill="hold">
+                          <p:cTn id="29" fill="hold">
                             <p:stCondLst>
                               <p:cond delay="0"/>
                             </p:stCondLst>
                             <p:childTnLst>
                               <p:par>
-                                <p:cTn fill="hold" nodeType="clickEffect" presetClass="entr" presetID="10" presetSubtype="0">
+                                <p:cTn id="30" presetID="10" presetClass="entr" presetSubtype="0" fill="hold" nodeType="clickEffect">
                                   <p:stCondLst>
                                     <p:cond delay="0"/>
                                   </p:stCondLst>
                                   <p:childTnLst>
                                     <p:set>
                                       <p:cBhvr>
-                                        <p:cTn dur="1" fill="hold">
+                                        <p:cTn id="31" dur="1" fill="hold">
                                           <p:stCondLst>
                                             <p:cond delay="0"/>
                                           </p:stCondLst>
@@ -6706,7 +9001,7 @@
                                         <p:tgtEl>
                                           <p:spTgt spid="62">
                                             <p:txEl>
-                                              <p:pRg end="5" st="5"/>
+                                              <p:pRg st="5" end="5"/>
                                             </p:txEl>
                                           </p:spTgt>
                                         </p:tgtEl>
@@ -6718,13 +9013,13 @@
                                         <p:strVal val="visible"/>
                                       </p:to>
                                     </p:set>
-                                    <p:animEffect filter="fade" transition="in">
+                                    <p:animEffect transition="in" filter="fade">
                                       <p:cBhvr>
-                                        <p:cTn dur="1000"/>
+                                        <p:cTn id="32" dur="1000"/>
                                         <p:tgtEl>
                                           <p:spTgt spid="62">
                                             <p:txEl>
-                                              <p:pRg end="5" st="5"/>
+                                              <p:pRg st="5" end="5"/>
                                             </p:txEl>
                                           </p:spTgt>
                                         </p:tgtEl>
@@ -6742,14 +9037,14 @@
                 </p:childTnLst>
               </p:cTn>
               <p:prevCondLst>
-                <p:cond evt="onPrev">
+                <p:cond evt="onPrev" delay="0">
                   <p:tgtEl>
                     <p:sldTgt/>
                   </p:tgtEl>
                 </p:cond>
               </p:prevCondLst>
               <p:nextCondLst>
-                <p:cond evt="onNext">
+                <p:cond evt="onNext" delay="0">
                   <p:tgtEl>
                     <p:sldTgt/>
                   </p:tgtEl>
@@ -6764,12 +9059,12 @@
 </p:sld>
 </file>
 
-<file path=ppt/slides/slide3.xml><?xml version="1.0" encoding="utf-8"?>
-<p:sld xmlns:a="http://schemas.openxmlformats.org/drawingml/2006/main" xmlns:r="http://schemas.openxmlformats.org/officeDocument/2006/relationships" xmlns:mc="http://schemas.openxmlformats.org/markup-compatibility/2006" xmlns:mv="urn:schemas-microsoft-com:mac:vml" xmlns:p="http://schemas.openxmlformats.org/presentationml/2006/main" xmlns:c="http://schemas.openxmlformats.org/drawingml/2006/chart" xmlns:dgm="http://schemas.openxmlformats.org/drawingml/2006/diagram" xmlns:o="urn:schemas-microsoft-com:office:office" xmlns:v="urn:schemas-microsoft-com:vml" xmlns:pvml="urn:schemas-microsoft-com:office:powerpoint" xmlns:com="http://schemas.openxmlformats.org/drawingml/2006/compatibility" xmlns:p14="http://schemas.microsoft.com/office/powerpoint/2010/main" xmlns:p15="http://schemas.microsoft.com/office/powerpoint/2012/main">
+<file path=ppt/slides/slide7.xml><?xml version="1.0" encoding="utf-8"?>
+<p:sld xmlns:a="http://schemas.openxmlformats.org/drawingml/2006/main" xmlns:r="http://schemas.openxmlformats.org/officeDocument/2006/relationships" xmlns:p="http://schemas.openxmlformats.org/presentationml/2006/main">
   <p:cSld>
     <p:spTree>
       <p:nvGrpSpPr>
-        <p:cNvPr id="66" name="Shape 66"/>
+        <p:cNvPr id="1" name="Shape 66"/>
         <p:cNvGrpSpPr/>
         <p:nvPr/>
       </p:nvGrpSpPr>
@@ -6784,7 +9079,9 @@
       <p:sp>
         <p:nvSpPr>
           <p:cNvPr id="67" name="Shape 67"/>
-          <p:cNvSpPr txBox="1"/>
+          <p:cNvSpPr txBox="1">
+            <a:spLocks noGrp="1"/>
+          </p:cNvSpPr>
           <p:nvPr>
             <p:ph type="title"/>
           </p:nvPr>
@@ -6799,12 +9096,12 @@
           </a:prstGeom>
         </p:spPr>
         <p:txBody>
-          <a:bodyPr anchorCtr="0" anchor="t" bIns="91425" lIns="91425" spcFirstLastPara="1" rIns="91425" wrap="square" tIns="91425">
+          <a:bodyPr spcFirstLastPara="1" wrap="square" lIns="91425" tIns="91425" rIns="91425" bIns="91425" anchor="t" anchorCtr="0">
             <a:noAutofit/>
           </a:bodyPr>
           <a:lstStyle/>
           <a:p>
-            <a:pPr indent="0" lvl="0" marL="0" rtl="0">
+            <a:pPr marL="0" lvl="0" indent="0" rtl="0">
               <a:spcBef>
                 <a:spcPts val="0"/>
               </a:spcBef>
@@ -6841,12 +9138,12 @@
           </a:ln>
         </p:spPr>
         <p:txBody>
-          <a:bodyPr anchorCtr="0" anchor="t" bIns="91425" lIns="91425" spcFirstLastPara="1" rIns="91425" wrap="square" tIns="91425">
+          <a:bodyPr spcFirstLastPara="1" wrap="square" lIns="91425" tIns="91425" rIns="91425" bIns="91425" anchor="t" anchorCtr="0">
             <a:noAutofit/>
           </a:bodyPr>
           <a:lstStyle/>
           <a:p>
-            <a:pPr indent="-381000" lvl="0" marL="457200" rtl="0">
+            <a:pPr marL="457200" lvl="0" indent="-381000" rtl="0">
               <a:lnSpc>
                 <a:spcPct val="115000"/>
               </a:lnSpc>
@@ -6863,21 +9160,21 @@
               <a:buChar char="●"/>
             </a:pPr>
             <a:r>
-              <a:rPr lang="en" sz="2400">
+              <a:rPr lang="en" sz="2400" dirty="0">
                 <a:solidFill>
                   <a:srgbClr val="FFFFFF"/>
                 </a:solidFill>
               </a:rPr>
               <a:t>Cookies</a:t>
             </a:r>
-            <a:endParaRPr sz="2400">
+            <a:endParaRPr sz="2400" dirty="0">
               <a:solidFill>
                 <a:srgbClr val="FFFFFF"/>
               </a:solidFill>
             </a:endParaRPr>
           </a:p>
           <a:p>
-            <a:pPr indent="-381000" lvl="1" marL="914400" rtl="0">
+            <a:pPr marL="914400" lvl="1" indent="-381000" rtl="0">
               <a:lnSpc>
                 <a:spcPct val="115000"/>
               </a:lnSpc>
@@ -6894,21 +9191,21 @@
               <a:buChar char="○"/>
             </a:pPr>
             <a:r>
-              <a:rPr lang="en" sz="2400">
+              <a:rPr lang="en" sz="2400" dirty="0">
                 <a:solidFill>
                   <a:srgbClr val="FFFFFF"/>
                 </a:solidFill>
               </a:rPr>
               <a:t>Browser includes them in each request</a:t>
             </a:r>
-            <a:endParaRPr sz="2400">
+            <a:endParaRPr sz="2400" dirty="0">
               <a:solidFill>
                 <a:srgbClr val="FFFFFF"/>
               </a:solidFill>
             </a:endParaRPr>
           </a:p>
           <a:p>
-            <a:pPr indent="-381000" lvl="2" marL="1371600" rtl="0">
+            <a:pPr marL="1371600" lvl="2" indent="-381000" rtl="0">
               <a:lnSpc>
                 <a:spcPct val="115000"/>
               </a:lnSpc>
@@ -6925,21 +9222,21 @@
               <a:buChar char="■"/>
             </a:pPr>
             <a:r>
-              <a:rPr lang="en" sz="2400">
+              <a:rPr lang="en" sz="2400" dirty="0">
                 <a:solidFill>
                   <a:srgbClr val="FFFFFF"/>
                 </a:solidFill>
               </a:rPr>
               <a:t>Check your network tab in dev tools</a:t>
             </a:r>
-            <a:endParaRPr sz="2400">
+            <a:endParaRPr sz="2400" dirty="0">
               <a:solidFill>
                 <a:srgbClr val="FFFFFF"/>
               </a:solidFill>
             </a:endParaRPr>
           </a:p>
           <a:p>
-            <a:pPr indent="-381000" lvl="1" marL="914400" rtl="0">
+            <a:pPr marL="914400" lvl="1" indent="-381000" rtl="0">
               <a:lnSpc>
                 <a:spcPct val="115000"/>
               </a:lnSpc>
@@ -6956,107 +9253,14 @@
               <a:buChar char="○"/>
             </a:pPr>
             <a:r>
-              <a:rPr lang="en" sz="2400">
+              <a:rPr lang="en" sz="2400" dirty="0">
                 <a:solidFill>
                   <a:srgbClr val="FFFFFF"/>
                 </a:solidFill>
               </a:rPr>
               <a:t>Sent back to browser on each response</a:t>
             </a:r>
-            <a:endParaRPr sz="2400">
-              <a:solidFill>
-                <a:srgbClr val="FFFFFF"/>
-              </a:solidFill>
-            </a:endParaRPr>
-          </a:p>
-          <a:p>
-            <a:pPr indent="-381000" lvl="0" marL="457200" rtl="0">
-              <a:lnSpc>
-                <a:spcPct val="115000"/>
-              </a:lnSpc>
-              <a:spcBef>
-                <a:spcPts val="0"/>
-              </a:spcBef>
-              <a:spcAft>
-                <a:spcPts val="0"/>
-              </a:spcAft>
-              <a:buClr>
-                <a:srgbClr val="FFFFFF"/>
-              </a:buClr>
-              <a:buSzPts val="2400"/>
-              <a:buChar char="●"/>
-            </a:pPr>
-            <a:r>
-              <a:rPr lang="en" sz="2400">
-                <a:solidFill>
-                  <a:srgbClr val="FFFFFF"/>
-                </a:solidFill>
-              </a:rPr>
-              <a:t>Local Storage</a:t>
-            </a:r>
-            <a:endParaRPr sz="2400">
-              <a:solidFill>
-                <a:srgbClr val="FFFFFF"/>
-              </a:solidFill>
-            </a:endParaRPr>
-          </a:p>
-          <a:p>
-            <a:pPr indent="-381000" lvl="1" marL="914400" rtl="0">
-              <a:lnSpc>
-                <a:spcPct val="115000"/>
-              </a:lnSpc>
-              <a:spcBef>
-                <a:spcPts val="0"/>
-              </a:spcBef>
-              <a:spcAft>
-                <a:spcPts val="0"/>
-              </a:spcAft>
-              <a:buClr>
-                <a:srgbClr val="FFFFFF"/>
-              </a:buClr>
-              <a:buSzPts val="2400"/>
-              <a:buChar char="○"/>
-            </a:pPr>
-            <a:r>
-              <a:rPr lang="en" sz="2400">
-                <a:solidFill>
-                  <a:srgbClr val="FFFFFF"/>
-                </a:solidFill>
-              </a:rPr>
-              <a:t>Can be accessed via JavaScript</a:t>
-            </a:r>
-            <a:endParaRPr sz="2400">
-              <a:solidFill>
-                <a:srgbClr val="FFFFFF"/>
-              </a:solidFill>
-            </a:endParaRPr>
-          </a:p>
-          <a:p>
-            <a:pPr indent="-381000" lvl="1" marL="914400" rtl="0">
-              <a:lnSpc>
-                <a:spcPct val="115000"/>
-              </a:lnSpc>
-              <a:spcBef>
-                <a:spcPts val="0"/>
-              </a:spcBef>
-              <a:spcAft>
-                <a:spcPts val="0"/>
-              </a:spcAft>
-              <a:buClr>
-                <a:srgbClr val="FFFFFF"/>
-              </a:buClr>
-              <a:buSzPts val="2400"/>
-              <a:buChar char="○"/>
-            </a:pPr>
-            <a:r>
-              <a:rPr lang="en" sz="2400">
-                <a:solidFill>
-                  <a:srgbClr val="FFFFFF"/>
-                </a:solidFill>
-              </a:rPr>
-              <a:t>We won’t be discussing this much for this class</a:t>
-            </a:r>
-            <a:endParaRPr sz="2400">
+            <a:endParaRPr sz="2400" dirty="0">
               <a:solidFill>
                 <a:srgbClr val="FFFFFF"/>
               </a:solidFill>
@@ -7072,32 +9276,32 @@
   <p:timing>
     <p:tnLst>
       <p:par>
-        <p:cTn dur="indefinite" nodeType="tmRoot" restart="never">
+        <p:cTn id="1" dur="indefinite" restart="never" nodeType="tmRoot">
           <p:childTnLst>
             <p:seq concurrent="1" nextAc="seek">
-              <p:cTn dur="indefinite" id="2" nodeType="mainSeq">
+              <p:cTn id="2" dur="indefinite" nodeType="mainSeq">
                 <p:childTnLst>
                   <p:par>
-                    <p:cTn fill="hold">
+                    <p:cTn id="3" fill="hold">
                       <p:stCondLst>
                         <p:cond delay="indefinite"/>
                       </p:stCondLst>
                       <p:childTnLst>
                         <p:par>
-                          <p:cTn fill="hold">
+                          <p:cTn id="4" fill="hold">
                             <p:stCondLst>
                               <p:cond delay="0"/>
                             </p:stCondLst>
                             <p:childTnLst>
                               <p:par>
-                                <p:cTn fill="hold" nodeType="clickEffect" presetClass="entr" presetID="10" presetSubtype="0">
+                                <p:cTn id="5" presetID="10" presetClass="entr" presetSubtype="0" fill="hold" nodeType="clickEffect">
                                   <p:stCondLst>
                                     <p:cond delay="0"/>
                                   </p:stCondLst>
                                   <p:childTnLst>
                                     <p:set>
                                       <p:cBhvr>
-                                        <p:cTn dur="1" fill="hold">
+                                        <p:cTn id="6" dur="1" fill="hold">
                                           <p:stCondLst>
                                             <p:cond delay="0"/>
                                           </p:stCondLst>
@@ -7105,7 +9309,7 @@
                                         <p:tgtEl>
                                           <p:spTgt spid="68">
                                             <p:txEl>
-                                              <p:pRg end="0" st="0"/>
+                                              <p:pRg st="0" end="0"/>
                                             </p:txEl>
                                           </p:spTgt>
                                         </p:tgtEl>
@@ -7117,13 +9321,13 @@
                                         <p:strVal val="visible"/>
                                       </p:to>
                                     </p:set>
-                                    <p:animEffect filter="fade" transition="in">
+                                    <p:animEffect transition="in" filter="fade">
                                       <p:cBhvr>
-                                        <p:cTn dur="1000"/>
+                                        <p:cTn id="7" dur="1000"/>
                                         <p:tgtEl>
                                           <p:spTgt spid="68">
                                             <p:txEl>
-                                              <p:pRg end="0" st="0"/>
+                                              <p:pRg st="0" end="0"/>
                                             </p:txEl>
                                           </p:spTgt>
                                         </p:tgtEl>
@@ -7139,26 +9343,26 @@
                     </p:cTn>
                   </p:par>
                   <p:par>
-                    <p:cTn fill="hold">
+                    <p:cTn id="8" fill="hold">
                       <p:stCondLst>
                         <p:cond delay="indefinite"/>
                       </p:stCondLst>
                       <p:childTnLst>
                         <p:par>
-                          <p:cTn fill="hold">
+                          <p:cTn id="9" fill="hold">
                             <p:stCondLst>
                               <p:cond delay="0"/>
                             </p:stCondLst>
                             <p:childTnLst>
                               <p:par>
-                                <p:cTn fill="hold" nodeType="clickEffect" presetClass="entr" presetID="10" presetSubtype="0">
+                                <p:cTn id="10" presetID="10" presetClass="entr" presetSubtype="0" fill="hold" nodeType="clickEffect">
                                   <p:stCondLst>
                                     <p:cond delay="0"/>
                                   </p:stCondLst>
                                   <p:childTnLst>
                                     <p:set>
                                       <p:cBhvr>
-                                        <p:cTn dur="1" fill="hold">
+                                        <p:cTn id="11" dur="1" fill="hold">
                                           <p:stCondLst>
                                             <p:cond delay="0"/>
                                           </p:stCondLst>
@@ -7166,7 +9370,7 @@
                                         <p:tgtEl>
                                           <p:spTgt spid="68">
                                             <p:txEl>
-                                              <p:pRg end="1" st="1"/>
+                                              <p:pRg st="1" end="1"/>
                                             </p:txEl>
                                           </p:spTgt>
                                         </p:tgtEl>
@@ -7178,13 +9382,13 @@
                                         <p:strVal val="visible"/>
                                       </p:to>
                                     </p:set>
-                                    <p:animEffect filter="fade" transition="in">
+                                    <p:animEffect transition="in" filter="fade">
                                       <p:cBhvr>
-                                        <p:cTn dur="1000"/>
+                                        <p:cTn id="12" dur="1000"/>
                                         <p:tgtEl>
                                           <p:spTgt spid="68">
                                             <p:txEl>
-                                              <p:pRg end="1" st="1"/>
+                                              <p:pRg st="1" end="1"/>
                                             </p:txEl>
                                           </p:spTgt>
                                         </p:tgtEl>
@@ -7200,26 +9404,26 @@
                     </p:cTn>
                   </p:par>
                   <p:par>
-                    <p:cTn fill="hold">
+                    <p:cTn id="13" fill="hold">
                       <p:stCondLst>
                         <p:cond delay="indefinite"/>
                       </p:stCondLst>
                       <p:childTnLst>
                         <p:par>
-                          <p:cTn fill="hold">
+                          <p:cTn id="14" fill="hold">
                             <p:stCondLst>
                               <p:cond delay="0"/>
                             </p:stCondLst>
                             <p:childTnLst>
                               <p:par>
-                                <p:cTn fill="hold" nodeType="clickEffect" presetClass="entr" presetID="10" presetSubtype="0">
+                                <p:cTn id="15" presetID="10" presetClass="entr" presetSubtype="0" fill="hold" nodeType="clickEffect">
                                   <p:stCondLst>
                                     <p:cond delay="0"/>
                                   </p:stCondLst>
                                   <p:childTnLst>
                                     <p:set>
                                       <p:cBhvr>
-                                        <p:cTn dur="1" fill="hold">
+                                        <p:cTn id="16" dur="1" fill="hold">
                                           <p:stCondLst>
                                             <p:cond delay="0"/>
                                           </p:stCondLst>
@@ -7227,7 +9431,7 @@
                                         <p:tgtEl>
                                           <p:spTgt spid="68">
                                             <p:txEl>
-                                              <p:pRg end="2" st="2"/>
+                                              <p:pRg st="2" end="2"/>
                                             </p:txEl>
                                           </p:spTgt>
                                         </p:tgtEl>
@@ -7239,13 +9443,13 @@
                                         <p:strVal val="visible"/>
                                       </p:to>
                                     </p:set>
-                                    <p:animEffect filter="fade" transition="in">
+                                    <p:animEffect transition="in" filter="fade">
                                       <p:cBhvr>
-                                        <p:cTn dur="1000"/>
+                                        <p:cTn id="17" dur="1000"/>
                                         <p:tgtEl>
                                           <p:spTgt spid="68">
                                             <p:txEl>
-                                              <p:pRg end="2" st="2"/>
+                                              <p:pRg st="2" end="2"/>
                                             </p:txEl>
                                           </p:spTgt>
                                         </p:tgtEl>
@@ -7261,26 +9465,26 @@
                     </p:cTn>
                   </p:par>
                   <p:par>
-                    <p:cTn fill="hold">
+                    <p:cTn id="18" fill="hold">
                       <p:stCondLst>
                         <p:cond delay="indefinite"/>
                       </p:stCondLst>
                       <p:childTnLst>
                         <p:par>
-                          <p:cTn fill="hold">
+                          <p:cTn id="19" fill="hold">
                             <p:stCondLst>
                               <p:cond delay="0"/>
                             </p:stCondLst>
                             <p:childTnLst>
                               <p:par>
-                                <p:cTn fill="hold" nodeType="clickEffect" presetClass="entr" presetID="10" presetSubtype="0">
+                                <p:cTn id="20" presetID="10" presetClass="entr" presetSubtype="0" fill="hold" nodeType="clickEffect">
                                   <p:stCondLst>
                                     <p:cond delay="0"/>
                                   </p:stCondLst>
                                   <p:childTnLst>
                                     <p:set>
                                       <p:cBhvr>
-                                        <p:cTn dur="1" fill="hold">
+                                        <p:cTn id="21" dur="1" fill="hold">
                                           <p:stCondLst>
                                             <p:cond delay="0"/>
                                           </p:stCondLst>
@@ -7288,7 +9492,7 @@
                                         <p:tgtEl>
                                           <p:spTgt spid="68">
                                             <p:txEl>
-                                              <p:pRg end="3" st="3"/>
+                                              <p:pRg st="3" end="3"/>
                                             </p:txEl>
                                           </p:spTgt>
                                         </p:tgtEl>
@@ -7300,196 +9504,13 @@
                                         <p:strVal val="visible"/>
                                       </p:to>
                                     </p:set>
-                                    <p:animEffect filter="fade" transition="in">
+                                    <p:animEffect transition="in" filter="fade">
                                       <p:cBhvr>
-                                        <p:cTn dur="1000"/>
+                                        <p:cTn id="22" dur="1000"/>
                                         <p:tgtEl>
                                           <p:spTgt spid="68">
                                             <p:txEl>
-                                              <p:pRg end="3" st="3"/>
-                                            </p:txEl>
-                                          </p:spTgt>
-                                        </p:tgtEl>
-                                      </p:cBhvr>
-                                    </p:animEffect>
-                                  </p:childTnLst>
-                                </p:cTn>
-                              </p:par>
-                            </p:childTnLst>
-                          </p:cTn>
-                        </p:par>
-                      </p:childTnLst>
-                    </p:cTn>
-                  </p:par>
-                  <p:par>
-                    <p:cTn fill="hold">
-                      <p:stCondLst>
-                        <p:cond delay="indefinite"/>
-                      </p:stCondLst>
-                      <p:childTnLst>
-                        <p:par>
-                          <p:cTn fill="hold">
-                            <p:stCondLst>
-                              <p:cond delay="0"/>
-                            </p:stCondLst>
-                            <p:childTnLst>
-                              <p:par>
-                                <p:cTn fill="hold" nodeType="clickEffect" presetClass="entr" presetID="10" presetSubtype="0">
-                                  <p:stCondLst>
-                                    <p:cond delay="0"/>
-                                  </p:stCondLst>
-                                  <p:childTnLst>
-                                    <p:set>
-                                      <p:cBhvr>
-                                        <p:cTn dur="1" fill="hold">
-                                          <p:stCondLst>
-                                            <p:cond delay="0"/>
-                                          </p:stCondLst>
-                                        </p:cTn>
-                                        <p:tgtEl>
-                                          <p:spTgt spid="68">
-                                            <p:txEl>
-                                              <p:pRg end="4" st="4"/>
-                                            </p:txEl>
-                                          </p:spTgt>
-                                        </p:tgtEl>
-                                        <p:attrNameLst>
-                                          <p:attrName>style.visibility</p:attrName>
-                                        </p:attrNameLst>
-                                      </p:cBhvr>
-                                      <p:to>
-                                        <p:strVal val="visible"/>
-                                      </p:to>
-                                    </p:set>
-                                    <p:animEffect filter="fade" transition="in">
-                                      <p:cBhvr>
-                                        <p:cTn dur="1000"/>
-                                        <p:tgtEl>
-                                          <p:spTgt spid="68">
-                                            <p:txEl>
-                                              <p:pRg end="4" st="4"/>
-                                            </p:txEl>
-                                          </p:spTgt>
-                                        </p:tgtEl>
-                                      </p:cBhvr>
-                                    </p:animEffect>
-                                  </p:childTnLst>
-                                </p:cTn>
-                              </p:par>
-                            </p:childTnLst>
-                          </p:cTn>
-                        </p:par>
-                      </p:childTnLst>
-                    </p:cTn>
-                  </p:par>
-                  <p:par>
-                    <p:cTn fill="hold">
-                      <p:stCondLst>
-                        <p:cond delay="indefinite"/>
-                      </p:stCondLst>
-                      <p:childTnLst>
-                        <p:par>
-                          <p:cTn fill="hold">
-                            <p:stCondLst>
-                              <p:cond delay="0"/>
-                            </p:stCondLst>
-                            <p:childTnLst>
-                              <p:par>
-                                <p:cTn fill="hold" nodeType="clickEffect" presetClass="entr" presetID="10" presetSubtype="0">
-                                  <p:stCondLst>
-                                    <p:cond delay="0"/>
-                                  </p:stCondLst>
-                                  <p:childTnLst>
-                                    <p:set>
-                                      <p:cBhvr>
-                                        <p:cTn dur="1" fill="hold">
-                                          <p:stCondLst>
-                                            <p:cond delay="0"/>
-                                          </p:stCondLst>
-                                        </p:cTn>
-                                        <p:tgtEl>
-                                          <p:spTgt spid="68">
-                                            <p:txEl>
-                                              <p:pRg end="5" st="5"/>
-                                            </p:txEl>
-                                          </p:spTgt>
-                                        </p:tgtEl>
-                                        <p:attrNameLst>
-                                          <p:attrName>style.visibility</p:attrName>
-                                        </p:attrNameLst>
-                                      </p:cBhvr>
-                                      <p:to>
-                                        <p:strVal val="visible"/>
-                                      </p:to>
-                                    </p:set>
-                                    <p:animEffect filter="fade" transition="in">
-                                      <p:cBhvr>
-                                        <p:cTn dur="1000"/>
-                                        <p:tgtEl>
-                                          <p:spTgt spid="68">
-                                            <p:txEl>
-                                              <p:pRg end="5" st="5"/>
-                                            </p:txEl>
-                                          </p:spTgt>
-                                        </p:tgtEl>
-                                      </p:cBhvr>
-                                    </p:animEffect>
-                                  </p:childTnLst>
-                                </p:cTn>
-                              </p:par>
-                            </p:childTnLst>
-                          </p:cTn>
-                        </p:par>
-                      </p:childTnLst>
-                    </p:cTn>
-                  </p:par>
-                  <p:par>
-                    <p:cTn fill="hold">
-                      <p:stCondLst>
-                        <p:cond delay="indefinite"/>
-                      </p:stCondLst>
-                      <p:childTnLst>
-                        <p:par>
-                          <p:cTn fill="hold">
-                            <p:stCondLst>
-                              <p:cond delay="0"/>
-                            </p:stCondLst>
-                            <p:childTnLst>
-                              <p:par>
-                                <p:cTn fill="hold" nodeType="clickEffect" presetClass="entr" presetID="10" presetSubtype="0">
-                                  <p:stCondLst>
-                                    <p:cond delay="0"/>
-                                  </p:stCondLst>
-                                  <p:childTnLst>
-                                    <p:set>
-                                      <p:cBhvr>
-                                        <p:cTn dur="1" fill="hold">
-                                          <p:stCondLst>
-                                            <p:cond delay="0"/>
-                                          </p:stCondLst>
-                                        </p:cTn>
-                                        <p:tgtEl>
-                                          <p:spTgt spid="68">
-                                            <p:txEl>
-                                              <p:pRg end="6" st="6"/>
-                                            </p:txEl>
-                                          </p:spTgt>
-                                        </p:tgtEl>
-                                        <p:attrNameLst>
-                                          <p:attrName>style.visibility</p:attrName>
-                                        </p:attrNameLst>
-                                      </p:cBhvr>
-                                      <p:to>
-                                        <p:strVal val="visible"/>
-                                      </p:to>
-                                    </p:set>
-                                    <p:animEffect filter="fade" transition="in">
-                                      <p:cBhvr>
-                                        <p:cTn dur="1000"/>
-                                        <p:tgtEl>
-                                          <p:spTgt spid="68">
-                                            <p:txEl>
-                                              <p:pRg end="6" st="6"/>
+                                              <p:pRg st="3" end="3"/>
                                             </p:txEl>
                                           </p:spTgt>
                                         </p:tgtEl>
@@ -7507,14 +9528,14 @@
                 </p:childTnLst>
               </p:cTn>
               <p:prevCondLst>
-                <p:cond evt="onPrev">
+                <p:cond evt="onPrev" delay="0">
                   <p:tgtEl>
                     <p:sldTgt/>
                   </p:tgtEl>
                 </p:cond>
               </p:prevCondLst>
               <p:nextCondLst>
-                <p:cond evt="onNext">
+                <p:cond evt="onNext" delay="0">
                   <p:tgtEl>
                     <p:sldTgt/>
                   </p:tgtEl>
@@ -7529,12 +9550,12 @@
 </p:sld>
 </file>
 
-<file path=ppt/slides/slide4.xml><?xml version="1.0" encoding="utf-8"?>
-<p:sld xmlns:a="http://schemas.openxmlformats.org/drawingml/2006/main" xmlns:r="http://schemas.openxmlformats.org/officeDocument/2006/relationships" xmlns:mc="http://schemas.openxmlformats.org/markup-compatibility/2006" xmlns:mv="urn:schemas-microsoft-com:mac:vml" xmlns:p="http://schemas.openxmlformats.org/presentationml/2006/main" xmlns:c="http://schemas.openxmlformats.org/drawingml/2006/chart" xmlns:dgm="http://schemas.openxmlformats.org/drawingml/2006/diagram" xmlns:o="urn:schemas-microsoft-com:office:office" xmlns:v="urn:schemas-microsoft-com:vml" xmlns:pvml="urn:schemas-microsoft-com:office:powerpoint" xmlns:com="http://schemas.openxmlformats.org/drawingml/2006/compatibility" xmlns:p14="http://schemas.microsoft.com/office/powerpoint/2010/main" xmlns:p15="http://schemas.microsoft.com/office/powerpoint/2012/main">
+<file path=ppt/slides/slide8.xml><?xml version="1.0" encoding="utf-8"?>
+<p:sld xmlns:a="http://schemas.openxmlformats.org/drawingml/2006/main" xmlns:r="http://schemas.openxmlformats.org/officeDocument/2006/relationships" xmlns:p="http://schemas.openxmlformats.org/presentationml/2006/main">
   <p:cSld>
     <p:spTree>
       <p:nvGrpSpPr>
-        <p:cNvPr id="72" name="Shape 72"/>
+        <p:cNvPr id="1" name="Shape 72"/>
         <p:cNvGrpSpPr/>
         <p:nvPr/>
       </p:nvGrpSpPr>
@@ -7549,7 +9570,9 @@
       <p:sp>
         <p:nvSpPr>
           <p:cNvPr id="73" name="Shape 73"/>
-          <p:cNvSpPr txBox="1"/>
+          <p:cNvSpPr txBox="1">
+            <a:spLocks noGrp="1"/>
+          </p:cNvSpPr>
           <p:nvPr>
             <p:ph type="title"/>
           </p:nvPr>
@@ -7564,12 +9587,12 @@
           </a:prstGeom>
         </p:spPr>
         <p:txBody>
-          <a:bodyPr anchorCtr="0" anchor="t" bIns="91425" lIns="91425" spcFirstLastPara="1" rIns="91425" wrap="square" tIns="91425">
+          <a:bodyPr spcFirstLastPara="1" wrap="square" lIns="91425" tIns="91425" rIns="91425" bIns="91425" anchor="t" anchorCtr="0">
             <a:noAutofit/>
           </a:bodyPr>
           <a:lstStyle/>
           <a:p>
-            <a:pPr indent="0" lvl="0" marL="0" rtl="0">
+            <a:pPr marL="0" lvl="0" indent="0" rtl="0">
               <a:spcBef>
                 <a:spcPts val="0"/>
               </a:spcBef>
@@ -7606,12 +9629,12 @@
           </a:ln>
         </p:spPr>
         <p:txBody>
-          <a:bodyPr anchorCtr="0" anchor="t" bIns="91425" lIns="91425" spcFirstLastPara="1" rIns="91425" wrap="square" tIns="91425">
+          <a:bodyPr spcFirstLastPara="1" wrap="square" lIns="91425" tIns="91425" rIns="91425" bIns="91425" anchor="t" anchorCtr="0">
             <a:noAutofit/>
           </a:bodyPr>
           <a:lstStyle/>
           <a:p>
-            <a:pPr indent="-381000" lvl="0" marL="457200" rtl="0">
+            <a:pPr marL="457200" lvl="0" indent="-381000" rtl="0">
               <a:lnSpc>
                 <a:spcPct val="115000"/>
               </a:lnSpc>
@@ -7642,7 +9665,7 @@
             </a:endParaRPr>
           </a:p>
           <a:p>
-            <a:pPr indent="-381000" lvl="1" marL="914400" rtl="0">
+            <a:pPr marL="914400" lvl="1" indent="-381000" rtl="0">
               <a:lnSpc>
                 <a:spcPct val="115000"/>
               </a:lnSpc>
@@ -7673,7 +9696,7 @@
             </a:endParaRPr>
           </a:p>
           <a:p>
-            <a:pPr indent="-381000" lvl="0" marL="457200" rtl="0">
+            <a:pPr marL="457200" lvl="0" indent="-381000" rtl="0">
               <a:lnSpc>
                 <a:spcPct val="115000"/>
               </a:lnSpc>
@@ -7704,7 +9727,7 @@
             </a:endParaRPr>
           </a:p>
           <a:p>
-            <a:pPr indent="-381000" lvl="1" marL="914400" rtl="0">
+            <a:pPr marL="914400" lvl="1" indent="-381000" rtl="0">
               <a:lnSpc>
                 <a:spcPct val="115000"/>
               </a:lnSpc>
@@ -7735,7 +9758,7 @@
             </a:endParaRPr>
           </a:p>
           <a:p>
-            <a:pPr indent="-381000" lvl="1" marL="914400" rtl="0">
+            <a:pPr marL="914400" lvl="1" indent="-381000" rtl="0">
               <a:lnSpc>
                 <a:spcPct val="115000"/>
               </a:lnSpc>
@@ -7775,32 +9798,32 @@
   <p:timing>
     <p:tnLst>
       <p:par>
-        <p:cTn dur="indefinite" nodeType="tmRoot" restart="never">
+        <p:cTn id="1" dur="indefinite" restart="never" nodeType="tmRoot">
           <p:childTnLst>
             <p:seq concurrent="1" nextAc="seek">
-              <p:cTn dur="indefinite" id="2" nodeType="mainSeq">
+              <p:cTn id="2" dur="indefinite" nodeType="mainSeq">
                 <p:childTnLst>
                   <p:par>
-                    <p:cTn fill="hold">
+                    <p:cTn id="3" fill="hold">
                       <p:stCondLst>
                         <p:cond delay="indefinite"/>
                       </p:stCondLst>
                       <p:childTnLst>
                         <p:par>
-                          <p:cTn fill="hold">
+                          <p:cTn id="4" fill="hold">
                             <p:stCondLst>
                               <p:cond delay="0"/>
                             </p:stCondLst>
                             <p:childTnLst>
                               <p:par>
-                                <p:cTn fill="hold" nodeType="clickEffect" presetClass="entr" presetID="10" presetSubtype="0">
+                                <p:cTn id="5" presetID="10" presetClass="entr" presetSubtype="0" fill="hold" nodeType="clickEffect">
                                   <p:stCondLst>
                                     <p:cond delay="0"/>
                                   </p:stCondLst>
                                   <p:childTnLst>
                                     <p:set>
                                       <p:cBhvr>
-                                        <p:cTn dur="1" fill="hold">
+                                        <p:cTn id="6" dur="1" fill="hold">
                                           <p:stCondLst>
                                             <p:cond delay="0"/>
                                           </p:stCondLst>
@@ -7808,7 +9831,7 @@
                                         <p:tgtEl>
                                           <p:spTgt spid="74">
                                             <p:txEl>
-                                              <p:pRg end="0" st="0"/>
+                                              <p:pRg st="0" end="0"/>
                                             </p:txEl>
                                           </p:spTgt>
                                         </p:tgtEl>
@@ -7820,13 +9843,13 @@
                                         <p:strVal val="visible"/>
                                       </p:to>
                                     </p:set>
-                                    <p:animEffect filter="fade" transition="in">
+                                    <p:animEffect transition="in" filter="fade">
                                       <p:cBhvr>
-                                        <p:cTn dur="1000"/>
+                                        <p:cTn id="7" dur="1000"/>
                                         <p:tgtEl>
                                           <p:spTgt spid="74">
                                             <p:txEl>
-                                              <p:pRg end="0" st="0"/>
+                                              <p:pRg st="0" end="0"/>
                                             </p:txEl>
                                           </p:spTgt>
                                         </p:tgtEl>
@@ -7842,26 +9865,26 @@
                     </p:cTn>
                   </p:par>
                   <p:par>
-                    <p:cTn fill="hold">
+                    <p:cTn id="8" fill="hold">
                       <p:stCondLst>
                         <p:cond delay="indefinite"/>
                       </p:stCondLst>
                       <p:childTnLst>
                         <p:par>
-                          <p:cTn fill="hold">
+                          <p:cTn id="9" fill="hold">
                             <p:stCondLst>
                               <p:cond delay="0"/>
                             </p:stCondLst>
                             <p:childTnLst>
                               <p:par>
-                                <p:cTn fill="hold" nodeType="clickEffect" presetClass="entr" presetID="10" presetSubtype="0">
+                                <p:cTn id="10" presetID="10" presetClass="entr" presetSubtype="0" fill="hold" nodeType="clickEffect">
                                   <p:stCondLst>
                                     <p:cond delay="0"/>
                                   </p:stCondLst>
                                   <p:childTnLst>
                                     <p:set>
                                       <p:cBhvr>
-                                        <p:cTn dur="1" fill="hold">
+                                        <p:cTn id="11" dur="1" fill="hold">
                                           <p:stCondLst>
                                             <p:cond delay="0"/>
                                           </p:stCondLst>
@@ -7869,7 +9892,7 @@
                                         <p:tgtEl>
                                           <p:spTgt spid="74">
                                             <p:txEl>
-                                              <p:pRg end="1" st="1"/>
+                                              <p:pRg st="1" end="1"/>
                                             </p:txEl>
                                           </p:spTgt>
                                         </p:tgtEl>
@@ -7881,13 +9904,13 @@
                                         <p:strVal val="visible"/>
                                       </p:to>
                                     </p:set>
-                                    <p:animEffect filter="fade" transition="in">
+                                    <p:animEffect transition="in" filter="fade">
                                       <p:cBhvr>
-                                        <p:cTn dur="1000"/>
+                                        <p:cTn id="12" dur="1000"/>
                                         <p:tgtEl>
                                           <p:spTgt spid="74">
                                             <p:txEl>
-                                              <p:pRg end="1" st="1"/>
+                                              <p:pRg st="1" end="1"/>
                                             </p:txEl>
                                           </p:spTgt>
                                         </p:tgtEl>
@@ -7903,26 +9926,26 @@
                     </p:cTn>
                   </p:par>
                   <p:par>
-                    <p:cTn fill="hold">
+                    <p:cTn id="13" fill="hold">
                       <p:stCondLst>
                         <p:cond delay="indefinite"/>
                       </p:stCondLst>
                       <p:childTnLst>
                         <p:par>
-                          <p:cTn fill="hold">
+                          <p:cTn id="14" fill="hold">
                             <p:stCondLst>
                               <p:cond delay="0"/>
                             </p:stCondLst>
                             <p:childTnLst>
                               <p:par>
-                                <p:cTn fill="hold" nodeType="clickEffect" presetClass="entr" presetID="10" presetSubtype="0">
+                                <p:cTn id="15" presetID="10" presetClass="entr" presetSubtype="0" fill="hold" nodeType="clickEffect">
                                   <p:stCondLst>
                                     <p:cond delay="0"/>
                                   </p:stCondLst>
                                   <p:childTnLst>
                                     <p:set>
                                       <p:cBhvr>
-                                        <p:cTn dur="1" fill="hold">
+                                        <p:cTn id="16" dur="1" fill="hold">
                                           <p:stCondLst>
                                             <p:cond delay="0"/>
                                           </p:stCondLst>
@@ -7930,7 +9953,7 @@
                                         <p:tgtEl>
                                           <p:spTgt spid="74">
                                             <p:txEl>
-                                              <p:pRg end="2" st="2"/>
+                                              <p:pRg st="2" end="2"/>
                                             </p:txEl>
                                           </p:spTgt>
                                         </p:tgtEl>
@@ -7942,13 +9965,13 @@
                                         <p:strVal val="visible"/>
                                       </p:to>
                                     </p:set>
-                                    <p:animEffect filter="fade" transition="in">
+                                    <p:animEffect transition="in" filter="fade">
                                       <p:cBhvr>
-                                        <p:cTn dur="1000"/>
+                                        <p:cTn id="17" dur="1000"/>
                                         <p:tgtEl>
                                           <p:spTgt spid="74">
                                             <p:txEl>
-                                              <p:pRg end="2" st="2"/>
+                                              <p:pRg st="2" end="2"/>
                                             </p:txEl>
                                           </p:spTgt>
                                         </p:tgtEl>
@@ -7964,26 +9987,26 @@
                     </p:cTn>
                   </p:par>
                   <p:par>
-                    <p:cTn fill="hold">
+                    <p:cTn id="18" fill="hold">
                       <p:stCondLst>
                         <p:cond delay="indefinite"/>
                       </p:stCondLst>
                       <p:childTnLst>
                         <p:par>
-                          <p:cTn fill="hold">
+                          <p:cTn id="19" fill="hold">
                             <p:stCondLst>
                               <p:cond delay="0"/>
                             </p:stCondLst>
                             <p:childTnLst>
                               <p:par>
-                                <p:cTn fill="hold" nodeType="clickEffect" presetClass="entr" presetID="10" presetSubtype="0">
+                                <p:cTn id="20" presetID="10" presetClass="entr" presetSubtype="0" fill="hold" nodeType="clickEffect">
                                   <p:stCondLst>
                                     <p:cond delay="0"/>
                                   </p:stCondLst>
                                   <p:childTnLst>
                                     <p:set>
                                       <p:cBhvr>
-                                        <p:cTn dur="1" fill="hold">
+                                        <p:cTn id="21" dur="1" fill="hold">
                                           <p:stCondLst>
                                             <p:cond delay="0"/>
                                           </p:stCondLst>
@@ -7991,7 +10014,7 @@
                                         <p:tgtEl>
                                           <p:spTgt spid="74">
                                             <p:txEl>
-                                              <p:pRg end="3" st="3"/>
+                                              <p:pRg st="3" end="3"/>
                                             </p:txEl>
                                           </p:spTgt>
                                         </p:tgtEl>
@@ -8003,13 +10026,13 @@
                                         <p:strVal val="visible"/>
                                       </p:to>
                                     </p:set>
-                                    <p:animEffect filter="fade" transition="in">
+                                    <p:animEffect transition="in" filter="fade">
                                       <p:cBhvr>
-                                        <p:cTn dur="1000"/>
+                                        <p:cTn id="22" dur="1000"/>
                                         <p:tgtEl>
                                           <p:spTgt spid="74">
                                             <p:txEl>
-                                              <p:pRg end="3" st="3"/>
+                                              <p:pRg st="3" end="3"/>
                                             </p:txEl>
                                           </p:spTgt>
                                         </p:tgtEl>
@@ -8025,26 +10048,26 @@
                     </p:cTn>
                   </p:par>
                   <p:par>
-                    <p:cTn fill="hold">
+                    <p:cTn id="23" fill="hold">
                       <p:stCondLst>
                         <p:cond delay="indefinite"/>
                       </p:stCondLst>
                       <p:childTnLst>
                         <p:par>
-                          <p:cTn fill="hold">
+                          <p:cTn id="24" fill="hold">
                             <p:stCondLst>
                               <p:cond delay="0"/>
                             </p:stCondLst>
                             <p:childTnLst>
                               <p:par>
-                                <p:cTn fill="hold" nodeType="clickEffect" presetClass="entr" presetID="10" presetSubtype="0">
+                                <p:cTn id="25" presetID="10" presetClass="entr" presetSubtype="0" fill="hold" nodeType="clickEffect">
                                   <p:stCondLst>
                                     <p:cond delay="0"/>
                                   </p:stCondLst>
                                   <p:childTnLst>
                                     <p:set>
                                       <p:cBhvr>
-                                        <p:cTn dur="1" fill="hold">
+                                        <p:cTn id="26" dur="1" fill="hold">
                                           <p:stCondLst>
                                             <p:cond delay="0"/>
                                           </p:stCondLst>
@@ -8052,7 +10075,7 @@
                                         <p:tgtEl>
                                           <p:spTgt spid="74">
                                             <p:txEl>
-                                              <p:pRg end="4" st="4"/>
+                                              <p:pRg st="4" end="4"/>
                                             </p:txEl>
                                           </p:spTgt>
                                         </p:tgtEl>
@@ -8064,13 +10087,13 @@
                                         <p:strVal val="visible"/>
                                       </p:to>
                                     </p:set>
-                                    <p:animEffect filter="fade" transition="in">
+                                    <p:animEffect transition="in" filter="fade">
                                       <p:cBhvr>
-                                        <p:cTn dur="1000"/>
+                                        <p:cTn id="27" dur="1000"/>
                                         <p:tgtEl>
                                           <p:spTgt spid="74">
                                             <p:txEl>
-                                              <p:pRg end="4" st="4"/>
+                                              <p:pRg st="4" end="4"/>
                                             </p:txEl>
                                           </p:spTgt>
                                         </p:tgtEl>
@@ -8088,14 +10111,14 @@
                 </p:childTnLst>
               </p:cTn>
               <p:prevCondLst>
-                <p:cond evt="onPrev">
+                <p:cond evt="onPrev" delay="0">
                   <p:tgtEl>
                     <p:sldTgt/>
                   </p:tgtEl>
                 </p:cond>
               </p:prevCondLst>
               <p:nextCondLst>
-                <p:cond evt="onNext">
+                <p:cond evt="onNext" delay="0">
                   <p:tgtEl>
                     <p:sldTgt/>
                   </p:tgtEl>
@@ -8110,12 +10133,12 @@
 </p:sld>
 </file>
 
-<file path=ppt/slides/slide5.xml><?xml version="1.0" encoding="utf-8"?>
-<p:sld xmlns:a="http://schemas.openxmlformats.org/drawingml/2006/main" xmlns:r="http://schemas.openxmlformats.org/officeDocument/2006/relationships" xmlns:mc="http://schemas.openxmlformats.org/markup-compatibility/2006" xmlns:mv="urn:schemas-microsoft-com:mac:vml" xmlns:p="http://schemas.openxmlformats.org/presentationml/2006/main" xmlns:c="http://schemas.openxmlformats.org/drawingml/2006/chart" xmlns:dgm="http://schemas.openxmlformats.org/drawingml/2006/diagram" xmlns:o="urn:schemas-microsoft-com:office:office" xmlns:v="urn:schemas-microsoft-com:vml" xmlns:pvml="urn:schemas-microsoft-com:office:powerpoint" xmlns:com="http://schemas.openxmlformats.org/drawingml/2006/compatibility" xmlns:p14="http://schemas.microsoft.com/office/powerpoint/2010/main" xmlns:p15="http://schemas.microsoft.com/office/powerpoint/2012/main">
+<file path=ppt/slides/slide9.xml><?xml version="1.0" encoding="utf-8"?>
+<p:sld xmlns:a="http://schemas.openxmlformats.org/drawingml/2006/main" xmlns:r="http://schemas.openxmlformats.org/officeDocument/2006/relationships" xmlns:p="http://schemas.openxmlformats.org/presentationml/2006/main">
   <p:cSld>
     <p:spTree>
       <p:nvGrpSpPr>
-        <p:cNvPr id="78" name="Shape 78"/>
+        <p:cNvPr id="1" name="Shape 78"/>
         <p:cNvGrpSpPr/>
         <p:nvPr/>
       </p:nvGrpSpPr>
@@ -8130,7 +10153,9 @@
       <p:sp>
         <p:nvSpPr>
           <p:cNvPr id="79" name="Shape 79"/>
-          <p:cNvSpPr txBox="1"/>
+          <p:cNvSpPr txBox="1">
+            <a:spLocks noGrp="1"/>
+          </p:cNvSpPr>
           <p:nvPr>
             <p:ph type="title"/>
           </p:nvPr>
@@ -8145,12 +10170,12 @@
           </a:prstGeom>
         </p:spPr>
         <p:txBody>
-          <a:bodyPr anchorCtr="0" anchor="t" bIns="91425" lIns="91425" spcFirstLastPara="1" rIns="91425" wrap="square" tIns="91425">
+          <a:bodyPr spcFirstLastPara="1" wrap="square" lIns="91425" tIns="91425" rIns="91425" bIns="91425" anchor="t" anchorCtr="0">
             <a:noAutofit/>
           </a:bodyPr>
           <a:lstStyle/>
           <a:p>
-            <a:pPr indent="0" lvl="0" marL="0" rtl="0">
+            <a:pPr marL="0" lvl="0" indent="0" rtl="0">
               <a:spcBef>
                 <a:spcPts val="0"/>
               </a:spcBef>
@@ -8160,10 +10185,18 @@
               <a:buNone/>
             </a:pPr>
             <a:r>
-              <a:rPr lang="en" sz="4000"/>
-              <a:t>Now you have the User...</a:t>
+              <a:rPr lang="en" sz="4000" dirty="0"/>
+              <a:t>Now you have the User </a:t>
             </a:r>
-            <a:endParaRPr sz="4000"/>
+            <a:r>
+              <a:rPr lang="en-US" sz="4000" dirty="0"/>
+              <a:t>we can</a:t>
+            </a:r>
+            <a:r>
+              <a:rPr lang="en" sz="4000" dirty="0"/>
+              <a:t>...</a:t>
+            </a:r>
+            <a:endParaRPr sz="4000" dirty="0"/>
           </a:p>
         </p:txBody>
       </p:sp>
@@ -8187,12 +10220,12 @@
           </a:ln>
         </p:spPr>
         <p:txBody>
-          <a:bodyPr anchorCtr="0" anchor="t" bIns="91425" lIns="91425" spcFirstLastPara="1" rIns="91425" wrap="square" tIns="91425">
+          <a:bodyPr spcFirstLastPara="1" wrap="square" lIns="91425" tIns="91425" rIns="91425" bIns="91425" anchor="t" anchorCtr="0">
             <a:noAutofit/>
           </a:bodyPr>
           <a:lstStyle/>
           <a:p>
-            <a:pPr indent="-381000" lvl="0" marL="457200" rtl="0">
+            <a:pPr marL="457200" lvl="0" indent="-381000" rtl="0">
               <a:lnSpc>
                 <a:spcPct val="115000"/>
               </a:lnSpc>
@@ -8223,7 +10256,7 @@
             </a:endParaRPr>
           </a:p>
           <a:p>
-            <a:pPr indent="-381000" lvl="0" marL="457200" rtl="0">
+            <a:pPr marL="457200" lvl="0" indent="-381000" rtl="0">
               <a:lnSpc>
                 <a:spcPct val="115000"/>
               </a:lnSpc>
@@ -8254,7 +10287,7 @@
             </a:endParaRPr>
           </a:p>
           <a:p>
-            <a:pPr indent="-381000" lvl="0" marL="457200" rtl="0">
+            <a:pPr marL="457200" lvl="0" indent="-381000" rtl="0">
               <a:lnSpc>
                 <a:spcPct val="115000"/>
               </a:lnSpc>
@@ -8294,32 +10327,32 @@
   <p:timing>
     <p:tnLst>
       <p:par>
-        <p:cTn dur="indefinite" nodeType="tmRoot" restart="never">
+        <p:cTn id="1" dur="indefinite" restart="never" nodeType="tmRoot">
           <p:childTnLst>
             <p:seq concurrent="1" nextAc="seek">
-              <p:cTn dur="indefinite" id="2" nodeType="mainSeq">
+              <p:cTn id="2" dur="indefinite" nodeType="mainSeq">
                 <p:childTnLst>
                   <p:par>
-                    <p:cTn fill="hold">
+                    <p:cTn id="3" fill="hold">
                       <p:stCondLst>
                         <p:cond delay="indefinite"/>
                       </p:stCondLst>
                       <p:childTnLst>
                         <p:par>
-                          <p:cTn fill="hold">
+                          <p:cTn id="4" fill="hold">
                             <p:stCondLst>
                               <p:cond delay="0"/>
                             </p:stCondLst>
                             <p:childTnLst>
                               <p:par>
-                                <p:cTn fill="hold" nodeType="clickEffect" presetClass="entr" presetID="10" presetSubtype="0">
+                                <p:cTn id="5" presetID="10" presetClass="entr" presetSubtype="0" fill="hold" nodeType="clickEffect">
                                   <p:stCondLst>
                                     <p:cond delay="0"/>
                                   </p:stCondLst>
                                   <p:childTnLst>
                                     <p:set>
                                       <p:cBhvr>
-                                        <p:cTn dur="1" fill="hold">
+                                        <p:cTn id="6" dur="1" fill="hold">
                                           <p:stCondLst>
                                             <p:cond delay="0"/>
                                           </p:stCondLst>
@@ -8327,7 +10360,7 @@
                                         <p:tgtEl>
                                           <p:spTgt spid="80">
                                             <p:txEl>
-                                              <p:pRg end="0" st="0"/>
+                                              <p:pRg st="0" end="0"/>
                                             </p:txEl>
                                           </p:spTgt>
                                         </p:tgtEl>
@@ -8339,13 +10372,13 @@
                                         <p:strVal val="visible"/>
                                       </p:to>
                                     </p:set>
-                                    <p:animEffect filter="fade" transition="in">
+                                    <p:animEffect transition="in" filter="fade">
                                       <p:cBhvr>
-                                        <p:cTn dur="1000"/>
+                                        <p:cTn id="7" dur="1000"/>
                                         <p:tgtEl>
                                           <p:spTgt spid="80">
                                             <p:txEl>
-                                              <p:pRg end="0" st="0"/>
+                                              <p:pRg st="0" end="0"/>
                                             </p:txEl>
                                           </p:spTgt>
                                         </p:tgtEl>
@@ -8361,26 +10394,26 @@
                     </p:cTn>
                   </p:par>
                   <p:par>
-                    <p:cTn fill="hold">
+                    <p:cTn id="8" fill="hold">
                       <p:stCondLst>
                         <p:cond delay="indefinite"/>
                       </p:stCondLst>
                       <p:childTnLst>
                         <p:par>
-                          <p:cTn fill="hold">
+                          <p:cTn id="9" fill="hold">
                             <p:stCondLst>
                               <p:cond delay="0"/>
                             </p:stCondLst>
                             <p:childTnLst>
                               <p:par>
-                                <p:cTn fill="hold" nodeType="clickEffect" presetClass="entr" presetID="10" presetSubtype="0">
+                                <p:cTn id="10" presetID="10" presetClass="entr" presetSubtype="0" fill="hold" nodeType="clickEffect">
                                   <p:stCondLst>
                                     <p:cond delay="0"/>
                                   </p:stCondLst>
                                   <p:childTnLst>
                                     <p:set>
                                       <p:cBhvr>
-                                        <p:cTn dur="1" fill="hold">
+                                        <p:cTn id="11" dur="1" fill="hold">
                                           <p:stCondLst>
                                             <p:cond delay="0"/>
                                           </p:stCondLst>
@@ -8388,7 +10421,7 @@
                                         <p:tgtEl>
                                           <p:spTgt spid="80">
                                             <p:txEl>
-                                              <p:pRg end="1" st="1"/>
+                                              <p:pRg st="1" end="1"/>
                                             </p:txEl>
                                           </p:spTgt>
                                         </p:tgtEl>
@@ -8400,13 +10433,13 @@
                                         <p:strVal val="visible"/>
                                       </p:to>
                                     </p:set>
-                                    <p:animEffect filter="fade" transition="in">
+                                    <p:animEffect transition="in" filter="fade">
                                       <p:cBhvr>
-                                        <p:cTn dur="1000"/>
+                                        <p:cTn id="12" dur="1000"/>
                                         <p:tgtEl>
                                           <p:spTgt spid="80">
                                             <p:txEl>
-                                              <p:pRg end="1" st="1"/>
+                                              <p:pRg st="1" end="1"/>
                                             </p:txEl>
                                           </p:spTgt>
                                         </p:tgtEl>
@@ -8422,26 +10455,26 @@
                     </p:cTn>
                   </p:par>
                   <p:par>
-                    <p:cTn fill="hold">
+                    <p:cTn id="13" fill="hold">
                       <p:stCondLst>
                         <p:cond delay="indefinite"/>
                       </p:stCondLst>
                       <p:childTnLst>
                         <p:par>
-                          <p:cTn fill="hold">
+                          <p:cTn id="14" fill="hold">
                             <p:stCondLst>
                               <p:cond delay="0"/>
                             </p:stCondLst>
                             <p:childTnLst>
                               <p:par>
-                                <p:cTn fill="hold" nodeType="clickEffect" presetClass="entr" presetID="10" presetSubtype="0">
+                                <p:cTn id="15" presetID="10" presetClass="entr" presetSubtype="0" fill="hold" nodeType="clickEffect">
                                   <p:stCondLst>
                                     <p:cond delay="0"/>
                                   </p:stCondLst>
                                   <p:childTnLst>
                                     <p:set>
                                       <p:cBhvr>
-                                        <p:cTn dur="1" fill="hold">
+                                        <p:cTn id="16" dur="1" fill="hold">
                                           <p:stCondLst>
                                             <p:cond delay="0"/>
                                           </p:stCondLst>
@@ -8449,7 +10482,7 @@
                                         <p:tgtEl>
                                           <p:spTgt spid="80">
                                             <p:txEl>
-                                              <p:pRg end="2" st="2"/>
+                                              <p:pRg st="2" end="2"/>
                                             </p:txEl>
                                           </p:spTgt>
                                         </p:tgtEl>
@@ -8461,13 +10494,13 @@
                                         <p:strVal val="visible"/>
                                       </p:to>
                                     </p:set>
-                                    <p:animEffect filter="fade" transition="in">
+                                    <p:animEffect transition="in" filter="fade">
                                       <p:cBhvr>
-                                        <p:cTn dur="1000"/>
+                                        <p:cTn id="17" dur="1000"/>
                                         <p:tgtEl>
                                           <p:spTgt spid="80">
                                             <p:txEl>
-                                              <p:pRg end="2" st="2"/>
+                                              <p:pRg st="2" end="2"/>
                                             </p:txEl>
                                           </p:spTgt>
                                         </p:tgtEl>
@@ -8485,411 +10518,14 @@
                 </p:childTnLst>
               </p:cTn>
               <p:prevCondLst>
-                <p:cond evt="onPrev">
+                <p:cond evt="onPrev" delay="0">
                   <p:tgtEl>
                     <p:sldTgt/>
                   </p:tgtEl>
                 </p:cond>
               </p:prevCondLst>
               <p:nextCondLst>
-                <p:cond evt="onNext">
-                  <p:tgtEl>
-                    <p:sldTgt/>
-                  </p:tgtEl>
-                </p:cond>
-              </p:nextCondLst>
-            </p:seq>
-          </p:childTnLst>
-        </p:cTn>
-      </p:par>
-    </p:tnLst>
-  </p:timing>
-</p:sld>
-</file>
-
-<file path=ppt/slides/slide6.xml><?xml version="1.0" encoding="utf-8"?>
-<p:sld xmlns:a="http://schemas.openxmlformats.org/drawingml/2006/main" xmlns:r="http://schemas.openxmlformats.org/officeDocument/2006/relationships" xmlns:mc="http://schemas.openxmlformats.org/markup-compatibility/2006" xmlns:mv="urn:schemas-microsoft-com:mac:vml" xmlns:p="http://schemas.openxmlformats.org/presentationml/2006/main" xmlns:c="http://schemas.openxmlformats.org/drawingml/2006/chart" xmlns:dgm="http://schemas.openxmlformats.org/drawingml/2006/diagram" xmlns:o="urn:schemas-microsoft-com:office:office" xmlns:v="urn:schemas-microsoft-com:vml" xmlns:pvml="urn:schemas-microsoft-com:office:powerpoint" xmlns:com="http://schemas.openxmlformats.org/drawingml/2006/compatibility" xmlns:p14="http://schemas.microsoft.com/office/powerpoint/2010/main" xmlns:p15="http://schemas.microsoft.com/office/powerpoint/2012/main">
-  <p:cSld>
-    <p:spTree>
-      <p:nvGrpSpPr>
-        <p:cNvPr id="84" name="Shape 84"/>
-        <p:cNvGrpSpPr/>
-        <p:nvPr/>
-      </p:nvGrpSpPr>
-      <p:grpSpPr>
-        <a:xfrm>
-          <a:off x="0" y="0"/>
-          <a:ext cx="0" cy="0"/>
-          <a:chOff x="0" y="0"/>
-          <a:chExt cx="0" cy="0"/>
-        </a:xfrm>
-      </p:grpSpPr>
-      <p:sp>
-        <p:nvSpPr>
-          <p:cNvPr id="85" name="Shape 85"/>
-          <p:cNvSpPr txBox="1"/>
-          <p:nvPr>
-            <p:ph type="title"/>
-          </p:nvPr>
-        </p:nvSpPr>
-        <p:spPr>
-          <a:xfrm>
-            <a:off x="62275" y="-124550"/>
-            <a:ext cx="8769900" cy="524700"/>
-          </a:xfrm>
-          <a:prstGeom prst="rect">
-            <a:avLst/>
-          </a:prstGeom>
-        </p:spPr>
-        <p:txBody>
-          <a:bodyPr anchorCtr="0" anchor="t" bIns="91425" lIns="91425" spcFirstLastPara="1" rIns="91425" wrap="square" tIns="91425">
-            <a:noAutofit/>
-          </a:bodyPr>
-          <a:lstStyle/>
-          <a:p>
-            <a:pPr indent="0" lvl="0" marL="0" rtl="0">
-              <a:spcBef>
-                <a:spcPts val="0"/>
-              </a:spcBef>
-              <a:spcAft>
-                <a:spcPts val="0"/>
-              </a:spcAft>
-              <a:buNone/>
-            </a:pPr>
-            <a:r>
-              <a:rPr lang="en" sz="4000"/>
-              <a:t>Short term memory</a:t>
-            </a:r>
-            <a:endParaRPr sz="4000"/>
-          </a:p>
-        </p:txBody>
-      </p:sp>
-      <p:sp>
-        <p:nvSpPr>
-          <p:cNvPr id="86" name="Shape 86"/>
-          <p:cNvSpPr txBox="1"/>
-          <p:nvPr/>
-        </p:nvSpPr>
-        <p:spPr>
-          <a:xfrm>
-            <a:off x="418050" y="658225"/>
-            <a:ext cx="8619300" cy="4349700"/>
-          </a:xfrm>
-          <a:prstGeom prst="rect">
-            <a:avLst/>
-          </a:prstGeom>
-          <a:noFill/>
-          <a:ln>
-            <a:noFill/>
-          </a:ln>
-        </p:spPr>
-        <p:txBody>
-          <a:bodyPr anchorCtr="0" anchor="t" bIns="91425" lIns="91425" spcFirstLastPara="1" rIns="91425" wrap="square" tIns="91425">
-            <a:noAutofit/>
-          </a:bodyPr>
-          <a:lstStyle/>
-          <a:p>
-            <a:pPr indent="-381000" lvl="0" marL="457200" rtl="0">
-              <a:lnSpc>
-                <a:spcPct val="115000"/>
-              </a:lnSpc>
-              <a:spcBef>
-                <a:spcPts val="0"/>
-              </a:spcBef>
-              <a:spcAft>
-                <a:spcPts val="0"/>
-              </a:spcAft>
-              <a:buClr>
-                <a:srgbClr val="FFFFFF"/>
-              </a:buClr>
-              <a:buSzPts val="2400"/>
-              <a:buChar char="●"/>
-            </a:pPr>
-            <a:r>
-              <a:rPr lang="en" sz="2400">
-                <a:solidFill>
-                  <a:srgbClr val="FFFFFF"/>
-                </a:solidFill>
-              </a:rPr>
-              <a:t>Sometimes we want to only show a message to the user ONCE and only ONCE</a:t>
-            </a:r>
-            <a:endParaRPr sz="2400">
-              <a:solidFill>
-                <a:srgbClr val="FFFFFF"/>
-              </a:solidFill>
-            </a:endParaRPr>
-          </a:p>
-          <a:p>
-            <a:pPr indent="-381000" lvl="0" marL="457200" rtl="0">
-              <a:lnSpc>
-                <a:spcPct val="115000"/>
-              </a:lnSpc>
-              <a:spcBef>
-                <a:spcPts val="0"/>
-              </a:spcBef>
-              <a:spcAft>
-                <a:spcPts val="0"/>
-              </a:spcAft>
-              <a:buClr>
-                <a:srgbClr val="FFFFFF"/>
-              </a:buClr>
-              <a:buSzPts val="2400"/>
-              <a:buChar char="●"/>
-            </a:pPr>
-            <a:r>
-              <a:rPr lang="en" sz="2400">
-                <a:solidFill>
-                  <a:srgbClr val="FFFFFF"/>
-                </a:solidFill>
-              </a:rPr>
-              <a:t>Flash Memory = designed to do exactly that</a:t>
-            </a:r>
-            <a:endParaRPr sz="2400">
-              <a:solidFill>
-                <a:srgbClr val="FFFFFF"/>
-              </a:solidFill>
-            </a:endParaRPr>
-          </a:p>
-          <a:p>
-            <a:pPr indent="-381000" lvl="0" marL="457200" rtl="0">
-              <a:lnSpc>
-                <a:spcPct val="115000"/>
-              </a:lnSpc>
-              <a:spcBef>
-                <a:spcPts val="0"/>
-              </a:spcBef>
-              <a:spcAft>
-                <a:spcPts val="0"/>
-              </a:spcAft>
-              <a:buClr>
-                <a:srgbClr val="FFFFFF"/>
-              </a:buClr>
-              <a:buSzPts val="2400"/>
-              <a:buChar char="●"/>
-            </a:pPr>
-            <a:r>
-              <a:rPr lang="en" sz="2400">
-                <a:solidFill>
-                  <a:srgbClr val="FFFFFF"/>
-                </a:solidFill>
-              </a:rPr>
-              <a:t>Unlike session storage, Flash will only last for one request</a:t>
-            </a:r>
-            <a:endParaRPr sz="2400">
-              <a:solidFill>
-                <a:srgbClr val="FFFFFF"/>
-              </a:solidFill>
-            </a:endParaRPr>
-          </a:p>
-        </p:txBody>
-      </p:sp>
-    </p:spTree>
-  </p:cSld>
-  <p:clrMapOvr>
-    <a:masterClrMapping/>
-  </p:clrMapOvr>
-  <p:timing>
-    <p:tnLst>
-      <p:par>
-        <p:cTn dur="indefinite" nodeType="tmRoot" restart="never">
-          <p:childTnLst>
-            <p:seq concurrent="1" nextAc="seek">
-              <p:cTn dur="indefinite" id="2" nodeType="mainSeq">
-                <p:childTnLst>
-                  <p:par>
-                    <p:cTn fill="hold">
-                      <p:stCondLst>
-                        <p:cond delay="indefinite"/>
-                      </p:stCondLst>
-                      <p:childTnLst>
-                        <p:par>
-                          <p:cTn fill="hold">
-                            <p:stCondLst>
-                              <p:cond delay="0"/>
-                            </p:stCondLst>
-                            <p:childTnLst>
-                              <p:par>
-                                <p:cTn fill="hold" nodeType="clickEffect" presetClass="entr" presetID="10" presetSubtype="0">
-                                  <p:stCondLst>
-                                    <p:cond delay="0"/>
-                                  </p:stCondLst>
-                                  <p:childTnLst>
-                                    <p:set>
-                                      <p:cBhvr>
-                                        <p:cTn dur="1" fill="hold">
-                                          <p:stCondLst>
-                                            <p:cond delay="0"/>
-                                          </p:stCondLst>
-                                        </p:cTn>
-                                        <p:tgtEl>
-                                          <p:spTgt spid="86">
-                                            <p:txEl>
-                                              <p:pRg end="0" st="0"/>
-                                            </p:txEl>
-                                          </p:spTgt>
-                                        </p:tgtEl>
-                                        <p:attrNameLst>
-                                          <p:attrName>style.visibility</p:attrName>
-                                        </p:attrNameLst>
-                                      </p:cBhvr>
-                                      <p:to>
-                                        <p:strVal val="visible"/>
-                                      </p:to>
-                                    </p:set>
-                                    <p:animEffect filter="fade" transition="in">
-                                      <p:cBhvr>
-                                        <p:cTn dur="1000"/>
-                                        <p:tgtEl>
-                                          <p:spTgt spid="86">
-                                            <p:txEl>
-                                              <p:pRg end="0" st="0"/>
-                                            </p:txEl>
-                                          </p:spTgt>
-                                        </p:tgtEl>
-                                      </p:cBhvr>
-                                    </p:animEffect>
-                                  </p:childTnLst>
-                                </p:cTn>
-                              </p:par>
-                            </p:childTnLst>
-                          </p:cTn>
-                        </p:par>
-                      </p:childTnLst>
-                    </p:cTn>
-                  </p:par>
-                  <p:par>
-                    <p:cTn fill="hold">
-                      <p:stCondLst>
-                        <p:cond delay="indefinite"/>
-                      </p:stCondLst>
-                      <p:childTnLst>
-                        <p:par>
-                          <p:cTn fill="hold">
-                            <p:stCondLst>
-                              <p:cond delay="0"/>
-                            </p:stCondLst>
-                            <p:childTnLst>
-                              <p:par>
-                                <p:cTn fill="hold" nodeType="clickEffect" presetClass="entr" presetID="10" presetSubtype="0">
-                                  <p:stCondLst>
-                                    <p:cond delay="0"/>
-                                  </p:stCondLst>
-                                  <p:childTnLst>
-                                    <p:set>
-                                      <p:cBhvr>
-                                        <p:cTn dur="1" fill="hold">
-                                          <p:stCondLst>
-                                            <p:cond delay="0"/>
-                                          </p:stCondLst>
-                                        </p:cTn>
-                                        <p:tgtEl>
-                                          <p:spTgt spid="86">
-                                            <p:txEl>
-                                              <p:pRg end="1" st="1"/>
-                                            </p:txEl>
-                                          </p:spTgt>
-                                        </p:tgtEl>
-                                        <p:attrNameLst>
-                                          <p:attrName>style.visibility</p:attrName>
-                                        </p:attrNameLst>
-                                      </p:cBhvr>
-                                      <p:to>
-                                        <p:strVal val="visible"/>
-                                      </p:to>
-                                    </p:set>
-                                    <p:animEffect filter="fade" transition="in">
-                                      <p:cBhvr>
-                                        <p:cTn dur="1000"/>
-                                        <p:tgtEl>
-                                          <p:spTgt spid="86">
-                                            <p:txEl>
-                                              <p:pRg end="1" st="1"/>
-                                            </p:txEl>
-                                          </p:spTgt>
-                                        </p:tgtEl>
-                                      </p:cBhvr>
-                                    </p:animEffect>
-                                  </p:childTnLst>
-                                </p:cTn>
-                              </p:par>
-                            </p:childTnLst>
-                          </p:cTn>
-                        </p:par>
-                      </p:childTnLst>
-                    </p:cTn>
-                  </p:par>
-                  <p:par>
-                    <p:cTn fill="hold">
-                      <p:stCondLst>
-                        <p:cond delay="indefinite"/>
-                      </p:stCondLst>
-                      <p:childTnLst>
-                        <p:par>
-                          <p:cTn fill="hold">
-                            <p:stCondLst>
-                              <p:cond delay="0"/>
-                            </p:stCondLst>
-                            <p:childTnLst>
-                              <p:par>
-                                <p:cTn fill="hold" nodeType="clickEffect" presetClass="entr" presetID="10" presetSubtype="0">
-                                  <p:stCondLst>
-                                    <p:cond delay="0"/>
-                                  </p:stCondLst>
-                                  <p:childTnLst>
-                                    <p:set>
-                                      <p:cBhvr>
-                                        <p:cTn dur="1" fill="hold">
-                                          <p:stCondLst>
-                                            <p:cond delay="0"/>
-                                          </p:stCondLst>
-                                        </p:cTn>
-                                        <p:tgtEl>
-                                          <p:spTgt spid="86">
-                                            <p:txEl>
-                                              <p:pRg end="2" st="2"/>
-                                            </p:txEl>
-                                          </p:spTgt>
-                                        </p:tgtEl>
-                                        <p:attrNameLst>
-                                          <p:attrName>style.visibility</p:attrName>
-                                        </p:attrNameLst>
-                                      </p:cBhvr>
-                                      <p:to>
-                                        <p:strVal val="visible"/>
-                                      </p:to>
-                                    </p:set>
-                                    <p:animEffect filter="fade" transition="in">
-                                      <p:cBhvr>
-                                        <p:cTn dur="1000"/>
-                                        <p:tgtEl>
-                                          <p:spTgt spid="86">
-                                            <p:txEl>
-                                              <p:pRg end="2" st="2"/>
-                                            </p:txEl>
-                                          </p:spTgt>
-                                        </p:tgtEl>
-                                      </p:cBhvr>
-                                    </p:animEffect>
-                                  </p:childTnLst>
-                                </p:cTn>
-                              </p:par>
-                            </p:childTnLst>
-                          </p:cTn>
-                        </p:par>
-                      </p:childTnLst>
-                    </p:cTn>
-                  </p:par>
-                </p:childTnLst>
-              </p:cTn>
-              <p:prevCondLst>
-                <p:cond evt="onPrev">
-                  <p:tgtEl>
-                    <p:sldTgt/>
-                  </p:tgtEl>
-                </p:cond>
-              </p:prevCondLst>
-              <p:nextCondLst>
-                <p:cond evt="onNext">
+                <p:cond evt="onNext" delay="0">
                   <p:tgtEl>
                     <p:sldTgt/>
                   </p:tgtEl>
@@ -8905,7 +10541,7 @@
 </file>
 
 <file path=ppt/theme/theme1.xml><?xml version="1.0" encoding="utf-8"?>
-<a:theme xmlns:a="http://schemas.openxmlformats.org/drawingml/2006/main" xmlns:r="http://schemas.openxmlformats.org/officeDocument/2006/relationships" name="Simple Dark">
+<a:theme xmlns:a="http://schemas.openxmlformats.org/drawingml/2006/main" name="Simple Dark">
   <a:themeElements>
     <a:clrScheme name="Simple Dark">
       <a:dk1>
@@ -9180,11 +10816,13 @@
       </a:bgFillStyleLst>
     </a:fmtScheme>
   </a:themeElements>
+  <a:objectDefaults/>
+  <a:extraClrSchemeLst/>
 </a:theme>
 </file>
 
 <file path=ppt/theme/theme2.xml><?xml version="1.0" encoding="utf-8"?>
-<a:theme xmlns:a="http://schemas.openxmlformats.org/drawingml/2006/main" xmlns:r="http://schemas.openxmlformats.org/officeDocument/2006/relationships">
+<a:theme xmlns:a="http://schemas.openxmlformats.org/drawingml/2006/main">
   <a:themeElements>
     <a:clrScheme name="Default">
       <a:dk1>
@@ -9459,5 +11097,7 @@
       </a:bgFillStyleLst>
     </a:fmtScheme>
   </a:themeElements>
+  <a:objectDefaults/>
+  <a:extraClrSchemeLst/>
 </a:theme>
 </file>